--- a/graphs.pptx
+++ b/graphs.pptx
@@ -2,18 +2,19 @@
 <file path=ppt/presentation.xml><?xml version="1.0" encoding="utf-8"?>
 <p:presentation xmlns:a="http://schemas.openxmlformats.org/drawingml/2006/main" xmlns:r="http://schemas.openxmlformats.org/officeDocument/2006/relationships" xmlns:p="http://schemas.openxmlformats.org/presentationml/2006/main" saveSubsetFonts="1">
   <p:sldMasterIdLst>
-    <p:sldMasterId id="2147483648" r:id="rId1"/>
+    <p:sldMasterId id="2147483660" r:id="rId1"/>
   </p:sldMasterIdLst>
   <p:sldIdLst>
-    <p:sldId id="256" r:id="rId2"/>
+    <p:sldId id="257" r:id="rId2"/>
+    <p:sldId id="258" r:id="rId3"/>
   </p:sldIdLst>
-  <p:sldSz cx="12192000" cy="6858000"/>
+  <p:sldSz cx="14400213" cy="14400213"/>
   <p:notesSz cx="6858000" cy="9144000"/>
   <p:defaultTextStyle>
     <a:defPPr>
       <a:defRPr lang="en-US"/>
     </a:defPPr>
-    <a:lvl1pPr marL="0" algn="l" defTabSz="914400" rtl="0" eaLnBrk="1" latinLnBrk="0" hangingPunct="1">
+    <a:lvl1pPr marL="0" algn="l" defTabSz="457200" rtl="0" eaLnBrk="1" latinLnBrk="0" hangingPunct="1">
       <a:defRPr sz="1800" kern="1200">
         <a:solidFill>
           <a:schemeClr val="tx1"/>
@@ -23,7 +24,7 @@
         <a:cs typeface="+mn-cs"/>
       </a:defRPr>
     </a:lvl1pPr>
-    <a:lvl2pPr marL="457200" algn="l" defTabSz="914400" rtl="0" eaLnBrk="1" latinLnBrk="0" hangingPunct="1">
+    <a:lvl2pPr marL="457200" algn="l" defTabSz="457200" rtl="0" eaLnBrk="1" latinLnBrk="0" hangingPunct="1">
       <a:defRPr sz="1800" kern="1200">
         <a:solidFill>
           <a:schemeClr val="tx1"/>
@@ -33,7 +34,7 @@
         <a:cs typeface="+mn-cs"/>
       </a:defRPr>
     </a:lvl2pPr>
-    <a:lvl3pPr marL="914400" algn="l" defTabSz="914400" rtl="0" eaLnBrk="1" latinLnBrk="0" hangingPunct="1">
+    <a:lvl3pPr marL="914400" algn="l" defTabSz="457200" rtl="0" eaLnBrk="1" latinLnBrk="0" hangingPunct="1">
       <a:defRPr sz="1800" kern="1200">
         <a:solidFill>
           <a:schemeClr val="tx1"/>
@@ -43,7 +44,7 @@
         <a:cs typeface="+mn-cs"/>
       </a:defRPr>
     </a:lvl3pPr>
-    <a:lvl4pPr marL="1371600" algn="l" defTabSz="914400" rtl="0" eaLnBrk="1" latinLnBrk="0" hangingPunct="1">
+    <a:lvl4pPr marL="1371600" algn="l" defTabSz="457200" rtl="0" eaLnBrk="1" latinLnBrk="0" hangingPunct="1">
       <a:defRPr sz="1800" kern="1200">
         <a:solidFill>
           <a:schemeClr val="tx1"/>
@@ -53,7 +54,7 @@
         <a:cs typeface="+mn-cs"/>
       </a:defRPr>
     </a:lvl4pPr>
-    <a:lvl5pPr marL="1828800" algn="l" defTabSz="914400" rtl="0" eaLnBrk="1" latinLnBrk="0" hangingPunct="1">
+    <a:lvl5pPr marL="1828800" algn="l" defTabSz="457200" rtl="0" eaLnBrk="1" latinLnBrk="0" hangingPunct="1">
       <a:defRPr sz="1800" kern="1200">
         <a:solidFill>
           <a:schemeClr val="tx1"/>
@@ -63,7 +64,7 @@
         <a:cs typeface="+mn-cs"/>
       </a:defRPr>
     </a:lvl5pPr>
-    <a:lvl6pPr marL="2286000" algn="l" defTabSz="914400" rtl="0" eaLnBrk="1" latinLnBrk="0" hangingPunct="1">
+    <a:lvl6pPr marL="2286000" algn="l" defTabSz="457200" rtl="0" eaLnBrk="1" latinLnBrk="0" hangingPunct="1">
       <a:defRPr sz="1800" kern="1200">
         <a:solidFill>
           <a:schemeClr val="tx1"/>
@@ -73,7 +74,7 @@
         <a:cs typeface="+mn-cs"/>
       </a:defRPr>
     </a:lvl6pPr>
-    <a:lvl7pPr marL="2743200" algn="l" defTabSz="914400" rtl="0" eaLnBrk="1" latinLnBrk="0" hangingPunct="1">
+    <a:lvl7pPr marL="2743200" algn="l" defTabSz="457200" rtl="0" eaLnBrk="1" latinLnBrk="0" hangingPunct="1">
       <a:defRPr sz="1800" kern="1200">
         <a:solidFill>
           <a:schemeClr val="tx1"/>
@@ -83,7 +84,7 @@
         <a:cs typeface="+mn-cs"/>
       </a:defRPr>
     </a:lvl7pPr>
-    <a:lvl8pPr marL="3200400" algn="l" defTabSz="914400" rtl="0" eaLnBrk="1" latinLnBrk="0" hangingPunct="1">
+    <a:lvl8pPr marL="3200400" algn="l" defTabSz="457200" rtl="0" eaLnBrk="1" latinLnBrk="0" hangingPunct="1">
       <a:defRPr sz="1800" kern="1200">
         <a:solidFill>
           <a:schemeClr val="tx1"/>
@@ -93,7 +94,7 @@
         <a:cs typeface="+mn-cs"/>
       </a:defRPr>
     </a:lvl8pPr>
-    <a:lvl9pPr marL="3657600" algn="l" defTabSz="914400" rtl="0" eaLnBrk="1" latinLnBrk="0" hangingPunct="1">
+    <a:lvl9pPr marL="3657600" algn="l" defTabSz="457200" rtl="0" eaLnBrk="1" latinLnBrk="0" hangingPunct="1">
       <a:defRPr sz="1800" kern="1200">
         <a:solidFill>
           <a:schemeClr val="tx1"/>
@@ -131,13 +132,7 @@
       </p:grpSpPr>
       <p:sp>
         <p:nvSpPr>
-          <p:cNvPr id="2" name="Title 1">
-            <a:extLst>
-              <a:ext uri="{FF2B5EF4-FFF2-40B4-BE49-F238E27FC236}">
-                <a16:creationId xmlns:a16="http://schemas.microsoft.com/office/drawing/2014/main" id="{3C2572FE-18BC-4ECC-837E-E455356205AA}"/>
-              </a:ext>
-            </a:extLst>
-          </p:cNvPr>
+          <p:cNvPr id="2" name="Title 1"/>
           <p:cNvSpPr>
             <a:spLocks noGrp="1"/>
           </p:cNvSpPr>
@@ -147,15 +142,15 @@
         </p:nvSpPr>
         <p:spPr>
           <a:xfrm>
-            <a:off x="1524000" y="1122363"/>
-            <a:ext cx="9144000" cy="2387600"/>
+            <a:off x="1080016" y="2356703"/>
+            <a:ext cx="12240181" cy="5013407"/>
           </a:xfrm>
         </p:spPr>
         <p:txBody>
           <a:bodyPr anchor="b"/>
           <a:lstStyle>
             <a:lvl1pPr algn="ctr">
-              <a:defRPr sz="6000"/>
+              <a:defRPr sz="9449"/>
             </a:lvl1pPr>
           </a:lstStyle>
           <a:p>
@@ -163,19 +158,13 @@
               <a:rPr lang="en-US"/>
               <a:t>Click to edit Master title style</a:t>
             </a:r>
-            <a:endParaRPr lang="en-CA"/>
-          </a:p>
-        </p:txBody>
-      </p:sp>
-      <p:sp>
-        <p:nvSpPr>
-          <p:cNvPr id="3" name="Subtitle 2">
-            <a:extLst>
-              <a:ext uri="{FF2B5EF4-FFF2-40B4-BE49-F238E27FC236}">
-                <a16:creationId xmlns:a16="http://schemas.microsoft.com/office/drawing/2014/main" id="{90F25895-DBB6-4436-9565-C6B44F753F67}"/>
-              </a:ext>
-            </a:extLst>
-          </p:cNvPr>
+            <a:endParaRPr lang="en-US" dirty="0"/>
+          </a:p>
+        </p:txBody>
+      </p:sp>
+      <p:sp>
+        <p:nvSpPr>
+          <p:cNvPr id="3" name="Subtitle 2"/>
           <p:cNvSpPr>
             <a:spLocks noGrp="1"/>
           </p:cNvSpPr>
@@ -185,8 +174,8 @@
         </p:nvSpPr>
         <p:spPr>
           <a:xfrm>
-            <a:off x="1524000" y="3602038"/>
-            <a:ext cx="9144000" cy="1655762"/>
+            <a:off x="1800027" y="7563446"/>
+            <a:ext cx="10800160" cy="3476717"/>
           </a:xfrm>
         </p:spPr>
         <p:txBody>
@@ -194,39 +183,39 @@
           <a:lstStyle>
             <a:lvl1pPr marL="0" indent="0" algn="ctr">
               <a:buNone/>
-              <a:defRPr sz="2400"/>
+              <a:defRPr sz="3780"/>
             </a:lvl1pPr>
-            <a:lvl2pPr marL="457200" indent="0" algn="ctr">
+            <a:lvl2pPr marL="719999" indent="0" algn="ctr">
               <a:buNone/>
-              <a:defRPr sz="2000"/>
+              <a:defRPr sz="3150"/>
             </a:lvl2pPr>
-            <a:lvl3pPr marL="914400" indent="0" algn="ctr">
+            <a:lvl3pPr marL="1439997" indent="0" algn="ctr">
               <a:buNone/>
-              <a:defRPr sz="1800"/>
+              <a:defRPr sz="2835"/>
             </a:lvl3pPr>
-            <a:lvl4pPr marL="1371600" indent="0" algn="ctr">
+            <a:lvl4pPr marL="2159996" indent="0" algn="ctr">
               <a:buNone/>
-              <a:defRPr sz="1600"/>
+              <a:defRPr sz="2520"/>
             </a:lvl4pPr>
-            <a:lvl5pPr marL="1828800" indent="0" algn="ctr">
+            <a:lvl5pPr marL="2879994" indent="0" algn="ctr">
               <a:buNone/>
-              <a:defRPr sz="1600"/>
+              <a:defRPr sz="2520"/>
             </a:lvl5pPr>
-            <a:lvl6pPr marL="2286000" indent="0" algn="ctr">
+            <a:lvl6pPr marL="3599993" indent="0" algn="ctr">
               <a:buNone/>
-              <a:defRPr sz="1600"/>
+              <a:defRPr sz="2520"/>
             </a:lvl6pPr>
-            <a:lvl7pPr marL="2743200" indent="0" algn="ctr">
+            <a:lvl7pPr marL="4319991" indent="0" algn="ctr">
               <a:buNone/>
-              <a:defRPr sz="1600"/>
+              <a:defRPr sz="2520"/>
             </a:lvl7pPr>
-            <a:lvl8pPr marL="3200400" indent="0" algn="ctr">
+            <a:lvl8pPr marL="5039990" indent="0" algn="ctr">
               <a:buNone/>
-              <a:defRPr sz="1600"/>
+              <a:defRPr sz="2520"/>
             </a:lvl8pPr>
-            <a:lvl9pPr marL="3657600" indent="0" algn="ctr">
+            <a:lvl9pPr marL="5759988" indent="0" algn="ctr">
               <a:buNone/>
-              <a:defRPr sz="1600"/>
+              <a:defRPr sz="2520"/>
             </a:lvl9pPr>
           </a:lstStyle>
           <a:p>
@@ -234,19 +223,13 @@
               <a:rPr lang="en-US"/>
               <a:t>Click to edit Master subtitle style</a:t>
             </a:r>
-            <a:endParaRPr lang="en-CA"/>
-          </a:p>
-        </p:txBody>
-      </p:sp>
-      <p:sp>
-        <p:nvSpPr>
-          <p:cNvPr id="4" name="Date Placeholder 3">
-            <a:extLst>
-              <a:ext uri="{FF2B5EF4-FFF2-40B4-BE49-F238E27FC236}">
-                <a16:creationId xmlns:a16="http://schemas.microsoft.com/office/drawing/2014/main" id="{BC051744-8788-4F51-8FBA-4070B59FBCE9}"/>
-              </a:ext>
-            </a:extLst>
-          </p:cNvPr>
+            <a:endParaRPr lang="en-US" dirty="0"/>
+          </a:p>
+        </p:txBody>
+      </p:sp>
+      <p:sp>
+        <p:nvSpPr>
+          <p:cNvPr id="4" name="Date Placeholder 3"/>
           <p:cNvSpPr>
             <a:spLocks noGrp="1"/>
           </p:cNvSpPr>
@@ -261,7 +244,7 @@
           <a:p>
             <a:fld id="{46201475-00EE-432B-B48C-35E49C3BE552}" type="datetimeFigureOut">
               <a:rPr lang="en-CA" smtClean="0"/>
-              <a:t>2019-09-18</a:t>
+              <a:t>2019-09-19</a:t>
             </a:fld>
             <a:endParaRPr lang="en-CA"/>
           </a:p>
@@ -269,13 +252,7 @@
       </p:sp>
       <p:sp>
         <p:nvSpPr>
-          <p:cNvPr id="5" name="Footer Placeholder 4">
-            <a:extLst>
-              <a:ext uri="{FF2B5EF4-FFF2-40B4-BE49-F238E27FC236}">
-                <a16:creationId xmlns:a16="http://schemas.microsoft.com/office/drawing/2014/main" id="{5BB1140E-46E5-48E1-BE2B-4658650C296C}"/>
-              </a:ext>
-            </a:extLst>
-          </p:cNvPr>
+          <p:cNvPr id="5" name="Footer Placeholder 4"/>
           <p:cNvSpPr>
             <a:spLocks noGrp="1"/>
           </p:cNvSpPr>
@@ -294,13 +271,7 @@
       </p:sp>
       <p:sp>
         <p:nvSpPr>
-          <p:cNvPr id="6" name="Slide Number Placeholder 5">
-            <a:extLst>
-              <a:ext uri="{FF2B5EF4-FFF2-40B4-BE49-F238E27FC236}">
-                <a16:creationId xmlns:a16="http://schemas.microsoft.com/office/drawing/2014/main" id="{3820D897-1FFD-4AF7-AFA8-F8CB0ACA5450}"/>
-              </a:ext>
-            </a:extLst>
-          </p:cNvPr>
+          <p:cNvPr id="6" name="Slide Number Placeholder 5"/>
           <p:cNvSpPr>
             <a:spLocks noGrp="1"/>
           </p:cNvSpPr>
@@ -324,7 +295,7 @@
     </p:spTree>
     <p:extLst>
       <p:ext uri="{BB962C8B-B14F-4D97-AF65-F5344CB8AC3E}">
-        <p14:creationId xmlns:p14="http://schemas.microsoft.com/office/powerpoint/2010/main" val="109603374"/>
+        <p14:creationId xmlns:p14="http://schemas.microsoft.com/office/powerpoint/2010/main" val="1262342454"/>
       </p:ext>
     </p:extLst>
   </p:cSld>
@@ -353,13 +324,7 @@
       </p:grpSpPr>
       <p:sp>
         <p:nvSpPr>
-          <p:cNvPr id="2" name="Title 1">
-            <a:extLst>
-              <a:ext uri="{FF2B5EF4-FFF2-40B4-BE49-F238E27FC236}">
-                <a16:creationId xmlns:a16="http://schemas.microsoft.com/office/drawing/2014/main" id="{5761F01F-0481-4FC4-9620-C488B70F5D81}"/>
-              </a:ext>
-            </a:extLst>
-          </p:cNvPr>
+          <p:cNvPr id="2" name="Title 1"/>
           <p:cNvSpPr>
             <a:spLocks noGrp="1"/>
           </p:cNvSpPr>
@@ -376,19 +341,13 @@
               <a:rPr lang="en-US"/>
               <a:t>Click to edit Master title style</a:t>
             </a:r>
-            <a:endParaRPr lang="en-CA"/>
-          </a:p>
-        </p:txBody>
-      </p:sp>
-      <p:sp>
-        <p:nvSpPr>
-          <p:cNvPr id="3" name="Vertical Text Placeholder 2">
-            <a:extLst>
-              <a:ext uri="{FF2B5EF4-FFF2-40B4-BE49-F238E27FC236}">
-                <a16:creationId xmlns:a16="http://schemas.microsoft.com/office/drawing/2014/main" id="{3E9737F7-565A-46BC-9243-65DC2E88696E}"/>
-              </a:ext>
-            </a:extLst>
-          </p:cNvPr>
+            <a:endParaRPr lang="en-US" dirty="0"/>
+          </a:p>
+        </p:txBody>
+      </p:sp>
+      <p:sp>
+        <p:nvSpPr>
+          <p:cNvPr id="3" name="Vertical Text Placeholder 2"/>
           <p:cNvSpPr>
             <a:spLocks noGrp="1"/>
           </p:cNvSpPr>
@@ -434,19 +393,13 @@
               <a:rPr lang="en-US"/>
               <a:t>Fifth level</a:t>
             </a:r>
-            <a:endParaRPr lang="en-CA"/>
-          </a:p>
-        </p:txBody>
-      </p:sp>
-      <p:sp>
-        <p:nvSpPr>
-          <p:cNvPr id="4" name="Date Placeholder 3">
-            <a:extLst>
-              <a:ext uri="{FF2B5EF4-FFF2-40B4-BE49-F238E27FC236}">
-                <a16:creationId xmlns:a16="http://schemas.microsoft.com/office/drawing/2014/main" id="{62408EF7-8F6B-4B11-A1A3-38B6EE03C8C7}"/>
-              </a:ext>
-            </a:extLst>
-          </p:cNvPr>
+            <a:endParaRPr lang="en-US" dirty="0"/>
+          </a:p>
+        </p:txBody>
+      </p:sp>
+      <p:sp>
+        <p:nvSpPr>
+          <p:cNvPr id="4" name="Date Placeholder 3"/>
           <p:cNvSpPr>
             <a:spLocks noGrp="1"/>
           </p:cNvSpPr>
@@ -461,7 +414,7 @@
           <a:p>
             <a:fld id="{46201475-00EE-432B-B48C-35E49C3BE552}" type="datetimeFigureOut">
               <a:rPr lang="en-CA" smtClean="0"/>
-              <a:t>2019-09-18</a:t>
+              <a:t>2019-09-19</a:t>
             </a:fld>
             <a:endParaRPr lang="en-CA"/>
           </a:p>
@@ -469,13 +422,7 @@
       </p:sp>
       <p:sp>
         <p:nvSpPr>
-          <p:cNvPr id="5" name="Footer Placeholder 4">
-            <a:extLst>
-              <a:ext uri="{FF2B5EF4-FFF2-40B4-BE49-F238E27FC236}">
-                <a16:creationId xmlns:a16="http://schemas.microsoft.com/office/drawing/2014/main" id="{04A0D00B-FBA0-4208-84B2-212A9696B7B7}"/>
-              </a:ext>
-            </a:extLst>
-          </p:cNvPr>
+          <p:cNvPr id="5" name="Footer Placeholder 4"/>
           <p:cNvSpPr>
             <a:spLocks noGrp="1"/>
           </p:cNvSpPr>
@@ -494,13 +441,7 @@
       </p:sp>
       <p:sp>
         <p:nvSpPr>
-          <p:cNvPr id="6" name="Slide Number Placeholder 5">
-            <a:extLst>
-              <a:ext uri="{FF2B5EF4-FFF2-40B4-BE49-F238E27FC236}">
-                <a16:creationId xmlns:a16="http://schemas.microsoft.com/office/drawing/2014/main" id="{5067BCC8-7740-4536-AEA5-F20E16223232}"/>
-              </a:ext>
-            </a:extLst>
-          </p:cNvPr>
+          <p:cNvPr id="6" name="Slide Number Placeholder 5"/>
           <p:cNvSpPr>
             <a:spLocks noGrp="1"/>
           </p:cNvSpPr>
@@ -524,7 +465,7 @@
     </p:spTree>
     <p:extLst>
       <p:ext uri="{BB962C8B-B14F-4D97-AF65-F5344CB8AC3E}">
-        <p14:creationId xmlns:p14="http://schemas.microsoft.com/office/powerpoint/2010/main" val="3049893888"/>
+        <p14:creationId xmlns:p14="http://schemas.microsoft.com/office/powerpoint/2010/main" val="2281564925"/>
       </p:ext>
     </p:extLst>
   </p:cSld>
@@ -553,13 +494,7 @@
       </p:grpSpPr>
       <p:sp>
         <p:nvSpPr>
-          <p:cNvPr id="2" name="Vertical Title 1">
-            <a:extLst>
-              <a:ext uri="{FF2B5EF4-FFF2-40B4-BE49-F238E27FC236}">
-                <a16:creationId xmlns:a16="http://schemas.microsoft.com/office/drawing/2014/main" id="{46CA7BF5-E1C7-47C4-80F2-C45F7ABD6692}"/>
-              </a:ext>
-            </a:extLst>
-          </p:cNvPr>
+          <p:cNvPr id="2" name="Vertical Title 1"/>
           <p:cNvSpPr>
             <a:spLocks noGrp="1"/>
           </p:cNvSpPr>
@@ -569,8 +504,8 @@
         </p:nvSpPr>
         <p:spPr>
           <a:xfrm>
-            <a:off x="8724900" y="365125"/>
-            <a:ext cx="2628900" cy="5811838"/>
+            <a:off x="10305153" y="766678"/>
+            <a:ext cx="3105046" cy="12203515"/>
           </a:xfrm>
         </p:spPr>
         <p:txBody>
@@ -581,19 +516,13 @@
               <a:rPr lang="en-US"/>
               <a:t>Click to edit Master title style</a:t>
             </a:r>
-            <a:endParaRPr lang="en-CA"/>
-          </a:p>
-        </p:txBody>
-      </p:sp>
-      <p:sp>
-        <p:nvSpPr>
-          <p:cNvPr id="3" name="Vertical Text Placeholder 2">
-            <a:extLst>
-              <a:ext uri="{FF2B5EF4-FFF2-40B4-BE49-F238E27FC236}">
-                <a16:creationId xmlns:a16="http://schemas.microsoft.com/office/drawing/2014/main" id="{F71C61AB-FB4F-4EE9-A484-9BCB0543C2A7}"/>
-              </a:ext>
-            </a:extLst>
-          </p:cNvPr>
+            <a:endParaRPr lang="en-US" dirty="0"/>
+          </a:p>
+        </p:txBody>
+      </p:sp>
+      <p:sp>
+        <p:nvSpPr>
+          <p:cNvPr id="3" name="Vertical Text Placeholder 2"/>
           <p:cNvSpPr>
             <a:spLocks noGrp="1"/>
           </p:cNvSpPr>
@@ -603,8 +532,8 @@
         </p:nvSpPr>
         <p:spPr>
           <a:xfrm>
-            <a:off x="838200" y="365125"/>
-            <a:ext cx="7734300" cy="5811838"/>
+            <a:off x="990015" y="766678"/>
+            <a:ext cx="9135135" cy="12203515"/>
           </a:xfrm>
         </p:spPr>
         <p:txBody>
@@ -644,19 +573,13 @@
               <a:rPr lang="en-US"/>
               <a:t>Fifth level</a:t>
             </a:r>
-            <a:endParaRPr lang="en-CA"/>
-          </a:p>
-        </p:txBody>
-      </p:sp>
-      <p:sp>
-        <p:nvSpPr>
-          <p:cNvPr id="4" name="Date Placeholder 3">
-            <a:extLst>
-              <a:ext uri="{FF2B5EF4-FFF2-40B4-BE49-F238E27FC236}">
-                <a16:creationId xmlns:a16="http://schemas.microsoft.com/office/drawing/2014/main" id="{01997FCB-E45F-4457-9949-325A152B9EE9}"/>
-              </a:ext>
-            </a:extLst>
-          </p:cNvPr>
+            <a:endParaRPr lang="en-US" dirty="0"/>
+          </a:p>
+        </p:txBody>
+      </p:sp>
+      <p:sp>
+        <p:nvSpPr>
+          <p:cNvPr id="4" name="Date Placeholder 3"/>
           <p:cNvSpPr>
             <a:spLocks noGrp="1"/>
           </p:cNvSpPr>
@@ -671,7 +594,7 @@
           <a:p>
             <a:fld id="{46201475-00EE-432B-B48C-35E49C3BE552}" type="datetimeFigureOut">
               <a:rPr lang="en-CA" smtClean="0"/>
-              <a:t>2019-09-18</a:t>
+              <a:t>2019-09-19</a:t>
             </a:fld>
             <a:endParaRPr lang="en-CA"/>
           </a:p>
@@ -679,13 +602,7 @@
       </p:sp>
       <p:sp>
         <p:nvSpPr>
-          <p:cNvPr id="5" name="Footer Placeholder 4">
-            <a:extLst>
-              <a:ext uri="{FF2B5EF4-FFF2-40B4-BE49-F238E27FC236}">
-                <a16:creationId xmlns:a16="http://schemas.microsoft.com/office/drawing/2014/main" id="{4270A9B4-2452-4E3D-8D7B-21D2D6E0AAF0}"/>
-              </a:ext>
-            </a:extLst>
-          </p:cNvPr>
+          <p:cNvPr id="5" name="Footer Placeholder 4"/>
           <p:cNvSpPr>
             <a:spLocks noGrp="1"/>
           </p:cNvSpPr>
@@ -704,13 +621,7 @@
       </p:sp>
       <p:sp>
         <p:nvSpPr>
-          <p:cNvPr id="6" name="Slide Number Placeholder 5">
-            <a:extLst>
-              <a:ext uri="{FF2B5EF4-FFF2-40B4-BE49-F238E27FC236}">
-                <a16:creationId xmlns:a16="http://schemas.microsoft.com/office/drawing/2014/main" id="{32252143-50E0-4300-BEBF-0626C02E8AD8}"/>
-              </a:ext>
-            </a:extLst>
-          </p:cNvPr>
+          <p:cNvPr id="6" name="Slide Number Placeholder 5"/>
           <p:cNvSpPr>
             <a:spLocks noGrp="1"/>
           </p:cNvSpPr>
@@ -734,7 +645,7 @@
     </p:spTree>
     <p:extLst>
       <p:ext uri="{BB962C8B-B14F-4D97-AF65-F5344CB8AC3E}">
-        <p14:creationId xmlns:p14="http://schemas.microsoft.com/office/powerpoint/2010/main" val="126319956"/>
+        <p14:creationId xmlns:p14="http://schemas.microsoft.com/office/powerpoint/2010/main" val="1028140542"/>
       </p:ext>
     </p:extLst>
   </p:cSld>
@@ -763,13 +674,7 @@
       </p:grpSpPr>
       <p:sp>
         <p:nvSpPr>
-          <p:cNvPr id="2" name="Title 1">
-            <a:extLst>
-              <a:ext uri="{FF2B5EF4-FFF2-40B4-BE49-F238E27FC236}">
-                <a16:creationId xmlns:a16="http://schemas.microsoft.com/office/drawing/2014/main" id="{73DE7763-AD19-4B3B-8C7C-5AF2E357B829}"/>
-              </a:ext>
-            </a:extLst>
-          </p:cNvPr>
+          <p:cNvPr id="2" name="Title 1"/>
           <p:cNvSpPr>
             <a:spLocks noGrp="1"/>
           </p:cNvSpPr>
@@ -786,19 +691,13 @@
               <a:rPr lang="en-US"/>
               <a:t>Click to edit Master title style</a:t>
             </a:r>
-            <a:endParaRPr lang="en-CA"/>
-          </a:p>
-        </p:txBody>
-      </p:sp>
-      <p:sp>
-        <p:nvSpPr>
-          <p:cNvPr id="3" name="Content Placeholder 2">
-            <a:extLst>
-              <a:ext uri="{FF2B5EF4-FFF2-40B4-BE49-F238E27FC236}">
-                <a16:creationId xmlns:a16="http://schemas.microsoft.com/office/drawing/2014/main" id="{669F603F-5ADA-433B-B74E-DB0A31426CEA}"/>
-              </a:ext>
-            </a:extLst>
-          </p:cNvPr>
+            <a:endParaRPr lang="en-US" dirty="0"/>
+          </a:p>
+        </p:txBody>
+      </p:sp>
+      <p:sp>
+        <p:nvSpPr>
+          <p:cNvPr id="3" name="Content Placeholder 2"/>
           <p:cNvSpPr>
             <a:spLocks noGrp="1"/>
           </p:cNvSpPr>
@@ -844,19 +743,13 @@
               <a:rPr lang="en-US"/>
               <a:t>Fifth level</a:t>
             </a:r>
-            <a:endParaRPr lang="en-CA"/>
-          </a:p>
-        </p:txBody>
-      </p:sp>
-      <p:sp>
-        <p:nvSpPr>
-          <p:cNvPr id="4" name="Date Placeholder 3">
-            <a:extLst>
-              <a:ext uri="{FF2B5EF4-FFF2-40B4-BE49-F238E27FC236}">
-                <a16:creationId xmlns:a16="http://schemas.microsoft.com/office/drawing/2014/main" id="{559EB89A-637B-4F1F-BBE0-F7A1CC89160D}"/>
-              </a:ext>
-            </a:extLst>
-          </p:cNvPr>
+            <a:endParaRPr lang="en-US" dirty="0"/>
+          </a:p>
+        </p:txBody>
+      </p:sp>
+      <p:sp>
+        <p:nvSpPr>
+          <p:cNvPr id="4" name="Date Placeholder 3"/>
           <p:cNvSpPr>
             <a:spLocks noGrp="1"/>
           </p:cNvSpPr>
@@ -871,7 +764,7 @@
           <a:p>
             <a:fld id="{46201475-00EE-432B-B48C-35E49C3BE552}" type="datetimeFigureOut">
               <a:rPr lang="en-CA" smtClean="0"/>
-              <a:t>2019-09-18</a:t>
+              <a:t>2019-09-19</a:t>
             </a:fld>
             <a:endParaRPr lang="en-CA"/>
           </a:p>
@@ -879,13 +772,7 @@
       </p:sp>
       <p:sp>
         <p:nvSpPr>
-          <p:cNvPr id="5" name="Footer Placeholder 4">
-            <a:extLst>
-              <a:ext uri="{FF2B5EF4-FFF2-40B4-BE49-F238E27FC236}">
-                <a16:creationId xmlns:a16="http://schemas.microsoft.com/office/drawing/2014/main" id="{F51537B2-31D8-463F-9ABD-58DACA61883B}"/>
-              </a:ext>
-            </a:extLst>
-          </p:cNvPr>
+          <p:cNvPr id="5" name="Footer Placeholder 4"/>
           <p:cNvSpPr>
             <a:spLocks noGrp="1"/>
           </p:cNvSpPr>
@@ -904,13 +791,7 @@
       </p:sp>
       <p:sp>
         <p:nvSpPr>
-          <p:cNvPr id="6" name="Slide Number Placeholder 5">
-            <a:extLst>
-              <a:ext uri="{FF2B5EF4-FFF2-40B4-BE49-F238E27FC236}">
-                <a16:creationId xmlns:a16="http://schemas.microsoft.com/office/drawing/2014/main" id="{5AD03437-F60B-4C80-BF6E-ACFDD9B7A74D}"/>
-              </a:ext>
-            </a:extLst>
-          </p:cNvPr>
+          <p:cNvPr id="6" name="Slide Number Placeholder 5"/>
           <p:cNvSpPr>
             <a:spLocks noGrp="1"/>
           </p:cNvSpPr>
@@ -934,7 +815,7 @@
     </p:spTree>
     <p:extLst>
       <p:ext uri="{BB962C8B-B14F-4D97-AF65-F5344CB8AC3E}">
-        <p14:creationId xmlns:p14="http://schemas.microsoft.com/office/powerpoint/2010/main" val="88702459"/>
+        <p14:creationId xmlns:p14="http://schemas.microsoft.com/office/powerpoint/2010/main" val="3524619104"/>
       </p:ext>
     </p:extLst>
   </p:cSld>
@@ -963,13 +844,7 @@
       </p:grpSpPr>
       <p:sp>
         <p:nvSpPr>
-          <p:cNvPr id="2" name="Title 1">
-            <a:extLst>
-              <a:ext uri="{FF2B5EF4-FFF2-40B4-BE49-F238E27FC236}">
-                <a16:creationId xmlns:a16="http://schemas.microsoft.com/office/drawing/2014/main" id="{3EB01AA1-B750-4128-B704-43E9239801BB}"/>
-              </a:ext>
-            </a:extLst>
-          </p:cNvPr>
+          <p:cNvPr id="2" name="Title 1"/>
           <p:cNvSpPr>
             <a:spLocks noGrp="1"/>
           </p:cNvSpPr>
@@ -979,15 +854,15 @@
         </p:nvSpPr>
         <p:spPr>
           <a:xfrm>
-            <a:off x="831850" y="1709738"/>
-            <a:ext cx="10515600" cy="2852737"/>
+            <a:off x="982515" y="3590057"/>
+            <a:ext cx="12420184" cy="5990088"/>
           </a:xfrm>
         </p:spPr>
         <p:txBody>
           <a:bodyPr anchor="b"/>
           <a:lstStyle>
             <a:lvl1pPr>
-              <a:defRPr sz="6000"/>
+              <a:defRPr sz="9449"/>
             </a:lvl1pPr>
           </a:lstStyle>
           <a:p>
@@ -995,19 +870,13 @@
               <a:rPr lang="en-US"/>
               <a:t>Click to edit Master title style</a:t>
             </a:r>
-            <a:endParaRPr lang="en-CA"/>
-          </a:p>
-        </p:txBody>
-      </p:sp>
-      <p:sp>
-        <p:nvSpPr>
-          <p:cNvPr id="3" name="Text Placeholder 2">
-            <a:extLst>
-              <a:ext uri="{FF2B5EF4-FFF2-40B4-BE49-F238E27FC236}">
-                <a16:creationId xmlns:a16="http://schemas.microsoft.com/office/drawing/2014/main" id="{7014AD55-11AD-4102-B769-7C724CAD525D}"/>
-              </a:ext>
-            </a:extLst>
-          </p:cNvPr>
+            <a:endParaRPr lang="en-US" dirty="0"/>
+          </a:p>
+        </p:txBody>
+      </p:sp>
+      <p:sp>
+        <p:nvSpPr>
+          <p:cNvPr id="3" name="Text Placeholder 2"/>
           <p:cNvSpPr>
             <a:spLocks noGrp="1"/>
           </p:cNvSpPr>
@@ -1017,8 +886,8 @@
         </p:nvSpPr>
         <p:spPr>
           <a:xfrm>
-            <a:off x="831850" y="4589463"/>
-            <a:ext cx="10515600" cy="1500187"/>
+            <a:off x="982515" y="9636813"/>
+            <a:ext cx="12420184" cy="3150046"/>
           </a:xfrm>
         </p:spPr>
         <p:txBody>
@@ -1026,17 +895,15 @@
           <a:lstStyle>
             <a:lvl1pPr marL="0" indent="0">
               <a:buNone/>
-              <a:defRPr sz="2400">
+              <a:defRPr sz="3780">
                 <a:solidFill>
-                  <a:schemeClr val="tx1">
-                    <a:tint val="75000"/>
-                  </a:schemeClr>
+                  <a:schemeClr val="tx1"/>
                 </a:solidFill>
               </a:defRPr>
             </a:lvl1pPr>
-            <a:lvl2pPr marL="457200" indent="0">
+            <a:lvl2pPr marL="719999" indent="0">
               <a:buNone/>
-              <a:defRPr sz="2000">
+              <a:defRPr sz="3150">
                 <a:solidFill>
                   <a:schemeClr val="tx1">
                     <a:tint val="75000"/>
@@ -1044,9 +911,9 @@
                 </a:solidFill>
               </a:defRPr>
             </a:lvl2pPr>
-            <a:lvl3pPr marL="914400" indent="0">
+            <a:lvl3pPr marL="1439997" indent="0">
               <a:buNone/>
-              <a:defRPr sz="1800">
+              <a:defRPr sz="2835">
                 <a:solidFill>
                   <a:schemeClr val="tx1">
                     <a:tint val="75000"/>
@@ -1054,9 +921,9 @@
                 </a:solidFill>
               </a:defRPr>
             </a:lvl3pPr>
-            <a:lvl4pPr marL="1371600" indent="0">
+            <a:lvl4pPr marL="2159996" indent="0">
               <a:buNone/>
-              <a:defRPr sz="1600">
+              <a:defRPr sz="2520">
                 <a:solidFill>
                   <a:schemeClr val="tx1">
                     <a:tint val="75000"/>
@@ -1064,9 +931,9 @@
                 </a:solidFill>
               </a:defRPr>
             </a:lvl4pPr>
-            <a:lvl5pPr marL="1828800" indent="0">
+            <a:lvl5pPr marL="2879994" indent="0">
               <a:buNone/>
-              <a:defRPr sz="1600">
+              <a:defRPr sz="2520">
                 <a:solidFill>
                   <a:schemeClr val="tx1">
                     <a:tint val="75000"/>
@@ -1074,9 +941,9 @@
                 </a:solidFill>
               </a:defRPr>
             </a:lvl5pPr>
-            <a:lvl6pPr marL="2286000" indent="0">
+            <a:lvl6pPr marL="3599993" indent="0">
               <a:buNone/>
-              <a:defRPr sz="1600">
+              <a:defRPr sz="2520">
                 <a:solidFill>
                   <a:schemeClr val="tx1">
                     <a:tint val="75000"/>
@@ -1084,9 +951,9 @@
                 </a:solidFill>
               </a:defRPr>
             </a:lvl6pPr>
-            <a:lvl7pPr marL="2743200" indent="0">
+            <a:lvl7pPr marL="4319991" indent="0">
               <a:buNone/>
-              <a:defRPr sz="1600">
+              <a:defRPr sz="2520">
                 <a:solidFill>
                   <a:schemeClr val="tx1">
                     <a:tint val="75000"/>
@@ -1094,9 +961,9 @@
                 </a:solidFill>
               </a:defRPr>
             </a:lvl7pPr>
-            <a:lvl8pPr marL="3200400" indent="0">
+            <a:lvl8pPr marL="5039990" indent="0">
               <a:buNone/>
-              <a:defRPr sz="1600">
+              <a:defRPr sz="2520">
                 <a:solidFill>
                   <a:schemeClr val="tx1">
                     <a:tint val="75000"/>
@@ -1104,9 +971,9 @@
                 </a:solidFill>
               </a:defRPr>
             </a:lvl8pPr>
-            <a:lvl9pPr marL="3657600" indent="0">
+            <a:lvl9pPr marL="5759988" indent="0">
               <a:buNone/>
-              <a:defRPr sz="1600">
+              <a:defRPr sz="2520">
                 <a:solidFill>
                   <a:schemeClr val="tx1">
                     <a:tint val="75000"/>
@@ -1126,13 +993,7 @@
       </p:sp>
       <p:sp>
         <p:nvSpPr>
-          <p:cNvPr id="4" name="Date Placeholder 3">
-            <a:extLst>
-              <a:ext uri="{FF2B5EF4-FFF2-40B4-BE49-F238E27FC236}">
-                <a16:creationId xmlns:a16="http://schemas.microsoft.com/office/drawing/2014/main" id="{E489D57E-A625-487C-A5C9-1C066EF514E1}"/>
-              </a:ext>
-            </a:extLst>
-          </p:cNvPr>
+          <p:cNvPr id="4" name="Date Placeholder 3"/>
           <p:cNvSpPr>
             <a:spLocks noGrp="1"/>
           </p:cNvSpPr>
@@ -1147,7 +1008,7 @@
           <a:p>
             <a:fld id="{46201475-00EE-432B-B48C-35E49C3BE552}" type="datetimeFigureOut">
               <a:rPr lang="en-CA" smtClean="0"/>
-              <a:t>2019-09-18</a:t>
+              <a:t>2019-09-19</a:t>
             </a:fld>
             <a:endParaRPr lang="en-CA"/>
           </a:p>
@@ -1155,13 +1016,7 @@
       </p:sp>
       <p:sp>
         <p:nvSpPr>
-          <p:cNvPr id="5" name="Footer Placeholder 4">
-            <a:extLst>
-              <a:ext uri="{FF2B5EF4-FFF2-40B4-BE49-F238E27FC236}">
-                <a16:creationId xmlns:a16="http://schemas.microsoft.com/office/drawing/2014/main" id="{99B56D02-CA23-4BBB-9EFD-8391F44B8ECD}"/>
-              </a:ext>
-            </a:extLst>
-          </p:cNvPr>
+          <p:cNvPr id="5" name="Footer Placeholder 4"/>
           <p:cNvSpPr>
             <a:spLocks noGrp="1"/>
           </p:cNvSpPr>
@@ -1180,13 +1035,7 @@
       </p:sp>
       <p:sp>
         <p:nvSpPr>
-          <p:cNvPr id="6" name="Slide Number Placeholder 5">
-            <a:extLst>
-              <a:ext uri="{FF2B5EF4-FFF2-40B4-BE49-F238E27FC236}">
-                <a16:creationId xmlns:a16="http://schemas.microsoft.com/office/drawing/2014/main" id="{7AA7F8A1-34ED-4CE4-BD30-60AA15F9465A}"/>
-              </a:ext>
-            </a:extLst>
-          </p:cNvPr>
+          <p:cNvPr id="6" name="Slide Number Placeholder 5"/>
           <p:cNvSpPr>
             <a:spLocks noGrp="1"/>
           </p:cNvSpPr>
@@ -1210,7 +1059,7 @@
     </p:spTree>
     <p:extLst>
       <p:ext uri="{BB962C8B-B14F-4D97-AF65-F5344CB8AC3E}">
-        <p14:creationId xmlns:p14="http://schemas.microsoft.com/office/powerpoint/2010/main" val="3448217589"/>
+        <p14:creationId xmlns:p14="http://schemas.microsoft.com/office/powerpoint/2010/main" val="2880941912"/>
       </p:ext>
     </p:extLst>
   </p:cSld>
@@ -1239,13 +1088,7 @@
       </p:grpSpPr>
       <p:sp>
         <p:nvSpPr>
-          <p:cNvPr id="2" name="Title 1">
-            <a:extLst>
-              <a:ext uri="{FF2B5EF4-FFF2-40B4-BE49-F238E27FC236}">
-                <a16:creationId xmlns:a16="http://schemas.microsoft.com/office/drawing/2014/main" id="{E17E6F55-4DC1-4F5B-B731-75EF1A8BEFB3}"/>
-              </a:ext>
-            </a:extLst>
-          </p:cNvPr>
+          <p:cNvPr id="2" name="Title 1"/>
           <p:cNvSpPr>
             <a:spLocks noGrp="1"/>
           </p:cNvSpPr>
@@ -1262,19 +1105,13 @@
               <a:rPr lang="en-US"/>
               <a:t>Click to edit Master title style</a:t>
             </a:r>
-            <a:endParaRPr lang="en-CA"/>
-          </a:p>
-        </p:txBody>
-      </p:sp>
-      <p:sp>
-        <p:nvSpPr>
-          <p:cNvPr id="3" name="Content Placeholder 2">
-            <a:extLst>
-              <a:ext uri="{FF2B5EF4-FFF2-40B4-BE49-F238E27FC236}">
-                <a16:creationId xmlns:a16="http://schemas.microsoft.com/office/drawing/2014/main" id="{FF0823B6-6C73-42C9-BF6B-5A164B0BE171}"/>
-              </a:ext>
-            </a:extLst>
-          </p:cNvPr>
+            <a:endParaRPr lang="en-US" dirty="0"/>
+          </a:p>
+        </p:txBody>
+      </p:sp>
+      <p:sp>
+        <p:nvSpPr>
+          <p:cNvPr id="3" name="Content Placeholder 2"/>
           <p:cNvSpPr>
             <a:spLocks noGrp="1"/>
           </p:cNvSpPr>
@@ -1284,8 +1121,8 @@
         </p:nvSpPr>
         <p:spPr>
           <a:xfrm>
-            <a:off x="838200" y="1825625"/>
-            <a:ext cx="5181600" cy="4351338"/>
+            <a:off x="990014" y="3833390"/>
+            <a:ext cx="6120091" cy="9136803"/>
           </a:xfrm>
         </p:spPr>
         <p:txBody>
@@ -1325,19 +1162,13 @@
               <a:rPr lang="en-US"/>
               <a:t>Fifth level</a:t>
             </a:r>
-            <a:endParaRPr lang="en-CA"/>
-          </a:p>
-        </p:txBody>
-      </p:sp>
-      <p:sp>
-        <p:nvSpPr>
-          <p:cNvPr id="4" name="Content Placeholder 3">
-            <a:extLst>
-              <a:ext uri="{FF2B5EF4-FFF2-40B4-BE49-F238E27FC236}">
-                <a16:creationId xmlns:a16="http://schemas.microsoft.com/office/drawing/2014/main" id="{18FBADA4-7587-4143-9726-A76A1CAFE13F}"/>
-              </a:ext>
-            </a:extLst>
-          </p:cNvPr>
+            <a:endParaRPr lang="en-US" dirty="0"/>
+          </a:p>
+        </p:txBody>
+      </p:sp>
+      <p:sp>
+        <p:nvSpPr>
+          <p:cNvPr id="4" name="Content Placeholder 3"/>
           <p:cNvSpPr>
             <a:spLocks noGrp="1"/>
           </p:cNvSpPr>
@@ -1347,8 +1178,8 @@
         </p:nvSpPr>
         <p:spPr>
           <a:xfrm>
-            <a:off x="6172200" y="1825625"/>
-            <a:ext cx="5181600" cy="4351338"/>
+            <a:off x="7290108" y="3833390"/>
+            <a:ext cx="6120091" cy="9136803"/>
           </a:xfrm>
         </p:spPr>
         <p:txBody>
@@ -1388,19 +1219,13 @@
               <a:rPr lang="en-US"/>
               <a:t>Fifth level</a:t>
             </a:r>
-            <a:endParaRPr lang="en-CA"/>
-          </a:p>
-        </p:txBody>
-      </p:sp>
-      <p:sp>
-        <p:nvSpPr>
-          <p:cNvPr id="5" name="Date Placeholder 4">
-            <a:extLst>
-              <a:ext uri="{FF2B5EF4-FFF2-40B4-BE49-F238E27FC236}">
-                <a16:creationId xmlns:a16="http://schemas.microsoft.com/office/drawing/2014/main" id="{CCAA1B0C-108E-41AC-8FC8-1D7316FFF6A1}"/>
-              </a:ext>
-            </a:extLst>
-          </p:cNvPr>
+            <a:endParaRPr lang="en-US" dirty="0"/>
+          </a:p>
+        </p:txBody>
+      </p:sp>
+      <p:sp>
+        <p:nvSpPr>
+          <p:cNvPr id="5" name="Date Placeholder 4"/>
           <p:cNvSpPr>
             <a:spLocks noGrp="1"/>
           </p:cNvSpPr>
@@ -1415,7 +1240,7 @@
           <a:p>
             <a:fld id="{46201475-00EE-432B-B48C-35E49C3BE552}" type="datetimeFigureOut">
               <a:rPr lang="en-CA" smtClean="0"/>
-              <a:t>2019-09-18</a:t>
+              <a:t>2019-09-19</a:t>
             </a:fld>
             <a:endParaRPr lang="en-CA"/>
           </a:p>
@@ -1423,13 +1248,7 @@
       </p:sp>
       <p:sp>
         <p:nvSpPr>
-          <p:cNvPr id="6" name="Footer Placeholder 5">
-            <a:extLst>
-              <a:ext uri="{FF2B5EF4-FFF2-40B4-BE49-F238E27FC236}">
-                <a16:creationId xmlns:a16="http://schemas.microsoft.com/office/drawing/2014/main" id="{F68B6A88-A1D1-4CB8-ABC0-592F01B3B25C}"/>
-              </a:ext>
-            </a:extLst>
-          </p:cNvPr>
+          <p:cNvPr id="6" name="Footer Placeholder 5"/>
           <p:cNvSpPr>
             <a:spLocks noGrp="1"/>
           </p:cNvSpPr>
@@ -1448,13 +1267,7 @@
       </p:sp>
       <p:sp>
         <p:nvSpPr>
-          <p:cNvPr id="7" name="Slide Number Placeholder 6">
-            <a:extLst>
-              <a:ext uri="{FF2B5EF4-FFF2-40B4-BE49-F238E27FC236}">
-                <a16:creationId xmlns:a16="http://schemas.microsoft.com/office/drawing/2014/main" id="{1EFA593A-A526-494F-8FC4-21A85A1A83B3}"/>
-              </a:ext>
-            </a:extLst>
-          </p:cNvPr>
+          <p:cNvPr id="7" name="Slide Number Placeholder 6"/>
           <p:cNvSpPr>
             <a:spLocks noGrp="1"/>
           </p:cNvSpPr>
@@ -1478,7 +1291,7 @@
     </p:spTree>
     <p:extLst>
       <p:ext uri="{BB962C8B-B14F-4D97-AF65-F5344CB8AC3E}">
-        <p14:creationId xmlns:p14="http://schemas.microsoft.com/office/powerpoint/2010/main" val="1735457291"/>
+        <p14:creationId xmlns:p14="http://schemas.microsoft.com/office/powerpoint/2010/main" val="1903291353"/>
       </p:ext>
     </p:extLst>
   </p:cSld>
@@ -1507,13 +1320,7 @@
       </p:grpSpPr>
       <p:sp>
         <p:nvSpPr>
-          <p:cNvPr id="2" name="Title 1">
-            <a:extLst>
-              <a:ext uri="{FF2B5EF4-FFF2-40B4-BE49-F238E27FC236}">
-                <a16:creationId xmlns:a16="http://schemas.microsoft.com/office/drawing/2014/main" id="{CE9AE5AE-7209-4A19-B156-95A8EF5F0EEB}"/>
-              </a:ext>
-            </a:extLst>
-          </p:cNvPr>
+          <p:cNvPr id="2" name="Title 1"/>
           <p:cNvSpPr>
             <a:spLocks noGrp="1"/>
           </p:cNvSpPr>
@@ -1523,8 +1330,8 @@
         </p:nvSpPr>
         <p:spPr>
           <a:xfrm>
-            <a:off x="839788" y="365125"/>
-            <a:ext cx="10515600" cy="1325563"/>
+            <a:off x="991890" y="766681"/>
+            <a:ext cx="12420184" cy="2783376"/>
           </a:xfrm>
         </p:spPr>
         <p:txBody>
@@ -1535,19 +1342,13 @@
               <a:rPr lang="en-US"/>
               <a:t>Click to edit Master title style</a:t>
             </a:r>
-            <a:endParaRPr lang="en-CA"/>
-          </a:p>
-        </p:txBody>
-      </p:sp>
-      <p:sp>
-        <p:nvSpPr>
-          <p:cNvPr id="3" name="Text Placeholder 2">
-            <a:extLst>
-              <a:ext uri="{FF2B5EF4-FFF2-40B4-BE49-F238E27FC236}">
-                <a16:creationId xmlns:a16="http://schemas.microsoft.com/office/drawing/2014/main" id="{7E50635F-9B48-406F-923D-E84742F43F88}"/>
-              </a:ext>
-            </a:extLst>
-          </p:cNvPr>
+            <a:endParaRPr lang="en-US" dirty="0"/>
+          </a:p>
+        </p:txBody>
+      </p:sp>
+      <p:sp>
+        <p:nvSpPr>
+          <p:cNvPr id="3" name="Text Placeholder 2"/>
           <p:cNvSpPr>
             <a:spLocks noGrp="1"/>
           </p:cNvSpPr>
@@ -1557,8 +1358,8 @@
         </p:nvSpPr>
         <p:spPr>
           <a:xfrm>
-            <a:off x="839788" y="1681163"/>
-            <a:ext cx="5157787" cy="823912"/>
+            <a:off x="991892" y="3530053"/>
+            <a:ext cx="6091964" cy="1730025"/>
           </a:xfrm>
         </p:spPr>
         <p:txBody>
@@ -1566,39 +1367,39 @@
           <a:lstStyle>
             <a:lvl1pPr marL="0" indent="0">
               <a:buNone/>
-              <a:defRPr sz="2400" b="1"/>
+              <a:defRPr sz="3780" b="1"/>
             </a:lvl1pPr>
-            <a:lvl2pPr marL="457200" indent="0">
+            <a:lvl2pPr marL="719999" indent="0">
               <a:buNone/>
-              <a:defRPr sz="2000" b="1"/>
+              <a:defRPr sz="3150" b="1"/>
             </a:lvl2pPr>
-            <a:lvl3pPr marL="914400" indent="0">
+            <a:lvl3pPr marL="1439997" indent="0">
               <a:buNone/>
-              <a:defRPr sz="1800" b="1"/>
+              <a:defRPr sz="2835" b="1"/>
             </a:lvl3pPr>
-            <a:lvl4pPr marL="1371600" indent="0">
+            <a:lvl4pPr marL="2159996" indent="0">
               <a:buNone/>
-              <a:defRPr sz="1600" b="1"/>
+              <a:defRPr sz="2520" b="1"/>
             </a:lvl4pPr>
-            <a:lvl5pPr marL="1828800" indent="0">
+            <a:lvl5pPr marL="2879994" indent="0">
               <a:buNone/>
-              <a:defRPr sz="1600" b="1"/>
+              <a:defRPr sz="2520" b="1"/>
             </a:lvl5pPr>
-            <a:lvl6pPr marL="2286000" indent="0">
+            <a:lvl6pPr marL="3599993" indent="0">
               <a:buNone/>
-              <a:defRPr sz="1600" b="1"/>
+              <a:defRPr sz="2520" b="1"/>
             </a:lvl6pPr>
-            <a:lvl7pPr marL="2743200" indent="0">
+            <a:lvl7pPr marL="4319991" indent="0">
               <a:buNone/>
-              <a:defRPr sz="1600" b="1"/>
+              <a:defRPr sz="2520" b="1"/>
             </a:lvl7pPr>
-            <a:lvl8pPr marL="3200400" indent="0">
+            <a:lvl8pPr marL="5039990" indent="0">
               <a:buNone/>
-              <a:defRPr sz="1600" b="1"/>
+              <a:defRPr sz="2520" b="1"/>
             </a:lvl8pPr>
-            <a:lvl9pPr marL="3657600" indent="0">
+            <a:lvl9pPr marL="5759988" indent="0">
               <a:buNone/>
-              <a:defRPr sz="1600" b="1"/>
+              <a:defRPr sz="2520" b="1"/>
             </a:lvl9pPr>
           </a:lstStyle>
           <a:p>
@@ -1612,13 +1413,7 @@
       </p:sp>
       <p:sp>
         <p:nvSpPr>
-          <p:cNvPr id="4" name="Content Placeholder 3">
-            <a:extLst>
-              <a:ext uri="{FF2B5EF4-FFF2-40B4-BE49-F238E27FC236}">
-                <a16:creationId xmlns:a16="http://schemas.microsoft.com/office/drawing/2014/main" id="{A966798B-6218-449A-84CD-9B40C302A024}"/>
-              </a:ext>
-            </a:extLst>
-          </p:cNvPr>
+          <p:cNvPr id="4" name="Content Placeholder 3"/>
           <p:cNvSpPr>
             <a:spLocks noGrp="1"/>
           </p:cNvSpPr>
@@ -1628,8 +1423,8 @@
         </p:nvSpPr>
         <p:spPr>
           <a:xfrm>
-            <a:off x="839788" y="2505075"/>
-            <a:ext cx="5157787" cy="3684588"/>
+            <a:off x="991892" y="5260078"/>
+            <a:ext cx="6091964" cy="7736782"/>
           </a:xfrm>
         </p:spPr>
         <p:txBody>
@@ -1669,19 +1464,13 @@
               <a:rPr lang="en-US"/>
               <a:t>Fifth level</a:t>
             </a:r>
-            <a:endParaRPr lang="en-CA"/>
-          </a:p>
-        </p:txBody>
-      </p:sp>
-      <p:sp>
-        <p:nvSpPr>
-          <p:cNvPr id="5" name="Text Placeholder 4">
-            <a:extLst>
-              <a:ext uri="{FF2B5EF4-FFF2-40B4-BE49-F238E27FC236}">
-                <a16:creationId xmlns:a16="http://schemas.microsoft.com/office/drawing/2014/main" id="{058F2324-21FB-4606-896F-7492FBE1BD0D}"/>
-              </a:ext>
-            </a:extLst>
-          </p:cNvPr>
+            <a:endParaRPr lang="en-US" dirty="0"/>
+          </a:p>
+        </p:txBody>
+      </p:sp>
+      <p:sp>
+        <p:nvSpPr>
+          <p:cNvPr id="5" name="Text Placeholder 4"/>
           <p:cNvSpPr>
             <a:spLocks noGrp="1"/>
           </p:cNvSpPr>
@@ -1691,8 +1480,8 @@
         </p:nvSpPr>
         <p:spPr>
           <a:xfrm>
-            <a:off x="6172200" y="1681163"/>
-            <a:ext cx="5183188" cy="823912"/>
+            <a:off x="7290109" y="3530053"/>
+            <a:ext cx="6121966" cy="1730025"/>
           </a:xfrm>
         </p:spPr>
         <p:txBody>
@@ -1700,39 +1489,39 @@
           <a:lstStyle>
             <a:lvl1pPr marL="0" indent="0">
               <a:buNone/>
-              <a:defRPr sz="2400" b="1"/>
+              <a:defRPr sz="3780" b="1"/>
             </a:lvl1pPr>
-            <a:lvl2pPr marL="457200" indent="0">
+            <a:lvl2pPr marL="719999" indent="0">
               <a:buNone/>
-              <a:defRPr sz="2000" b="1"/>
+              <a:defRPr sz="3150" b="1"/>
             </a:lvl2pPr>
-            <a:lvl3pPr marL="914400" indent="0">
+            <a:lvl3pPr marL="1439997" indent="0">
               <a:buNone/>
-              <a:defRPr sz="1800" b="1"/>
+              <a:defRPr sz="2835" b="1"/>
             </a:lvl3pPr>
-            <a:lvl4pPr marL="1371600" indent="0">
+            <a:lvl4pPr marL="2159996" indent="0">
               <a:buNone/>
-              <a:defRPr sz="1600" b="1"/>
+              <a:defRPr sz="2520" b="1"/>
             </a:lvl4pPr>
-            <a:lvl5pPr marL="1828800" indent="0">
+            <a:lvl5pPr marL="2879994" indent="0">
               <a:buNone/>
-              <a:defRPr sz="1600" b="1"/>
+              <a:defRPr sz="2520" b="1"/>
             </a:lvl5pPr>
-            <a:lvl6pPr marL="2286000" indent="0">
+            <a:lvl6pPr marL="3599993" indent="0">
               <a:buNone/>
-              <a:defRPr sz="1600" b="1"/>
+              <a:defRPr sz="2520" b="1"/>
             </a:lvl6pPr>
-            <a:lvl7pPr marL="2743200" indent="0">
+            <a:lvl7pPr marL="4319991" indent="0">
               <a:buNone/>
-              <a:defRPr sz="1600" b="1"/>
+              <a:defRPr sz="2520" b="1"/>
             </a:lvl7pPr>
-            <a:lvl8pPr marL="3200400" indent="0">
+            <a:lvl8pPr marL="5039990" indent="0">
               <a:buNone/>
-              <a:defRPr sz="1600" b="1"/>
+              <a:defRPr sz="2520" b="1"/>
             </a:lvl8pPr>
-            <a:lvl9pPr marL="3657600" indent="0">
+            <a:lvl9pPr marL="5759988" indent="0">
               <a:buNone/>
-              <a:defRPr sz="1600" b="1"/>
+              <a:defRPr sz="2520" b="1"/>
             </a:lvl9pPr>
           </a:lstStyle>
           <a:p>
@@ -1746,13 +1535,7 @@
       </p:sp>
       <p:sp>
         <p:nvSpPr>
-          <p:cNvPr id="6" name="Content Placeholder 5">
-            <a:extLst>
-              <a:ext uri="{FF2B5EF4-FFF2-40B4-BE49-F238E27FC236}">
-                <a16:creationId xmlns:a16="http://schemas.microsoft.com/office/drawing/2014/main" id="{EDD8EB70-84A8-430E-A2E0-A56C9316BE7E}"/>
-              </a:ext>
-            </a:extLst>
-          </p:cNvPr>
+          <p:cNvPr id="6" name="Content Placeholder 5"/>
           <p:cNvSpPr>
             <a:spLocks noGrp="1"/>
           </p:cNvSpPr>
@@ -1762,8 +1545,8 @@
         </p:nvSpPr>
         <p:spPr>
           <a:xfrm>
-            <a:off x="6172200" y="2505075"/>
-            <a:ext cx="5183188" cy="3684588"/>
+            <a:off x="7290109" y="5260078"/>
+            <a:ext cx="6121966" cy="7736782"/>
           </a:xfrm>
         </p:spPr>
         <p:txBody>
@@ -1803,19 +1586,13 @@
               <a:rPr lang="en-US"/>
               <a:t>Fifth level</a:t>
             </a:r>
-            <a:endParaRPr lang="en-CA"/>
-          </a:p>
-        </p:txBody>
-      </p:sp>
-      <p:sp>
-        <p:nvSpPr>
-          <p:cNvPr id="7" name="Date Placeholder 6">
-            <a:extLst>
-              <a:ext uri="{FF2B5EF4-FFF2-40B4-BE49-F238E27FC236}">
-                <a16:creationId xmlns:a16="http://schemas.microsoft.com/office/drawing/2014/main" id="{0FBE2DBD-ADC7-4E59-A7EE-FD4C9637CE30}"/>
-              </a:ext>
-            </a:extLst>
-          </p:cNvPr>
+            <a:endParaRPr lang="en-US" dirty="0"/>
+          </a:p>
+        </p:txBody>
+      </p:sp>
+      <p:sp>
+        <p:nvSpPr>
+          <p:cNvPr id="7" name="Date Placeholder 6"/>
           <p:cNvSpPr>
             <a:spLocks noGrp="1"/>
           </p:cNvSpPr>
@@ -1830,7 +1607,7 @@
           <a:p>
             <a:fld id="{46201475-00EE-432B-B48C-35E49C3BE552}" type="datetimeFigureOut">
               <a:rPr lang="en-CA" smtClean="0"/>
-              <a:t>2019-09-18</a:t>
+              <a:t>2019-09-19</a:t>
             </a:fld>
             <a:endParaRPr lang="en-CA"/>
           </a:p>
@@ -1838,13 +1615,7 @@
       </p:sp>
       <p:sp>
         <p:nvSpPr>
-          <p:cNvPr id="8" name="Footer Placeholder 7">
-            <a:extLst>
-              <a:ext uri="{FF2B5EF4-FFF2-40B4-BE49-F238E27FC236}">
-                <a16:creationId xmlns:a16="http://schemas.microsoft.com/office/drawing/2014/main" id="{809D6EA5-420E-4B1A-B29C-EA476C52A5EB}"/>
-              </a:ext>
-            </a:extLst>
-          </p:cNvPr>
+          <p:cNvPr id="8" name="Footer Placeholder 7"/>
           <p:cNvSpPr>
             <a:spLocks noGrp="1"/>
           </p:cNvSpPr>
@@ -1863,13 +1634,7 @@
       </p:sp>
       <p:sp>
         <p:nvSpPr>
-          <p:cNvPr id="9" name="Slide Number Placeholder 8">
-            <a:extLst>
-              <a:ext uri="{FF2B5EF4-FFF2-40B4-BE49-F238E27FC236}">
-                <a16:creationId xmlns:a16="http://schemas.microsoft.com/office/drawing/2014/main" id="{D2E0C73D-5956-4D66-AF61-6FAEED1A3701}"/>
-              </a:ext>
-            </a:extLst>
-          </p:cNvPr>
+          <p:cNvPr id="9" name="Slide Number Placeholder 8"/>
           <p:cNvSpPr>
             <a:spLocks noGrp="1"/>
           </p:cNvSpPr>
@@ -1893,7 +1658,7 @@
     </p:spTree>
     <p:extLst>
       <p:ext uri="{BB962C8B-B14F-4D97-AF65-F5344CB8AC3E}">
-        <p14:creationId xmlns:p14="http://schemas.microsoft.com/office/powerpoint/2010/main" val="1669363088"/>
+        <p14:creationId xmlns:p14="http://schemas.microsoft.com/office/powerpoint/2010/main" val="3919185321"/>
       </p:ext>
     </p:extLst>
   </p:cSld>
@@ -1922,13 +1687,7 @@
       </p:grpSpPr>
       <p:sp>
         <p:nvSpPr>
-          <p:cNvPr id="2" name="Title 1">
-            <a:extLst>
-              <a:ext uri="{FF2B5EF4-FFF2-40B4-BE49-F238E27FC236}">
-                <a16:creationId xmlns:a16="http://schemas.microsoft.com/office/drawing/2014/main" id="{285C9AD6-90B5-4192-838D-BA1DA6178568}"/>
-              </a:ext>
-            </a:extLst>
-          </p:cNvPr>
+          <p:cNvPr id="2" name="Title 1"/>
           <p:cNvSpPr>
             <a:spLocks noGrp="1"/>
           </p:cNvSpPr>
@@ -1945,19 +1704,13 @@
               <a:rPr lang="en-US"/>
               <a:t>Click to edit Master title style</a:t>
             </a:r>
-            <a:endParaRPr lang="en-CA"/>
-          </a:p>
-        </p:txBody>
-      </p:sp>
-      <p:sp>
-        <p:nvSpPr>
-          <p:cNvPr id="3" name="Date Placeholder 2">
-            <a:extLst>
-              <a:ext uri="{FF2B5EF4-FFF2-40B4-BE49-F238E27FC236}">
-                <a16:creationId xmlns:a16="http://schemas.microsoft.com/office/drawing/2014/main" id="{0FF58ABC-6920-4ED2-B09D-B350DDEB0C83}"/>
-              </a:ext>
-            </a:extLst>
-          </p:cNvPr>
+            <a:endParaRPr lang="en-US" dirty="0"/>
+          </a:p>
+        </p:txBody>
+      </p:sp>
+      <p:sp>
+        <p:nvSpPr>
+          <p:cNvPr id="3" name="Date Placeholder 2"/>
           <p:cNvSpPr>
             <a:spLocks noGrp="1"/>
           </p:cNvSpPr>
@@ -1972,7 +1725,7 @@
           <a:p>
             <a:fld id="{46201475-00EE-432B-B48C-35E49C3BE552}" type="datetimeFigureOut">
               <a:rPr lang="en-CA" smtClean="0"/>
-              <a:t>2019-09-18</a:t>
+              <a:t>2019-09-19</a:t>
             </a:fld>
             <a:endParaRPr lang="en-CA"/>
           </a:p>
@@ -1980,13 +1733,7 @@
       </p:sp>
       <p:sp>
         <p:nvSpPr>
-          <p:cNvPr id="4" name="Footer Placeholder 3">
-            <a:extLst>
-              <a:ext uri="{FF2B5EF4-FFF2-40B4-BE49-F238E27FC236}">
-                <a16:creationId xmlns:a16="http://schemas.microsoft.com/office/drawing/2014/main" id="{6D95E348-57B2-4503-BABC-BC049D3C9A46}"/>
-              </a:ext>
-            </a:extLst>
-          </p:cNvPr>
+          <p:cNvPr id="4" name="Footer Placeholder 3"/>
           <p:cNvSpPr>
             <a:spLocks noGrp="1"/>
           </p:cNvSpPr>
@@ -2005,13 +1752,7 @@
       </p:sp>
       <p:sp>
         <p:nvSpPr>
-          <p:cNvPr id="5" name="Slide Number Placeholder 4">
-            <a:extLst>
-              <a:ext uri="{FF2B5EF4-FFF2-40B4-BE49-F238E27FC236}">
-                <a16:creationId xmlns:a16="http://schemas.microsoft.com/office/drawing/2014/main" id="{2480C987-8A3A-4EE5-AA2B-C963A847E5ED}"/>
-              </a:ext>
-            </a:extLst>
-          </p:cNvPr>
+          <p:cNvPr id="5" name="Slide Number Placeholder 4"/>
           <p:cNvSpPr>
             <a:spLocks noGrp="1"/>
           </p:cNvSpPr>
@@ -2035,7 +1776,7 @@
     </p:spTree>
     <p:extLst>
       <p:ext uri="{BB962C8B-B14F-4D97-AF65-F5344CB8AC3E}">
-        <p14:creationId xmlns:p14="http://schemas.microsoft.com/office/powerpoint/2010/main" val="3793837131"/>
+        <p14:creationId xmlns:p14="http://schemas.microsoft.com/office/powerpoint/2010/main" val="2786337406"/>
       </p:ext>
     </p:extLst>
   </p:cSld>
@@ -2064,13 +1805,7 @@
       </p:grpSpPr>
       <p:sp>
         <p:nvSpPr>
-          <p:cNvPr id="2" name="Date Placeholder 1">
-            <a:extLst>
-              <a:ext uri="{FF2B5EF4-FFF2-40B4-BE49-F238E27FC236}">
-                <a16:creationId xmlns:a16="http://schemas.microsoft.com/office/drawing/2014/main" id="{1CA9194B-95AC-4C16-9EAF-4FDACEF7A5AA}"/>
-              </a:ext>
-            </a:extLst>
-          </p:cNvPr>
+          <p:cNvPr id="2" name="Date Placeholder 1"/>
           <p:cNvSpPr>
             <a:spLocks noGrp="1"/>
           </p:cNvSpPr>
@@ -2085,7 +1820,7 @@
           <a:p>
             <a:fld id="{46201475-00EE-432B-B48C-35E49C3BE552}" type="datetimeFigureOut">
               <a:rPr lang="en-CA" smtClean="0"/>
-              <a:t>2019-09-18</a:t>
+              <a:t>2019-09-19</a:t>
             </a:fld>
             <a:endParaRPr lang="en-CA"/>
           </a:p>
@@ -2093,13 +1828,7 @@
       </p:sp>
       <p:sp>
         <p:nvSpPr>
-          <p:cNvPr id="3" name="Footer Placeholder 2">
-            <a:extLst>
-              <a:ext uri="{FF2B5EF4-FFF2-40B4-BE49-F238E27FC236}">
-                <a16:creationId xmlns:a16="http://schemas.microsoft.com/office/drawing/2014/main" id="{E865B05E-CB15-4766-8E3E-4BA7DDAE1474}"/>
-              </a:ext>
-            </a:extLst>
-          </p:cNvPr>
+          <p:cNvPr id="3" name="Footer Placeholder 2"/>
           <p:cNvSpPr>
             <a:spLocks noGrp="1"/>
           </p:cNvSpPr>
@@ -2118,13 +1847,7 @@
       </p:sp>
       <p:sp>
         <p:nvSpPr>
-          <p:cNvPr id="4" name="Slide Number Placeholder 3">
-            <a:extLst>
-              <a:ext uri="{FF2B5EF4-FFF2-40B4-BE49-F238E27FC236}">
-                <a16:creationId xmlns:a16="http://schemas.microsoft.com/office/drawing/2014/main" id="{EFFA61DD-F650-4053-A8C3-64D3A67E84D5}"/>
-              </a:ext>
-            </a:extLst>
-          </p:cNvPr>
+          <p:cNvPr id="4" name="Slide Number Placeholder 3"/>
           <p:cNvSpPr>
             <a:spLocks noGrp="1"/>
           </p:cNvSpPr>
@@ -2148,7 +1871,7 @@
     </p:spTree>
     <p:extLst>
       <p:ext uri="{BB962C8B-B14F-4D97-AF65-F5344CB8AC3E}">
-        <p14:creationId xmlns:p14="http://schemas.microsoft.com/office/powerpoint/2010/main" val="114756555"/>
+        <p14:creationId xmlns:p14="http://schemas.microsoft.com/office/powerpoint/2010/main" val="2379634499"/>
       </p:ext>
     </p:extLst>
   </p:cSld>
@@ -2177,13 +1900,7 @@
       </p:grpSpPr>
       <p:sp>
         <p:nvSpPr>
-          <p:cNvPr id="2" name="Title 1">
-            <a:extLst>
-              <a:ext uri="{FF2B5EF4-FFF2-40B4-BE49-F238E27FC236}">
-                <a16:creationId xmlns:a16="http://schemas.microsoft.com/office/drawing/2014/main" id="{8EA4983E-B5B8-4647-887E-23BF72548539}"/>
-              </a:ext>
-            </a:extLst>
-          </p:cNvPr>
+          <p:cNvPr id="2" name="Title 1"/>
           <p:cNvSpPr>
             <a:spLocks noGrp="1"/>
           </p:cNvSpPr>
@@ -2193,15 +1910,15 @@
         </p:nvSpPr>
         <p:spPr>
           <a:xfrm>
-            <a:off x="839788" y="457200"/>
-            <a:ext cx="3932237" cy="1600200"/>
+            <a:off x="991890" y="960014"/>
+            <a:ext cx="4644444" cy="3360050"/>
           </a:xfrm>
         </p:spPr>
         <p:txBody>
           <a:bodyPr anchor="b"/>
           <a:lstStyle>
             <a:lvl1pPr>
-              <a:defRPr sz="3200"/>
+              <a:defRPr sz="5039"/>
             </a:lvl1pPr>
           </a:lstStyle>
           <a:p>
@@ -2209,19 +1926,13 @@
               <a:rPr lang="en-US"/>
               <a:t>Click to edit Master title style</a:t>
             </a:r>
-            <a:endParaRPr lang="en-CA"/>
-          </a:p>
-        </p:txBody>
-      </p:sp>
-      <p:sp>
-        <p:nvSpPr>
-          <p:cNvPr id="3" name="Content Placeholder 2">
-            <a:extLst>
-              <a:ext uri="{FF2B5EF4-FFF2-40B4-BE49-F238E27FC236}">
-                <a16:creationId xmlns:a16="http://schemas.microsoft.com/office/drawing/2014/main" id="{11BC7730-68FC-4713-A56B-0A2D781E7E53}"/>
-              </a:ext>
-            </a:extLst>
-          </p:cNvPr>
+            <a:endParaRPr lang="en-US" dirty="0"/>
+          </a:p>
+        </p:txBody>
+      </p:sp>
+      <p:sp>
+        <p:nvSpPr>
+          <p:cNvPr id="3" name="Content Placeholder 2"/>
           <p:cNvSpPr>
             <a:spLocks noGrp="1"/>
           </p:cNvSpPr>
@@ -2231,39 +1942,39 @@
         </p:nvSpPr>
         <p:spPr>
           <a:xfrm>
-            <a:off x="5183188" y="987425"/>
-            <a:ext cx="6172200" cy="4873625"/>
+            <a:off x="6121966" y="2073367"/>
+            <a:ext cx="7290108" cy="10233485"/>
           </a:xfrm>
         </p:spPr>
         <p:txBody>
           <a:bodyPr/>
           <a:lstStyle>
             <a:lvl1pPr>
-              <a:defRPr sz="3200"/>
+              <a:defRPr sz="5039"/>
             </a:lvl1pPr>
             <a:lvl2pPr>
-              <a:defRPr sz="2800"/>
+              <a:defRPr sz="4409"/>
             </a:lvl2pPr>
             <a:lvl3pPr>
-              <a:defRPr sz="2400"/>
+              <a:defRPr sz="3780"/>
             </a:lvl3pPr>
             <a:lvl4pPr>
-              <a:defRPr sz="2000"/>
+              <a:defRPr sz="3150"/>
             </a:lvl4pPr>
             <a:lvl5pPr>
-              <a:defRPr sz="2000"/>
+              <a:defRPr sz="3150"/>
             </a:lvl5pPr>
             <a:lvl6pPr>
-              <a:defRPr sz="2000"/>
+              <a:defRPr sz="3150"/>
             </a:lvl6pPr>
             <a:lvl7pPr>
-              <a:defRPr sz="2000"/>
+              <a:defRPr sz="3150"/>
             </a:lvl7pPr>
             <a:lvl8pPr>
-              <a:defRPr sz="2000"/>
+              <a:defRPr sz="3150"/>
             </a:lvl8pPr>
             <a:lvl9pPr>
-              <a:defRPr sz="2000"/>
+              <a:defRPr sz="3150"/>
             </a:lvl9pPr>
           </a:lstStyle>
           <a:p>
@@ -2300,19 +2011,13 @@
               <a:rPr lang="en-US"/>
               <a:t>Fifth level</a:t>
             </a:r>
-            <a:endParaRPr lang="en-CA"/>
-          </a:p>
-        </p:txBody>
-      </p:sp>
-      <p:sp>
-        <p:nvSpPr>
-          <p:cNvPr id="4" name="Text Placeholder 3">
-            <a:extLst>
-              <a:ext uri="{FF2B5EF4-FFF2-40B4-BE49-F238E27FC236}">
-                <a16:creationId xmlns:a16="http://schemas.microsoft.com/office/drawing/2014/main" id="{C8238BB5-297A-4582-9582-0556B14A32B4}"/>
-              </a:ext>
-            </a:extLst>
-          </p:cNvPr>
+            <a:endParaRPr lang="en-US" dirty="0"/>
+          </a:p>
+        </p:txBody>
+      </p:sp>
+      <p:sp>
+        <p:nvSpPr>
+          <p:cNvPr id="4" name="Text Placeholder 3"/>
           <p:cNvSpPr>
             <a:spLocks noGrp="1"/>
           </p:cNvSpPr>
@@ -2322,8 +2027,8 @@
         </p:nvSpPr>
         <p:spPr>
           <a:xfrm>
-            <a:off x="839788" y="2057400"/>
-            <a:ext cx="3932237" cy="3811588"/>
+            <a:off x="991890" y="4320064"/>
+            <a:ext cx="4644444" cy="8003453"/>
           </a:xfrm>
         </p:spPr>
         <p:txBody>
@@ -2331,39 +2036,39 @@
           <a:lstStyle>
             <a:lvl1pPr marL="0" indent="0">
               <a:buNone/>
-              <a:defRPr sz="1600"/>
+              <a:defRPr sz="2520"/>
             </a:lvl1pPr>
-            <a:lvl2pPr marL="457200" indent="0">
+            <a:lvl2pPr marL="719999" indent="0">
               <a:buNone/>
-              <a:defRPr sz="1400"/>
+              <a:defRPr sz="2205"/>
             </a:lvl2pPr>
-            <a:lvl3pPr marL="914400" indent="0">
+            <a:lvl3pPr marL="1439997" indent="0">
               <a:buNone/>
-              <a:defRPr sz="1200"/>
+              <a:defRPr sz="1890"/>
             </a:lvl3pPr>
-            <a:lvl4pPr marL="1371600" indent="0">
+            <a:lvl4pPr marL="2159996" indent="0">
               <a:buNone/>
-              <a:defRPr sz="1000"/>
+              <a:defRPr sz="1575"/>
             </a:lvl4pPr>
-            <a:lvl5pPr marL="1828800" indent="0">
+            <a:lvl5pPr marL="2879994" indent="0">
               <a:buNone/>
-              <a:defRPr sz="1000"/>
+              <a:defRPr sz="1575"/>
             </a:lvl5pPr>
-            <a:lvl6pPr marL="2286000" indent="0">
+            <a:lvl6pPr marL="3599993" indent="0">
               <a:buNone/>
-              <a:defRPr sz="1000"/>
+              <a:defRPr sz="1575"/>
             </a:lvl6pPr>
-            <a:lvl7pPr marL="2743200" indent="0">
+            <a:lvl7pPr marL="4319991" indent="0">
               <a:buNone/>
-              <a:defRPr sz="1000"/>
+              <a:defRPr sz="1575"/>
             </a:lvl7pPr>
-            <a:lvl8pPr marL="3200400" indent="0">
+            <a:lvl8pPr marL="5039990" indent="0">
               <a:buNone/>
-              <a:defRPr sz="1000"/>
+              <a:defRPr sz="1575"/>
             </a:lvl8pPr>
-            <a:lvl9pPr marL="3657600" indent="0">
+            <a:lvl9pPr marL="5759988" indent="0">
               <a:buNone/>
-              <a:defRPr sz="1000"/>
+              <a:defRPr sz="1575"/>
             </a:lvl9pPr>
           </a:lstStyle>
           <a:p>
@@ -2377,13 +2082,7 @@
       </p:sp>
       <p:sp>
         <p:nvSpPr>
-          <p:cNvPr id="5" name="Date Placeholder 4">
-            <a:extLst>
-              <a:ext uri="{FF2B5EF4-FFF2-40B4-BE49-F238E27FC236}">
-                <a16:creationId xmlns:a16="http://schemas.microsoft.com/office/drawing/2014/main" id="{533BF582-65B5-44AF-8917-5F4C087999BD}"/>
-              </a:ext>
-            </a:extLst>
-          </p:cNvPr>
+          <p:cNvPr id="5" name="Date Placeholder 4"/>
           <p:cNvSpPr>
             <a:spLocks noGrp="1"/>
           </p:cNvSpPr>
@@ -2398,7 +2097,7 @@
           <a:p>
             <a:fld id="{46201475-00EE-432B-B48C-35E49C3BE552}" type="datetimeFigureOut">
               <a:rPr lang="en-CA" smtClean="0"/>
-              <a:t>2019-09-18</a:t>
+              <a:t>2019-09-19</a:t>
             </a:fld>
             <a:endParaRPr lang="en-CA"/>
           </a:p>
@@ -2406,13 +2105,7 @@
       </p:sp>
       <p:sp>
         <p:nvSpPr>
-          <p:cNvPr id="6" name="Footer Placeholder 5">
-            <a:extLst>
-              <a:ext uri="{FF2B5EF4-FFF2-40B4-BE49-F238E27FC236}">
-                <a16:creationId xmlns:a16="http://schemas.microsoft.com/office/drawing/2014/main" id="{E3B55C9B-6E8A-41EB-9D68-73EE2D00515A}"/>
-              </a:ext>
-            </a:extLst>
-          </p:cNvPr>
+          <p:cNvPr id="6" name="Footer Placeholder 5"/>
           <p:cNvSpPr>
             <a:spLocks noGrp="1"/>
           </p:cNvSpPr>
@@ -2431,13 +2124,7 @@
       </p:sp>
       <p:sp>
         <p:nvSpPr>
-          <p:cNvPr id="7" name="Slide Number Placeholder 6">
-            <a:extLst>
-              <a:ext uri="{FF2B5EF4-FFF2-40B4-BE49-F238E27FC236}">
-                <a16:creationId xmlns:a16="http://schemas.microsoft.com/office/drawing/2014/main" id="{70A961F2-C76F-4C95-8095-82717910575E}"/>
-              </a:ext>
-            </a:extLst>
-          </p:cNvPr>
+          <p:cNvPr id="7" name="Slide Number Placeholder 6"/>
           <p:cNvSpPr>
             <a:spLocks noGrp="1"/>
           </p:cNvSpPr>
@@ -2461,7 +2148,7 @@
     </p:spTree>
     <p:extLst>
       <p:ext uri="{BB962C8B-B14F-4D97-AF65-F5344CB8AC3E}">
-        <p14:creationId xmlns:p14="http://schemas.microsoft.com/office/powerpoint/2010/main" val="2955894044"/>
+        <p14:creationId xmlns:p14="http://schemas.microsoft.com/office/powerpoint/2010/main" val="1863518998"/>
       </p:ext>
     </p:extLst>
   </p:cSld>
@@ -2490,13 +2177,7 @@
       </p:grpSpPr>
       <p:sp>
         <p:nvSpPr>
-          <p:cNvPr id="2" name="Title 1">
-            <a:extLst>
-              <a:ext uri="{FF2B5EF4-FFF2-40B4-BE49-F238E27FC236}">
-                <a16:creationId xmlns:a16="http://schemas.microsoft.com/office/drawing/2014/main" id="{F8E37B4B-D98D-4DF5-9D72-2129D7DBCBB2}"/>
-              </a:ext>
-            </a:extLst>
-          </p:cNvPr>
+          <p:cNvPr id="2" name="Title 1"/>
           <p:cNvSpPr>
             <a:spLocks noGrp="1"/>
           </p:cNvSpPr>
@@ -2506,15 +2187,15 @@
         </p:nvSpPr>
         <p:spPr>
           <a:xfrm>
-            <a:off x="839788" y="457200"/>
-            <a:ext cx="3932237" cy="1600200"/>
+            <a:off x="991890" y="960014"/>
+            <a:ext cx="4644444" cy="3360050"/>
           </a:xfrm>
         </p:spPr>
         <p:txBody>
           <a:bodyPr anchor="b"/>
           <a:lstStyle>
             <a:lvl1pPr>
-              <a:defRPr sz="3200"/>
+              <a:defRPr sz="5039"/>
             </a:lvl1pPr>
           </a:lstStyle>
           <a:p>
@@ -2522,21 +2203,15 @@
               <a:rPr lang="en-US"/>
               <a:t>Click to edit Master title style</a:t>
             </a:r>
-            <a:endParaRPr lang="en-CA"/>
-          </a:p>
-        </p:txBody>
-      </p:sp>
-      <p:sp>
-        <p:nvSpPr>
-          <p:cNvPr id="3" name="Picture Placeholder 2">
-            <a:extLst>
-              <a:ext uri="{FF2B5EF4-FFF2-40B4-BE49-F238E27FC236}">
-                <a16:creationId xmlns:a16="http://schemas.microsoft.com/office/drawing/2014/main" id="{8DC0AA6F-8647-4433-9115-0B1FFFFDCDF3}"/>
-              </a:ext>
-            </a:extLst>
-          </p:cNvPr>
+            <a:endParaRPr lang="en-US" dirty="0"/>
+          </a:p>
+        </p:txBody>
+      </p:sp>
+      <p:sp>
+        <p:nvSpPr>
+          <p:cNvPr id="3" name="Picture Placeholder 2"/>
           <p:cNvSpPr>
-            <a:spLocks noGrp="1"/>
+            <a:spLocks noGrp="1" noChangeAspect="1"/>
           </p:cNvSpPr>
           <p:nvPr>
             <p:ph type="pic" idx="1"/>
@@ -2544,64 +2219,62 @@
         </p:nvSpPr>
         <p:spPr>
           <a:xfrm>
-            <a:off x="5183188" y="987425"/>
-            <a:ext cx="6172200" cy="4873625"/>
+            <a:off x="6121966" y="2073367"/>
+            <a:ext cx="7290108" cy="10233485"/>
           </a:xfrm>
         </p:spPr>
         <p:txBody>
-          <a:bodyPr/>
+          <a:bodyPr anchor="t"/>
           <a:lstStyle>
             <a:lvl1pPr marL="0" indent="0">
               <a:buNone/>
-              <a:defRPr sz="3200"/>
+              <a:defRPr sz="5039"/>
             </a:lvl1pPr>
-            <a:lvl2pPr marL="457200" indent="0">
+            <a:lvl2pPr marL="719999" indent="0">
               <a:buNone/>
-              <a:defRPr sz="2800"/>
+              <a:defRPr sz="4409"/>
             </a:lvl2pPr>
-            <a:lvl3pPr marL="914400" indent="0">
+            <a:lvl3pPr marL="1439997" indent="0">
               <a:buNone/>
-              <a:defRPr sz="2400"/>
+              <a:defRPr sz="3780"/>
             </a:lvl3pPr>
-            <a:lvl4pPr marL="1371600" indent="0">
+            <a:lvl4pPr marL="2159996" indent="0">
               <a:buNone/>
-              <a:defRPr sz="2000"/>
+              <a:defRPr sz="3150"/>
             </a:lvl4pPr>
-            <a:lvl5pPr marL="1828800" indent="0">
+            <a:lvl5pPr marL="2879994" indent="0">
               <a:buNone/>
-              <a:defRPr sz="2000"/>
+              <a:defRPr sz="3150"/>
             </a:lvl5pPr>
-            <a:lvl6pPr marL="2286000" indent="0">
+            <a:lvl6pPr marL="3599993" indent="0">
               <a:buNone/>
-              <a:defRPr sz="2000"/>
+              <a:defRPr sz="3150"/>
             </a:lvl6pPr>
-            <a:lvl7pPr marL="2743200" indent="0">
+            <a:lvl7pPr marL="4319991" indent="0">
               <a:buNone/>
-              <a:defRPr sz="2000"/>
+              <a:defRPr sz="3150"/>
             </a:lvl7pPr>
-            <a:lvl8pPr marL="3200400" indent="0">
+            <a:lvl8pPr marL="5039990" indent="0">
               <a:buNone/>
-              <a:defRPr sz="2000"/>
+              <a:defRPr sz="3150"/>
             </a:lvl8pPr>
-            <a:lvl9pPr marL="3657600" indent="0">
+            <a:lvl9pPr marL="5759988" indent="0">
               <a:buNone/>
-              <a:defRPr sz="2000"/>
+              <a:defRPr sz="3150"/>
             </a:lvl9pPr>
           </a:lstStyle>
           <a:p>
-            <a:endParaRPr lang="en-CA"/>
-          </a:p>
-        </p:txBody>
-      </p:sp>
-      <p:sp>
-        <p:nvSpPr>
-          <p:cNvPr id="4" name="Text Placeholder 3">
-            <a:extLst>
-              <a:ext uri="{FF2B5EF4-FFF2-40B4-BE49-F238E27FC236}">
-                <a16:creationId xmlns:a16="http://schemas.microsoft.com/office/drawing/2014/main" id="{7839A3A3-A8B6-4904-BC41-633E893A9555}"/>
-              </a:ext>
-            </a:extLst>
-          </p:cNvPr>
+            <a:r>
+              <a:rPr lang="en-US"/>
+              <a:t>Click icon to add picture</a:t>
+            </a:r>
+            <a:endParaRPr lang="en-US" dirty="0"/>
+          </a:p>
+        </p:txBody>
+      </p:sp>
+      <p:sp>
+        <p:nvSpPr>
+          <p:cNvPr id="4" name="Text Placeholder 3"/>
           <p:cNvSpPr>
             <a:spLocks noGrp="1"/>
           </p:cNvSpPr>
@@ -2611,8 +2284,8 @@
         </p:nvSpPr>
         <p:spPr>
           <a:xfrm>
-            <a:off x="839788" y="2057400"/>
-            <a:ext cx="3932237" cy="3811588"/>
+            <a:off x="991890" y="4320064"/>
+            <a:ext cx="4644444" cy="8003453"/>
           </a:xfrm>
         </p:spPr>
         <p:txBody>
@@ -2620,39 +2293,39 @@
           <a:lstStyle>
             <a:lvl1pPr marL="0" indent="0">
               <a:buNone/>
-              <a:defRPr sz="1600"/>
+              <a:defRPr sz="2520"/>
             </a:lvl1pPr>
-            <a:lvl2pPr marL="457200" indent="0">
+            <a:lvl2pPr marL="719999" indent="0">
               <a:buNone/>
-              <a:defRPr sz="1400"/>
+              <a:defRPr sz="2205"/>
             </a:lvl2pPr>
-            <a:lvl3pPr marL="914400" indent="0">
+            <a:lvl3pPr marL="1439997" indent="0">
               <a:buNone/>
-              <a:defRPr sz="1200"/>
+              <a:defRPr sz="1890"/>
             </a:lvl3pPr>
-            <a:lvl4pPr marL="1371600" indent="0">
+            <a:lvl4pPr marL="2159996" indent="0">
               <a:buNone/>
-              <a:defRPr sz="1000"/>
+              <a:defRPr sz="1575"/>
             </a:lvl4pPr>
-            <a:lvl5pPr marL="1828800" indent="0">
+            <a:lvl5pPr marL="2879994" indent="0">
               <a:buNone/>
-              <a:defRPr sz="1000"/>
+              <a:defRPr sz="1575"/>
             </a:lvl5pPr>
-            <a:lvl6pPr marL="2286000" indent="0">
+            <a:lvl6pPr marL="3599993" indent="0">
               <a:buNone/>
-              <a:defRPr sz="1000"/>
+              <a:defRPr sz="1575"/>
             </a:lvl6pPr>
-            <a:lvl7pPr marL="2743200" indent="0">
+            <a:lvl7pPr marL="4319991" indent="0">
               <a:buNone/>
-              <a:defRPr sz="1000"/>
+              <a:defRPr sz="1575"/>
             </a:lvl7pPr>
-            <a:lvl8pPr marL="3200400" indent="0">
+            <a:lvl8pPr marL="5039990" indent="0">
               <a:buNone/>
-              <a:defRPr sz="1000"/>
+              <a:defRPr sz="1575"/>
             </a:lvl8pPr>
-            <a:lvl9pPr marL="3657600" indent="0">
+            <a:lvl9pPr marL="5759988" indent="0">
               <a:buNone/>
-              <a:defRPr sz="1000"/>
+              <a:defRPr sz="1575"/>
             </a:lvl9pPr>
           </a:lstStyle>
           <a:p>
@@ -2666,13 +2339,7 @@
       </p:sp>
       <p:sp>
         <p:nvSpPr>
-          <p:cNvPr id="5" name="Date Placeholder 4">
-            <a:extLst>
-              <a:ext uri="{FF2B5EF4-FFF2-40B4-BE49-F238E27FC236}">
-                <a16:creationId xmlns:a16="http://schemas.microsoft.com/office/drawing/2014/main" id="{E87A1B49-6773-4CA2-B55F-A981078E33D0}"/>
-              </a:ext>
-            </a:extLst>
-          </p:cNvPr>
+          <p:cNvPr id="5" name="Date Placeholder 4"/>
           <p:cNvSpPr>
             <a:spLocks noGrp="1"/>
           </p:cNvSpPr>
@@ -2687,7 +2354,7 @@
           <a:p>
             <a:fld id="{46201475-00EE-432B-B48C-35E49C3BE552}" type="datetimeFigureOut">
               <a:rPr lang="en-CA" smtClean="0"/>
-              <a:t>2019-09-18</a:t>
+              <a:t>2019-09-19</a:t>
             </a:fld>
             <a:endParaRPr lang="en-CA"/>
           </a:p>
@@ -2695,13 +2362,7 @@
       </p:sp>
       <p:sp>
         <p:nvSpPr>
-          <p:cNvPr id="6" name="Footer Placeholder 5">
-            <a:extLst>
-              <a:ext uri="{FF2B5EF4-FFF2-40B4-BE49-F238E27FC236}">
-                <a16:creationId xmlns:a16="http://schemas.microsoft.com/office/drawing/2014/main" id="{043A1D88-1466-4A5E-9179-F8B814C67838}"/>
-              </a:ext>
-            </a:extLst>
-          </p:cNvPr>
+          <p:cNvPr id="6" name="Footer Placeholder 5"/>
           <p:cNvSpPr>
             <a:spLocks noGrp="1"/>
           </p:cNvSpPr>
@@ -2720,13 +2381,7 @@
       </p:sp>
       <p:sp>
         <p:nvSpPr>
-          <p:cNvPr id="7" name="Slide Number Placeholder 6">
-            <a:extLst>
-              <a:ext uri="{FF2B5EF4-FFF2-40B4-BE49-F238E27FC236}">
-                <a16:creationId xmlns:a16="http://schemas.microsoft.com/office/drawing/2014/main" id="{4F14D57F-C3A8-4D04-A7B3-ECA23FBA9A81}"/>
-              </a:ext>
-            </a:extLst>
-          </p:cNvPr>
+          <p:cNvPr id="7" name="Slide Number Placeholder 6"/>
           <p:cNvSpPr>
             <a:spLocks noGrp="1"/>
           </p:cNvSpPr>
@@ -2750,7 +2405,7 @@
     </p:spTree>
     <p:extLst>
       <p:ext uri="{BB962C8B-B14F-4D97-AF65-F5344CB8AC3E}">
-        <p14:creationId xmlns:p14="http://schemas.microsoft.com/office/powerpoint/2010/main" val="1883149530"/>
+        <p14:creationId xmlns:p14="http://schemas.microsoft.com/office/powerpoint/2010/main" val="2484726644"/>
       </p:ext>
     </p:extLst>
   </p:cSld>
@@ -2784,13 +2439,7 @@
       </p:grpSpPr>
       <p:sp>
         <p:nvSpPr>
-          <p:cNvPr id="2" name="Title Placeholder 1">
-            <a:extLst>
-              <a:ext uri="{FF2B5EF4-FFF2-40B4-BE49-F238E27FC236}">
-                <a16:creationId xmlns:a16="http://schemas.microsoft.com/office/drawing/2014/main" id="{C7F7553D-687D-46DF-B0EE-4D4EAF31937C}"/>
-              </a:ext>
-            </a:extLst>
-          </p:cNvPr>
+          <p:cNvPr id="2" name="Title Placeholder 1"/>
           <p:cNvSpPr>
             <a:spLocks noGrp="1"/>
           </p:cNvSpPr>
@@ -2800,8 +2449,8 @@
         </p:nvSpPr>
         <p:spPr>
           <a:xfrm>
-            <a:off x="838200" y="365125"/>
-            <a:ext cx="10515600" cy="1325563"/>
+            <a:off x="990015" y="766681"/>
+            <a:ext cx="12420184" cy="2783376"/>
           </a:xfrm>
           <a:prstGeom prst="rect">
             <a:avLst/>
@@ -2817,19 +2466,13 @@
               <a:rPr lang="en-US"/>
               <a:t>Click to edit Master title style</a:t>
             </a:r>
-            <a:endParaRPr lang="en-CA"/>
-          </a:p>
-        </p:txBody>
-      </p:sp>
-      <p:sp>
-        <p:nvSpPr>
-          <p:cNvPr id="3" name="Text Placeholder 2">
-            <a:extLst>
-              <a:ext uri="{FF2B5EF4-FFF2-40B4-BE49-F238E27FC236}">
-                <a16:creationId xmlns:a16="http://schemas.microsoft.com/office/drawing/2014/main" id="{BA03B7D3-CAB0-413F-883F-4D561D073622}"/>
-              </a:ext>
-            </a:extLst>
-          </p:cNvPr>
+            <a:endParaRPr lang="en-US" dirty="0"/>
+          </a:p>
+        </p:txBody>
+      </p:sp>
+      <p:sp>
+        <p:nvSpPr>
+          <p:cNvPr id="3" name="Text Placeholder 2"/>
           <p:cNvSpPr>
             <a:spLocks noGrp="1"/>
           </p:cNvSpPr>
@@ -2839,8 +2482,8 @@
         </p:nvSpPr>
         <p:spPr>
           <a:xfrm>
-            <a:off x="838200" y="1825625"/>
-            <a:ext cx="10515600" cy="4351338"/>
+            <a:off x="990015" y="3833390"/>
+            <a:ext cx="12420184" cy="9136803"/>
           </a:xfrm>
           <a:prstGeom prst="rect">
             <a:avLst/>
@@ -2885,19 +2528,13 @@
               <a:rPr lang="en-US"/>
               <a:t>Fifth level</a:t>
             </a:r>
-            <a:endParaRPr lang="en-CA"/>
-          </a:p>
-        </p:txBody>
-      </p:sp>
-      <p:sp>
-        <p:nvSpPr>
-          <p:cNvPr id="4" name="Date Placeholder 3">
-            <a:extLst>
-              <a:ext uri="{FF2B5EF4-FFF2-40B4-BE49-F238E27FC236}">
-                <a16:creationId xmlns:a16="http://schemas.microsoft.com/office/drawing/2014/main" id="{675D8C61-34DF-415C-8B70-1A33ADF45F1A}"/>
-              </a:ext>
-            </a:extLst>
-          </p:cNvPr>
+            <a:endParaRPr lang="en-US" dirty="0"/>
+          </a:p>
+        </p:txBody>
+      </p:sp>
+      <p:sp>
+        <p:nvSpPr>
+          <p:cNvPr id="4" name="Date Placeholder 3"/>
           <p:cNvSpPr>
             <a:spLocks noGrp="1"/>
           </p:cNvSpPr>
@@ -2907,8 +2544,8 @@
         </p:nvSpPr>
         <p:spPr>
           <a:xfrm>
-            <a:off x="838200" y="6356350"/>
-            <a:ext cx="2743200" cy="365125"/>
+            <a:off x="990015" y="13346867"/>
+            <a:ext cx="3240048" cy="766678"/>
           </a:xfrm>
           <a:prstGeom prst="rect">
             <a:avLst/>
@@ -2918,7 +2555,7 @@
           <a:bodyPr vert="horz" lIns="91440" tIns="45720" rIns="91440" bIns="45720" rtlCol="0" anchor="ctr"/>
           <a:lstStyle>
             <a:lvl1pPr algn="l">
-              <a:defRPr sz="1200">
+              <a:defRPr sz="1890">
                 <a:solidFill>
                   <a:schemeClr val="tx1">
                     <a:tint val="75000"/>
@@ -2930,7 +2567,7 @@
           <a:p>
             <a:fld id="{46201475-00EE-432B-B48C-35E49C3BE552}" type="datetimeFigureOut">
               <a:rPr lang="en-CA" smtClean="0"/>
-              <a:t>2019-09-18</a:t>
+              <a:t>2019-09-19</a:t>
             </a:fld>
             <a:endParaRPr lang="en-CA"/>
           </a:p>
@@ -2938,13 +2575,7 @@
       </p:sp>
       <p:sp>
         <p:nvSpPr>
-          <p:cNvPr id="5" name="Footer Placeholder 4">
-            <a:extLst>
-              <a:ext uri="{FF2B5EF4-FFF2-40B4-BE49-F238E27FC236}">
-                <a16:creationId xmlns:a16="http://schemas.microsoft.com/office/drawing/2014/main" id="{667A991C-5656-4927-8150-030B853C91A4}"/>
-              </a:ext>
-            </a:extLst>
-          </p:cNvPr>
+          <p:cNvPr id="5" name="Footer Placeholder 4"/>
           <p:cNvSpPr>
             <a:spLocks noGrp="1"/>
           </p:cNvSpPr>
@@ -2954,8 +2585,8 @@
         </p:nvSpPr>
         <p:spPr>
           <a:xfrm>
-            <a:off x="4038600" y="6356350"/>
-            <a:ext cx="4114800" cy="365125"/>
+            <a:off x="4770071" y="13346867"/>
+            <a:ext cx="4860072" cy="766678"/>
           </a:xfrm>
           <a:prstGeom prst="rect">
             <a:avLst/>
@@ -2965,7 +2596,7 @@
           <a:bodyPr vert="horz" lIns="91440" tIns="45720" rIns="91440" bIns="45720" rtlCol="0" anchor="ctr"/>
           <a:lstStyle>
             <a:lvl1pPr algn="ctr">
-              <a:defRPr sz="1200">
+              <a:defRPr sz="1890">
                 <a:solidFill>
                   <a:schemeClr val="tx1">
                     <a:tint val="75000"/>
@@ -2981,13 +2612,7 @@
       </p:sp>
       <p:sp>
         <p:nvSpPr>
-          <p:cNvPr id="6" name="Slide Number Placeholder 5">
-            <a:extLst>
-              <a:ext uri="{FF2B5EF4-FFF2-40B4-BE49-F238E27FC236}">
-                <a16:creationId xmlns:a16="http://schemas.microsoft.com/office/drawing/2014/main" id="{15189E96-3D20-4C0E-BF1E-C2D2266C43F7}"/>
-              </a:ext>
-            </a:extLst>
-          </p:cNvPr>
+          <p:cNvPr id="6" name="Slide Number Placeholder 5"/>
           <p:cNvSpPr>
             <a:spLocks noGrp="1"/>
           </p:cNvSpPr>
@@ -2997,8 +2622,8 @@
         </p:nvSpPr>
         <p:spPr>
           <a:xfrm>
-            <a:off x="8610600" y="6356350"/>
-            <a:ext cx="2743200" cy="365125"/>
+            <a:off x="10170150" y="13346867"/>
+            <a:ext cx="3240048" cy="766678"/>
           </a:xfrm>
           <a:prstGeom prst="rect">
             <a:avLst/>
@@ -3008,7 +2633,7 @@
           <a:bodyPr vert="horz" lIns="91440" tIns="45720" rIns="91440" bIns="45720" rtlCol="0" anchor="ctr"/>
           <a:lstStyle>
             <a:lvl1pPr algn="r">
-              <a:defRPr sz="1200">
+              <a:defRPr sz="1890">
                 <a:solidFill>
                   <a:schemeClr val="tx1">
                     <a:tint val="75000"/>
@@ -3029,27 +2654,27 @@
     </p:spTree>
     <p:extLst>
       <p:ext uri="{BB962C8B-B14F-4D97-AF65-F5344CB8AC3E}">
-        <p14:creationId xmlns:p14="http://schemas.microsoft.com/office/powerpoint/2010/main" val="2588505865"/>
+        <p14:creationId xmlns:p14="http://schemas.microsoft.com/office/powerpoint/2010/main" val="2080163469"/>
       </p:ext>
     </p:extLst>
   </p:cSld>
   <p:clrMap bg1="lt1" tx1="dk1" bg2="lt2" tx2="dk2" accent1="accent1" accent2="accent2" accent3="accent3" accent4="accent4" accent5="accent5" accent6="accent6" hlink="hlink" folHlink="folHlink"/>
   <p:sldLayoutIdLst>
-    <p:sldLayoutId id="2147483649" r:id="rId1"/>
-    <p:sldLayoutId id="2147483650" r:id="rId2"/>
-    <p:sldLayoutId id="2147483651" r:id="rId3"/>
-    <p:sldLayoutId id="2147483652" r:id="rId4"/>
-    <p:sldLayoutId id="2147483653" r:id="rId5"/>
-    <p:sldLayoutId id="2147483654" r:id="rId6"/>
-    <p:sldLayoutId id="2147483655" r:id="rId7"/>
-    <p:sldLayoutId id="2147483656" r:id="rId8"/>
-    <p:sldLayoutId id="2147483657" r:id="rId9"/>
-    <p:sldLayoutId id="2147483658" r:id="rId10"/>
-    <p:sldLayoutId id="2147483659" r:id="rId11"/>
+    <p:sldLayoutId id="2147483661" r:id="rId1"/>
+    <p:sldLayoutId id="2147483662" r:id="rId2"/>
+    <p:sldLayoutId id="2147483663" r:id="rId3"/>
+    <p:sldLayoutId id="2147483664" r:id="rId4"/>
+    <p:sldLayoutId id="2147483665" r:id="rId5"/>
+    <p:sldLayoutId id="2147483666" r:id="rId6"/>
+    <p:sldLayoutId id="2147483667" r:id="rId7"/>
+    <p:sldLayoutId id="2147483668" r:id="rId8"/>
+    <p:sldLayoutId id="2147483669" r:id="rId9"/>
+    <p:sldLayoutId id="2147483670" r:id="rId10"/>
+    <p:sldLayoutId id="2147483671" r:id="rId11"/>
   </p:sldLayoutIdLst>
   <p:txStyles>
     <p:titleStyle>
-      <a:lvl1pPr algn="l" defTabSz="914400" rtl="0" eaLnBrk="1" latinLnBrk="0" hangingPunct="1">
+      <a:lvl1pPr algn="l" defTabSz="1439997" rtl="0" eaLnBrk="1" latinLnBrk="0" hangingPunct="1">
         <a:lnSpc>
           <a:spcPct val="90000"/>
         </a:lnSpc>
@@ -3057,7 +2682,7 @@
           <a:spcPct val="0"/>
         </a:spcBef>
         <a:buNone/>
-        <a:defRPr sz="4400" kern="1200">
+        <a:defRPr sz="6929" kern="1200">
           <a:solidFill>
             <a:schemeClr val="tx1"/>
           </a:solidFill>
@@ -3068,16 +2693,16 @@
       </a:lvl1pPr>
     </p:titleStyle>
     <p:bodyStyle>
-      <a:lvl1pPr marL="228600" indent="-228600" algn="l" defTabSz="914400" rtl="0" eaLnBrk="1" latinLnBrk="0" hangingPunct="1">
+      <a:lvl1pPr marL="359999" indent="-359999" algn="l" defTabSz="1439997" rtl="0" eaLnBrk="1" latinLnBrk="0" hangingPunct="1">
         <a:lnSpc>
           <a:spcPct val="90000"/>
         </a:lnSpc>
         <a:spcBef>
-          <a:spcPts val="1000"/>
+          <a:spcPts val="1575"/>
         </a:spcBef>
         <a:buFont typeface="Arial" panose="020B0604020202020204" pitchFamily="34" charset="0"/>
         <a:buChar char="•"/>
-        <a:defRPr sz="2800" kern="1200">
+        <a:defRPr sz="4409" kern="1200">
           <a:solidFill>
             <a:schemeClr val="tx1"/>
           </a:solidFill>
@@ -3086,16 +2711,16 @@
           <a:cs typeface="+mn-cs"/>
         </a:defRPr>
       </a:lvl1pPr>
-      <a:lvl2pPr marL="685800" indent="-228600" algn="l" defTabSz="914400" rtl="0" eaLnBrk="1" latinLnBrk="0" hangingPunct="1">
+      <a:lvl2pPr marL="1079998" indent="-359999" algn="l" defTabSz="1439997" rtl="0" eaLnBrk="1" latinLnBrk="0" hangingPunct="1">
         <a:lnSpc>
           <a:spcPct val="90000"/>
         </a:lnSpc>
         <a:spcBef>
-          <a:spcPts val="500"/>
+          <a:spcPts val="787"/>
         </a:spcBef>
         <a:buFont typeface="Arial" panose="020B0604020202020204" pitchFamily="34" charset="0"/>
         <a:buChar char="•"/>
-        <a:defRPr sz="2400" kern="1200">
+        <a:defRPr sz="3780" kern="1200">
           <a:solidFill>
             <a:schemeClr val="tx1"/>
           </a:solidFill>
@@ -3104,16 +2729,16 @@
           <a:cs typeface="+mn-cs"/>
         </a:defRPr>
       </a:lvl2pPr>
-      <a:lvl3pPr marL="1143000" indent="-228600" algn="l" defTabSz="914400" rtl="0" eaLnBrk="1" latinLnBrk="0" hangingPunct="1">
+      <a:lvl3pPr marL="1799996" indent="-359999" algn="l" defTabSz="1439997" rtl="0" eaLnBrk="1" latinLnBrk="0" hangingPunct="1">
         <a:lnSpc>
           <a:spcPct val="90000"/>
         </a:lnSpc>
         <a:spcBef>
-          <a:spcPts val="500"/>
+          <a:spcPts val="787"/>
         </a:spcBef>
         <a:buFont typeface="Arial" panose="020B0604020202020204" pitchFamily="34" charset="0"/>
         <a:buChar char="•"/>
-        <a:defRPr sz="2000" kern="1200">
+        <a:defRPr sz="3150" kern="1200">
           <a:solidFill>
             <a:schemeClr val="tx1"/>
           </a:solidFill>
@@ -3122,16 +2747,16 @@
           <a:cs typeface="+mn-cs"/>
         </a:defRPr>
       </a:lvl3pPr>
-      <a:lvl4pPr marL="1600200" indent="-228600" algn="l" defTabSz="914400" rtl="0" eaLnBrk="1" latinLnBrk="0" hangingPunct="1">
+      <a:lvl4pPr marL="2519995" indent="-359999" algn="l" defTabSz="1439997" rtl="0" eaLnBrk="1" latinLnBrk="0" hangingPunct="1">
         <a:lnSpc>
           <a:spcPct val="90000"/>
         </a:lnSpc>
         <a:spcBef>
-          <a:spcPts val="500"/>
+          <a:spcPts val="787"/>
         </a:spcBef>
         <a:buFont typeface="Arial" panose="020B0604020202020204" pitchFamily="34" charset="0"/>
         <a:buChar char="•"/>
-        <a:defRPr sz="1800" kern="1200">
+        <a:defRPr sz="2835" kern="1200">
           <a:solidFill>
             <a:schemeClr val="tx1"/>
           </a:solidFill>
@@ -3140,16 +2765,16 @@
           <a:cs typeface="+mn-cs"/>
         </a:defRPr>
       </a:lvl4pPr>
-      <a:lvl5pPr marL="2057400" indent="-228600" algn="l" defTabSz="914400" rtl="0" eaLnBrk="1" latinLnBrk="0" hangingPunct="1">
+      <a:lvl5pPr marL="3239994" indent="-359999" algn="l" defTabSz="1439997" rtl="0" eaLnBrk="1" latinLnBrk="0" hangingPunct="1">
         <a:lnSpc>
           <a:spcPct val="90000"/>
         </a:lnSpc>
         <a:spcBef>
-          <a:spcPts val="500"/>
+          <a:spcPts val="787"/>
         </a:spcBef>
         <a:buFont typeface="Arial" panose="020B0604020202020204" pitchFamily="34" charset="0"/>
         <a:buChar char="•"/>
-        <a:defRPr sz="1800" kern="1200">
+        <a:defRPr sz="2835" kern="1200">
           <a:solidFill>
             <a:schemeClr val="tx1"/>
           </a:solidFill>
@@ -3158,16 +2783,16 @@
           <a:cs typeface="+mn-cs"/>
         </a:defRPr>
       </a:lvl5pPr>
-      <a:lvl6pPr marL="2514600" indent="-228600" algn="l" defTabSz="914400" rtl="0" eaLnBrk="1" latinLnBrk="0" hangingPunct="1">
+      <a:lvl6pPr marL="3959992" indent="-359999" algn="l" defTabSz="1439997" rtl="0" eaLnBrk="1" latinLnBrk="0" hangingPunct="1">
         <a:lnSpc>
           <a:spcPct val="90000"/>
         </a:lnSpc>
         <a:spcBef>
-          <a:spcPts val="500"/>
+          <a:spcPts val="787"/>
         </a:spcBef>
         <a:buFont typeface="Arial" panose="020B0604020202020204" pitchFamily="34" charset="0"/>
         <a:buChar char="•"/>
-        <a:defRPr sz="1800" kern="1200">
+        <a:defRPr sz="2835" kern="1200">
           <a:solidFill>
             <a:schemeClr val="tx1"/>
           </a:solidFill>
@@ -3176,16 +2801,16 @@
           <a:cs typeface="+mn-cs"/>
         </a:defRPr>
       </a:lvl6pPr>
-      <a:lvl7pPr marL="2971800" indent="-228600" algn="l" defTabSz="914400" rtl="0" eaLnBrk="1" latinLnBrk="0" hangingPunct="1">
+      <a:lvl7pPr marL="4679991" indent="-359999" algn="l" defTabSz="1439997" rtl="0" eaLnBrk="1" latinLnBrk="0" hangingPunct="1">
         <a:lnSpc>
           <a:spcPct val="90000"/>
         </a:lnSpc>
         <a:spcBef>
-          <a:spcPts val="500"/>
+          <a:spcPts val="787"/>
         </a:spcBef>
         <a:buFont typeface="Arial" panose="020B0604020202020204" pitchFamily="34" charset="0"/>
         <a:buChar char="•"/>
-        <a:defRPr sz="1800" kern="1200">
+        <a:defRPr sz="2835" kern="1200">
           <a:solidFill>
             <a:schemeClr val="tx1"/>
           </a:solidFill>
@@ -3194,16 +2819,16 @@
           <a:cs typeface="+mn-cs"/>
         </a:defRPr>
       </a:lvl7pPr>
-      <a:lvl8pPr marL="3429000" indent="-228600" algn="l" defTabSz="914400" rtl="0" eaLnBrk="1" latinLnBrk="0" hangingPunct="1">
+      <a:lvl8pPr marL="5399989" indent="-359999" algn="l" defTabSz="1439997" rtl="0" eaLnBrk="1" latinLnBrk="0" hangingPunct="1">
         <a:lnSpc>
           <a:spcPct val="90000"/>
         </a:lnSpc>
         <a:spcBef>
-          <a:spcPts val="500"/>
+          <a:spcPts val="787"/>
         </a:spcBef>
         <a:buFont typeface="Arial" panose="020B0604020202020204" pitchFamily="34" charset="0"/>
         <a:buChar char="•"/>
-        <a:defRPr sz="1800" kern="1200">
+        <a:defRPr sz="2835" kern="1200">
           <a:solidFill>
             <a:schemeClr val="tx1"/>
           </a:solidFill>
@@ -3212,16 +2837,16 @@
           <a:cs typeface="+mn-cs"/>
         </a:defRPr>
       </a:lvl8pPr>
-      <a:lvl9pPr marL="3886200" indent="-228600" algn="l" defTabSz="914400" rtl="0" eaLnBrk="1" latinLnBrk="0" hangingPunct="1">
+      <a:lvl9pPr marL="6119988" indent="-359999" algn="l" defTabSz="1439997" rtl="0" eaLnBrk="1" latinLnBrk="0" hangingPunct="1">
         <a:lnSpc>
           <a:spcPct val="90000"/>
         </a:lnSpc>
         <a:spcBef>
-          <a:spcPts val="500"/>
+          <a:spcPts val="787"/>
         </a:spcBef>
         <a:buFont typeface="Arial" panose="020B0604020202020204" pitchFamily="34" charset="0"/>
         <a:buChar char="•"/>
-        <a:defRPr sz="1800" kern="1200">
+        <a:defRPr sz="2835" kern="1200">
           <a:solidFill>
             <a:schemeClr val="tx1"/>
           </a:solidFill>
@@ -3235,8 +2860,8 @@
       <a:defPPr>
         <a:defRPr lang="en-US"/>
       </a:defPPr>
-      <a:lvl1pPr marL="0" algn="l" defTabSz="914400" rtl="0" eaLnBrk="1" latinLnBrk="0" hangingPunct="1">
-        <a:defRPr sz="1800" kern="1200">
+      <a:lvl1pPr marL="0" algn="l" defTabSz="1439997" rtl="0" eaLnBrk="1" latinLnBrk="0" hangingPunct="1">
+        <a:defRPr sz="2835" kern="1200">
           <a:solidFill>
             <a:schemeClr val="tx1"/>
           </a:solidFill>
@@ -3245,8 +2870,8 @@
           <a:cs typeface="+mn-cs"/>
         </a:defRPr>
       </a:lvl1pPr>
-      <a:lvl2pPr marL="457200" algn="l" defTabSz="914400" rtl="0" eaLnBrk="1" latinLnBrk="0" hangingPunct="1">
-        <a:defRPr sz="1800" kern="1200">
+      <a:lvl2pPr marL="719999" algn="l" defTabSz="1439997" rtl="0" eaLnBrk="1" latinLnBrk="0" hangingPunct="1">
+        <a:defRPr sz="2835" kern="1200">
           <a:solidFill>
             <a:schemeClr val="tx1"/>
           </a:solidFill>
@@ -3255,8 +2880,8 @@
           <a:cs typeface="+mn-cs"/>
         </a:defRPr>
       </a:lvl2pPr>
-      <a:lvl3pPr marL="914400" algn="l" defTabSz="914400" rtl="0" eaLnBrk="1" latinLnBrk="0" hangingPunct="1">
-        <a:defRPr sz="1800" kern="1200">
+      <a:lvl3pPr marL="1439997" algn="l" defTabSz="1439997" rtl="0" eaLnBrk="1" latinLnBrk="0" hangingPunct="1">
+        <a:defRPr sz="2835" kern="1200">
           <a:solidFill>
             <a:schemeClr val="tx1"/>
           </a:solidFill>
@@ -3265,8 +2890,8 @@
           <a:cs typeface="+mn-cs"/>
         </a:defRPr>
       </a:lvl3pPr>
-      <a:lvl4pPr marL="1371600" algn="l" defTabSz="914400" rtl="0" eaLnBrk="1" latinLnBrk="0" hangingPunct="1">
-        <a:defRPr sz="1800" kern="1200">
+      <a:lvl4pPr marL="2159996" algn="l" defTabSz="1439997" rtl="0" eaLnBrk="1" latinLnBrk="0" hangingPunct="1">
+        <a:defRPr sz="2835" kern="1200">
           <a:solidFill>
             <a:schemeClr val="tx1"/>
           </a:solidFill>
@@ -3275,8 +2900,8 @@
           <a:cs typeface="+mn-cs"/>
         </a:defRPr>
       </a:lvl4pPr>
-      <a:lvl5pPr marL="1828800" algn="l" defTabSz="914400" rtl="0" eaLnBrk="1" latinLnBrk="0" hangingPunct="1">
-        <a:defRPr sz="1800" kern="1200">
+      <a:lvl5pPr marL="2879994" algn="l" defTabSz="1439997" rtl="0" eaLnBrk="1" latinLnBrk="0" hangingPunct="1">
+        <a:defRPr sz="2835" kern="1200">
           <a:solidFill>
             <a:schemeClr val="tx1"/>
           </a:solidFill>
@@ -3285,8 +2910,8 @@
           <a:cs typeface="+mn-cs"/>
         </a:defRPr>
       </a:lvl5pPr>
-      <a:lvl6pPr marL="2286000" algn="l" defTabSz="914400" rtl="0" eaLnBrk="1" latinLnBrk="0" hangingPunct="1">
-        <a:defRPr sz="1800" kern="1200">
+      <a:lvl6pPr marL="3599993" algn="l" defTabSz="1439997" rtl="0" eaLnBrk="1" latinLnBrk="0" hangingPunct="1">
+        <a:defRPr sz="2835" kern="1200">
           <a:solidFill>
             <a:schemeClr val="tx1"/>
           </a:solidFill>
@@ -3295,8 +2920,8 @@
           <a:cs typeface="+mn-cs"/>
         </a:defRPr>
       </a:lvl6pPr>
-      <a:lvl7pPr marL="2743200" algn="l" defTabSz="914400" rtl="0" eaLnBrk="1" latinLnBrk="0" hangingPunct="1">
-        <a:defRPr sz="1800" kern="1200">
+      <a:lvl7pPr marL="4319991" algn="l" defTabSz="1439997" rtl="0" eaLnBrk="1" latinLnBrk="0" hangingPunct="1">
+        <a:defRPr sz="2835" kern="1200">
           <a:solidFill>
             <a:schemeClr val="tx1"/>
           </a:solidFill>
@@ -3305,8 +2930,8 @@
           <a:cs typeface="+mn-cs"/>
         </a:defRPr>
       </a:lvl7pPr>
-      <a:lvl8pPr marL="3200400" algn="l" defTabSz="914400" rtl="0" eaLnBrk="1" latinLnBrk="0" hangingPunct="1">
-        <a:defRPr sz="1800" kern="1200">
+      <a:lvl8pPr marL="5039990" algn="l" defTabSz="1439997" rtl="0" eaLnBrk="1" latinLnBrk="0" hangingPunct="1">
+        <a:defRPr sz="2835" kern="1200">
           <a:solidFill>
             <a:schemeClr val="tx1"/>
           </a:solidFill>
@@ -3315,8 +2940,8 @@
           <a:cs typeface="+mn-cs"/>
         </a:defRPr>
       </a:lvl8pPr>
-      <a:lvl9pPr marL="3657600" algn="l" defTabSz="914400" rtl="0" eaLnBrk="1" latinLnBrk="0" hangingPunct="1">
-        <a:defRPr sz="1800" kern="1200">
+      <a:lvl9pPr marL="5759988" algn="l" defTabSz="1439997" rtl="0" eaLnBrk="1" latinLnBrk="0" hangingPunct="1">
+        <a:defRPr sz="2835" kern="1200">
           <a:solidFill>
             <a:schemeClr val="tx1"/>
           </a:solidFill>
@@ -3361,7 +2986,7 @@
         </p:nvSpPr>
         <p:spPr>
           <a:xfrm>
-            <a:off x="617465" y="2258811"/>
+            <a:off x="1721571" y="6029918"/>
             <a:ext cx="9273540" cy="4508837"/>
           </a:xfrm>
           <a:prstGeom prst="rect">
@@ -3413,7 +3038,7 @@
         </p:nvSpPr>
         <p:spPr>
           <a:xfrm>
-            <a:off x="617465" y="26886"/>
+            <a:off x="1721571" y="3797992"/>
             <a:ext cx="9273540" cy="2121846"/>
           </a:xfrm>
           <a:prstGeom prst="rect">
@@ -3465,7 +3090,7 @@
         </p:nvGrpSpPr>
         <p:grpSpPr>
           <a:xfrm>
-            <a:off x="1067421" y="90352"/>
+            <a:off x="2171527" y="3861458"/>
             <a:ext cx="8564970" cy="5738948"/>
             <a:chOff x="892627" y="174172"/>
             <a:chExt cx="9583057" cy="6421116"/>
@@ -4286,7 +3911,7 @@
         </p:nvSpPr>
         <p:spPr>
           <a:xfrm>
-            <a:off x="3207854" y="6206339"/>
+            <a:off x="4311961" y="9977446"/>
             <a:ext cx="4092765" cy="454031"/>
           </a:xfrm>
           <a:prstGeom prst="rect">
@@ -4345,7 +3970,7 @@
         </p:nvCxnSpPr>
         <p:spPr>
           <a:xfrm>
-            <a:off x="5254235" y="5829300"/>
+            <a:off x="6358341" y="9600407"/>
             <a:ext cx="2" cy="377039"/>
           </a:xfrm>
           <a:prstGeom prst="line">
@@ -4388,7 +4013,7 @@
         </p:nvSpPr>
         <p:spPr>
           <a:xfrm rot="16200000">
-            <a:off x="-1848286" y="4286213"/>
+            <a:off x="-744180" y="8057320"/>
             <a:ext cx="4508837" cy="454031"/>
           </a:xfrm>
           <a:prstGeom prst="rect">
@@ -4443,7 +4068,7 @@
         </p:nvSpPr>
         <p:spPr>
           <a:xfrm rot="16200000">
-            <a:off x="-668502" y="862764"/>
+            <a:off x="435605" y="4633871"/>
             <a:ext cx="2117903" cy="454031"/>
           </a:xfrm>
           <a:prstGeom prst="rect">
@@ -4498,10 +4123,10 @@
         </p:nvGrpSpPr>
         <p:grpSpPr>
           <a:xfrm>
-            <a:off x="7774869" y="377324"/>
-            <a:ext cx="1857522" cy="1420970"/>
+            <a:off x="8878975" y="4148431"/>
+            <a:ext cx="2080500" cy="1466573"/>
             <a:chOff x="10079865" y="1601272"/>
-            <a:chExt cx="1857522" cy="1420970"/>
+            <a:chExt cx="2080500" cy="1466573"/>
           </a:xfrm>
         </p:grpSpPr>
         <p:sp>
@@ -4673,7 +4298,7 @@
           <p:spPr>
             <a:xfrm>
               <a:off x="10710929" y="2098661"/>
-              <a:ext cx="1022524" cy="369332"/>
+              <a:ext cx="1449436" cy="511037"/>
             </a:xfrm>
             <a:prstGeom prst="rect">
               <a:avLst/>
@@ -4753,7 +4378,7 @@
           <p:spPr>
             <a:xfrm>
               <a:off x="10710929" y="2556808"/>
-              <a:ext cx="729687" cy="369332"/>
+              <a:ext cx="1008609" cy="511037"/>
             </a:xfrm>
             <a:prstGeom prst="rect">
               <a:avLst/>
@@ -4777,7 +4402,1581 @@
     </p:spTree>
     <p:extLst>
       <p:ext uri="{BB962C8B-B14F-4D97-AF65-F5344CB8AC3E}">
-        <p14:creationId xmlns:p14="http://schemas.microsoft.com/office/powerpoint/2010/main" val="1986014419"/>
+        <p14:creationId xmlns:p14="http://schemas.microsoft.com/office/powerpoint/2010/main" val="1986457404"/>
+      </p:ext>
+    </p:extLst>
+  </p:cSld>
+  <p:clrMapOvr>
+    <a:masterClrMapping/>
+  </p:clrMapOvr>
+</p:sld>
+</file>
+
+<file path=ppt/slides/slide2.xml><?xml version="1.0" encoding="utf-8"?>
+<p:sld xmlns:a="http://schemas.openxmlformats.org/drawingml/2006/main" xmlns:r="http://schemas.openxmlformats.org/officeDocument/2006/relationships" xmlns:p="http://schemas.openxmlformats.org/presentationml/2006/main">
+  <p:cSld>
+    <p:spTree>
+      <p:nvGrpSpPr>
+        <p:cNvPr id="1" name=""/>
+        <p:cNvGrpSpPr/>
+        <p:nvPr/>
+      </p:nvGrpSpPr>
+      <p:grpSpPr>
+        <a:xfrm>
+          <a:off x="0" y="0"/>
+          <a:ext cx="0" cy="0"/>
+          <a:chOff x="0" y="0"/>
+          <a:chExt cx="0" cy="0"/>
+        </a:xfrm>
+      </p:grpSpPr>
+      <p:grpSp>
+        <p:nvGrpSpPr>
+          <p:cNvPr id="3" name="Group 2">
+            <a:extLst>
+              <a:ext uri="{FF2B5EF4-FFF2-40B4-BE49-F238E27FC236}">
+                <a16:creationId xmlns:a16="http://schemas.microsoft.com/office/drawing/2014/main" id="{28F59173-0BCF-45DC-A041-A8DBEFDB2913}"/>
+              </a:ext>
+            </a:extLst>
+          </p:cNvPr>
+          <p:cNvGrpSpPr/>
+          <p:nvPr/>
+        </p:nvGrpSpPr>
+        <p:grpSpPr>
+          <a:xfrm>
+            <a:off x="1283223" y="6029916"/>
+            <a:ext cx="9711888" cy="6553969"/>
+            <a:chOff x="1283223" y="6029917"/>
+            <a:chExt cx="9711888" cy="4508838"/>
+          </a:xfrm>
+        </p:grpSpPr>
+        <p:sp>
+          <p:nvSpPr>
+            <p:cNvPr id="42" name="Rectangle 41">
+              <a:extLst>
+                <a:ext uri="{FF2B5EF4-FFF2-40B4-BE49-F238E27FC236}">
+                  <a16:creationId xmlns:a16="http://schemas.microsoft.com/office/drawing/2014/main" id="{C81C75C1-5F67-4C32-B06D-BC18596114F5}"/>
+                </a:ext>
+              </a:extLst>
+            </p:cNvPr>
+            <p:cNvSpPr/>
+            <p:nvPr/>
+          </p:nvSpPr>
+          <p:spPr>
+            <a:xfrm>
+              <a:off x="1721571" y="6029918"/>
+              <a:ext cx="9273540" cy="4508837"/>
+            </a:xfrm>
+            <a:prstGeom prst="rect">
+              <a:avLst/>
+            </a:prstGeom>
+            <a:solidFill>
+              <a:srgbClr val="DAEFC3"/>
+            </a:solidFill>
+            <a:ln>
+              <a:noFill/>
+            </a:ln>
+          </p:spPr>
+          <p:style>
+            <a:lnRef idx="2">
+              <a:schemeClr val="accent1">
+                <a:shade val="50000"/>
+              </a:schemeClr>
+            </a:lnRef>
+            <a:fillRef idx="1">
+              <a:schemeClr val="accent1"/>
+            </a:fillRef>
+            <a:effectRef idx="0">
+              <a:schemeClr val="accent1"/>
+            </a:effectRef>
+            <a:fontRef idx="minor">
+              <a:schemeClr val="lt1"/>
+            </a:fontRef>
+          </p:style>
+          <p:txBody>
+            <a:bodyPr rtlCol="0" anchor="ctr"/>
+            <a:lstStyle/>
+            <a:p>
+              <a:pPr algn="ctr"/>
+              <a:endParaRPr lang="en-CA"/>
+            </a:p>
+          </p:txBody>
+        </p:sp>
+        <p:sp>
+          <p:nvSpPr>
+            <p:cNvPr id="43" name="Rectangle 42">
+              <a:extLst>
+                <a:ext uri="{FF2B5EF4-FFF2-40B4-BE49-F238E27FC236}">
+                  <a16:creationId xmlns:a16="http://schemas.microsoft.com/office/drawing/2014/main" id="{664ACB63-3D39-4D8B-A9E1-3ADE7196600D}"/>
+                </a:ext>
+              </a:extLst>
+            </p:cNvPr>
+            <p:cNvSpPr/>
+            <p:nvPr/>
+          </p:nvSpPr>
+          <p:spPr>
+            <a:xfrm rot="16200000">
+              <a:off x="-744180" y="8057320"/>
+              <a:ext cx="4508837" cy="454031"/>
+            </a:xfrm>
+            <a:prstGeom prst="rect">
+              <a:avLst/>
+            </a:prstGeom>
+            <a:solidFill>
+              <a:srgbClr val="006C31"/>
+            </a:solidFill>
+            <a:ln>
+              <a:noFill/>
+            </a:ln>
+          </p:spPr>
+          <p:style>
+            <a:lnRef idx="2">
+              <a:schemeClr val="accent1">
+                <a:shade val="50000"/>
+              </a:schemeClr>
+            </a:lnRef>
+            <a:fillRef idx="1">
+              <a:schemeClr val="accent1"/>
+            </a:fillRef>
+            <a:effectRef idx="0">
+              <a:schemeClr val="accent1"/>
+            </a:effectRef>
+            <a:fontRef idx="minor">
+              <a:schemeClr val="lt1"/>
+            </a:fontRef>
+          </p:style>
+          <p:txBody>
+            <a:bodyPr rtlCol="0" anchor="ctr"/>
+            <a:lstStyle/>
+            <a:p>
+              <a:pPr algn="ctr"/>
+              <a:r>
+                <a:rPr lang="en-CA" b="1" dirty="0"/>
+                <a:t>Province of Canada</a:t>
+              </a:r>
+            </a:p>
+          </p:txBody>
+        </p:sp>
+      </p:grpSp>
+      <p:sp>
+        <p:nvSpPr>
+          <p:cNvPr id="41" name="Rectangle 40">
+            <a:extLst>
+              <a:ext uri="{FF2B5EF4-FFF2-40B4-BE49-F238E27FC236}">
+                <a16:creationId xmlns:a16="http://schemas.microsoft.com/office/drawing/2014/main" id="{A4CB824A-F9DC-4337-9226-F9CF7898C7DE}"/>
+              </a:ext>
+            </a:extLst>
+          </p:cNvPr>
+          <p:cNvSpPr/>
+          <p:nvPr/>
+        </p:nvSpPr>
+        <p:spPr>
+          <a:xfrm>
+            <a:off x="1721571" y="3797992"/>
+            <a:ext cx="9273540" cy="2121846"/>
+          </a:xfrm>
+          <a:prstGeom prst="rect">
+            <a:avLst/>
+          </a:prstGeom>
+          <a:solidFill>
+            <a:srgbClr val="FFC9C9"/>
+          </a:solidFill>
+          <a:ln>
+            <a:noFill/>
+          </a:ln>
+        </p:spPr>
+        <p:style>
+          <a:lnRef idx="2">
+            <a:schemeClr val="accent1">
+              <a:shade val="50000"/>
+            </a:schemeClr>
+          </a:lnRef>
+          <a:fillRef idx="1">
+            <a:schemeClr val="accent1"/>
+          </a:fillRef>
+          <a:effectRef idx="0">
+            <a:schemeClr val="accent1"/>
+          </a:effectRef>
+          <a:fontRef idx="minor">
+            <a:schemeClr val="lt1"/>
+          </a:fontRef>
+        </p:style>
+        <p:txBody>
+          <a:bodyPr rtlCol="0" anchor="ctr"/>
+          <a:lstStyle/>
+          <a:p>
+            <a:pPr algn="ctr"/>
+            <a:endParaRPr lang="en-CA"/>
+          </a:p>
+        </p:txBody>
+      </p:sp>
+      <p:cxnSp>
+        <p:nvCxnSpPr>
+          <p:cNvPr id="21" name="Straight Connector 20">
+            <a:extLst>
+              <a:ext uri="{FF2B5EF4-FFF2-40B4-BE49-F238E27FC236}">
+                <a16:creationId xmlns:a16="http://schemas.microsoft.com/office/drawing/2014/main" id="{DF1C67A1-BF1F-4AE8-8B8D-2D357212421F}"/>
+              </a:ext>
+            </a:extLst>
+          </p:cNvPr>
+          <p:cNvCxnSpPr>
+            <a:cxnSpLocks/>
+            <a:stCxn id="13" idx="2"/>
+            <a:endCxn id="33" idx="2"/>
+          </p:cNvCxnSpPr>
+          <p:nvPr/>
+        </p:nvCxnSpPr>
+        <p:spPr>
+          <a:xfrm>
+            <a:off x="4578221" y="8359138"/>
+            <a:ext cx="1787962" cy="1969855"/>
+          </a:xfrm>
+          <a:prstGeom prst="line">
+            <a:avLst/>
+          </a:prstGeom>
+          <a:ln w="57150">
+            <a:solidFill>
+              <a:schemeClr val="tx1"/>
+            </a:solidFill>
+          </a:ln>
+        </p:spPr>
+        <p:style>
+          <a:lnRef idx="1">
+            <a:schemeClr val="accent1"/>
+          </a:lnRef>
+          <a:fillRef idx="0">
+            <a:schemeClr val="accent1"/>
+          </a:fillRef>
+          <a:effectRef idx="0">
+            <a:schemeClr val="accent1"/>
+          </a:effectRef>
+          <a:fontRef idx="minor">
+            <a:schemeClr val="tx1"/>
+          </a:fontRef>
+        </p:style>
+      </p:cxnSp>
+      <p:cxnSp>
+        <p:nvCxnSpPr>
+          <p:cNvPr id="30" name="Straight Connector 29">
+            <a:extLst>
+              <a:ext uri="{FF2B5EF4-FFF2-40B4-BE49-F238E27FC236}">
+                <a16:creationId xmlns:a16="http://schemas.microsoft.com/office/drawing/2014/main" id="{A1B1D093-E12A-4062-9430-F828EE118BDC}"/>
+              </a:ext>
+            </a:extLst>
+          </p:cNvPr>
+          <p:cNvCxnSpPr>
+            <a:cxnSpLocks/>
+            <a:stCxn id="10" idx="0"/>
+            <a:endCxn id="17" idx="0"/>
+          </p:cNvCxnSpPr>
+          <p:nvPr/>
+        </p:nvCxnSpPr>
+        <p:spPr>
+          <a:xfrm>
+            <a:off x="6366183" y="6061107"/>
+            <a:ext cx="2939583" cy="2298031"/>
+          </a:xfrm>
+          <a:prstGeom prst="line">
+            <a:avLst/>
+          </a:prstGeom>
+          <a:ln w="57150">
+            <a:solidFill>
+              <a:schemeClr val="tx1"/>
+            </a:solidFill>
+          </a:ln>
+        </p:spPr>
+        <p:style>
+          <a:lnRef idx="1">
+            <a:schemeClr val="accent1"/>
+          </a:lnRef>
+          <a:fillRef idx="0">
+            <a:schemeClr val="accent1"/>
+          </a:fillRef>
+          <a:effectRef idx="0">
+            <a:schemeClr val="accent1"/>
+          </a:effectRef>
+          <a:fontRef idx="minor">
+            <a:schemeClr val="tx1"/>
+          </a:fontRef>
+        </p:style>
+      </p:cxnSp>
+      <p:grpSp>
+        <p:nvGrpSpPr>
+          <p:cNvPr id="8" name="Group 7">
+            <a:extLst>
+              <a:ext uri="{FF2B5EF4-FFF2-40B4-BE49-F238E27FC236}">
+                <a16:creationId xmlns:a16="http://schemas.microsoft.com/office/drawing/2014/main" id="{959F7CD9-D2F7-41C1-B827-4EE8164D2BC3}"/>
+              </a:ext>
+            </a:extLst>
+          </p:cNvPr>
+          <p:cNvGrpSpPr/>
+          <p:nvPr/>
+        </p:nvGrpSpPr>
+        <p:grpSpPr>
+          <a:xfrm>
+            <a:off x="4311960" y="3861458"/>
+            <a:ext cx="4092765" cy="908062"/>
+            <a:chOff x="2989943" y="595086"/>
+            <a:chExt cx="4579257" cy="1016000"/>
+          </a:xfrm>
+        </p:grpSpPr>
+        <p:sp>
+          <p:nvSpPr>
+            <p:cNvPr id="4" name="Rectangle 3">
+              <a:extLst>
+                <a:ext uri="{FF2B5EF4-FFF2-40B4-BE49-F238E27FC236}">
+                  <a16:creationId xmlns:a16="http://schemas.microsoft.com/office/drawing/2014/main" id="{7547F1CB-8A8C-4ACA-84FC-DC629B1107EF}"/>
+                </a:ext>
+              </a:extLst>
+            </p:cNvPr>
+            <p:cNvSpPr/>
+            <p:nvPr/>
+          </p:nvSpPr>
+          <p:spPr>
+            <a:xfrm>
+              <a:off x="2989943" y="595086"/>
+              <a:ext cx="4579257" cy="508000"/>
+            </a:xfrm>
+            <a:prstGeom prst="rect">
+              <a:avLst/>
+            </a:prstGeom>
+            <a:solidFill>
+              <a:srgbClr val="C00000"/>
+            </a:solidFill>
+            <a:ln>
+              <a:noFill/>
+            </a:ln>
+          </p:spPr>
+          <p:style>
+            <a:lnRef idx="2">
+              <a:schemeClr val="accent1">
+                <a:shade val="50000"/>
+              </a:schemeClr>
+            </a:lnRef>
+            <a:fillRef idx="1">
+              <a:schemeClr val="accent1"/>
+            </a:fillRef>
+            <a:effectRef idx="0">
+              <a:schemeClr val="accent1"/>
+            </a:effectRef>
+            <a:fontRef idx="minor">
+              <a:schemeClr val="lt1"/>
+            </a:fontRef>
+          </p:style>
+          <p:txBody>
+            <a:bodyPr rtlCol="0" anchor="ctr"/>
+            <a:lstStyle/>
+            <a:p>
+              <a:pPr algn="ctr"/>
+              <a:r>
+                <a:rPr lang="en-CA" b="1" dirty="0"/>
+                <a:t>British Government</a:t>
+              </a:r>
+            </a:p>
+          </p:txBody>
+        </p:sp>
+        <p:sp>
+          <p:nvSpPr>
+            <p:cNvPr id="5" name="Rectangle 4">
+              <a:extLst>
+                <a:ext uri="{FF2B5EF4-FFF2-40B4-BE49-F238E27FC236}">
+                  <a16:creationId xmlns:a16="http://schemas.microsoft.com/office/drawing/2014/main" id="{06530BD1-FD3F-4E6E-A7D9-B4B35A96BC54}"/>
+                </a:ext>
+              </a:extLst>
+            </p:cNvPr>
+            <p:cNvSpPr/>
+            <p:nvPr/>
+          </p:nvSpPr>
+          <p:spPr>
+            <a:xfrm>
+              <a:off x="2989943" y="1103086"/>
+              <a:ext cx="4579257" cy="508000"/>
+            </a:xfrm>
+            <a:prstGeom prst="rect">
+              <a:avLst/>
+            </a:prstGeom>
+            <a:solidFill>
+              <a:srgbClr val="FF8585"/>
+            </a:solidFill>
+            <a:ln>
+              <a:noFill/>
+            </a:ln>
+          </p:spPr>
+          <p:style>
+            <a:lnRef idx="2">
+              <a:schemeClr val="accent1">
+                <a:shade val="50000"/>
+              </a:schemeClr>
+            </a:lnRef>
+            <a:fillRef idx="1">
+              <a:schemeClr val="accent1"/>
+            </a:fillRef>
+            <a:effectRef idx="0">
+              <a:schemeClr val="accent1"/>
+            </a:effectRef>
+            <a:fontRef idx="minor">
+              <a:schemeClr val="lt1"/>
+            </a:fontRef>
+          </p:style>
+          <p:txBody>
+            <a:bodyPr rtlCol="0" anchor="ctr"/>
+            <a:lstStyle/>
+            <a:p>
+              <a:pPr algn="ctr"/>
+              <a:r>
+                <a:rPr lang="en-CA" dirty="0"/>
+                <a:t>Sovereign and the Cabinet Ministers</a:t>
+              </a:r>
+            </a:p>
+          </p:txBody>
+        </p:sp>
+      </p:grpSp>
+      <p:sp>
+        <p:nvSpPr>
+          <p:cNvPr id="6" name="Rectangle 5">
+            <a:extLst>
+              <a:ext uri="{FF2B5EF4-FFF2-40B4-BE49-F238E27FC236}">
+                <a16:creationId xmlns:a16="http://schemas.microsoft.com/office/drawing/2014/main" id="{D342CE0F-9D11-4A15-AD40-15915F5421D7}"/>
+              </a:ext>
+            </a:extLst>
+          </p:cNvPr>
+          <p:cNvSpPr/>
+          <p:nvPr/>
+        </p:nvSpPr>
+        <p:spPr>
+          <a:xfrm>
+            <a:off x="4311960" y="5230037"/>
+            <a:ext cx="4092765" cy="454031"/>
+          </a:xfrm>
+          <a:prstGeom prst="rect">
+            <a:avLst/>
+          </a:prstGeom>
+          <a:solidFill>
+            <a:srgbClr val="C00000"/>
+          </a:solidFill>
+          <a:ln>
+            <a:noFill/>
+          </a:ln>
+        </p:spPr>
+        <p:style>
+          <a:lnRef idx="2">
+            <a:schemeClr val="accent1">
+              <a:shade val="50000"/>
+            </a:schemeClr>
+          </a:lnRef>
+          <a:fillRef idx="1">
+            <a:schemeClr val="accent1"/>
+          </a:fillRef>
+          <a:effectRef idx="0">
+            <a:schemeClr val="accent1"/>
+          </a:effectRef>
+          <a:fontRef idx="minor">
+            <a:schemeClr val="lt1"/>
+          </a:fontRef>
+        </p:style>
+        <p:txBody>
+          <a:bodyPr rtlCol="0" anchor="ctr"/>
+          <a:lstStyle/>
+          <a:p>
+            <a:pPr algn="ctr"/>
+            <a:r>
+              <a:rPr lang="en-CA" b="1" dirty="0"/>
+              <a:t>Secretary of States for the Colonies</a:t>
+            </a:r>
+          </a:p>
+        </p:txBody>
+      </p:sp>
+      <p:grpSp>
+        <p:nvGrpSpPr>
+          <p:cNvPr id="12" name="Group 11">
+            <a:extLst>
+              <a:ext uri="{FF2B5EF4-FFF2-40B4-BE49-F238E27FC236}">
+                <a16:creationId xmlns:a16="http://schemas.microsoft.com/office/drawing/2014/main" id="{D9C57122-2EFC-4EB6-B1D2-86ECE6EF105B}"/>
+              </a:ext>
+            </a:extLst>
+          </p:cNvPr>
+          <p:cNvGrpSpPr/>
+          <p:nvPr/>
+        </p:nvGrpSpPr>
+        <p:grpSpPr>
+          <a:xfrm>
+            <a:off x="1891004" y="7905107"/>
+            <a:ext cx="5374433" cy="1421160"/>
+            <a:chOff x="2989943" y="595086"/>
+            <a:chExt cx="4579257" cy="1590088"/>
+          </a:xfrm>
+        </p:grpSpPr>
+        <p:sp>
+          <p:nvSpPr>
+            <p:cNvPr id="13" name="Rectangle 12">
+              <a:extLst>
+                <a:ext uri="{FF2B5EF4-FFF2-40B4-BE49-F238E27FC236}">
+                  <a16:creationId xmlns:a16="http://schemas.microsoft.com/office/drawing/2014/main" id="{5919F35E-CFAA-40DB-880B-C89A0A7B7D09}"/>
+                </a:ext>
+              </a:extLst>
+            </p:cNvPr>
+            <p:cNvSpPr/>
+            <p:nvPr/>
+          </p:nvSpPr>
+          <p:spPr>
+            <a:xfrm>
+              <a:off x="2989943" y="595086"/>
+              <a:ext cx="4579257" cy="508000"/>
+            </a:xfrm>
+            <a:prstGeom prst="rect">
+              <a:avLst/>
+            </a:prstGeom>
+            <a:solidFill>
+              <a:srgbClr val="006C31"/>
+            </a:solidFill>
+            <a:ln>
+              <a:noFill/>
+            </a:ln>
+          </p:spPr>
+          <p:style>
+            <a:lnRef idx="2">
+              <a:schemeClr val="accent1">
+                <a:shade val="50000"/>
+              </a:schemeClr>
+            </a:lnRef>
+            <a:fillRef idx="1">
+              <a:schemeClr val="accent1"/>
+            </a:fillRef>
+            <a:effectRef idx="0">
+              <a:schemeClr val="accent1"/>
+            </a:effectRef>
+            <a:fontRef idx="minor">
+              <a:schemeClr val="lt1"/>
+            </a:fontRef>
+          </p:style>
+          <p:txBody>
+            <a:bodyPr rtlCol="0" anchor="ctr"/>
+            <a:lstStyle/>
+            <a:p>
+              <a:pPr algn="ctr"/>
+              <a:r>
+                <a:rPr lang="en-CA" b="1" dirty="0"/>
+                <a:t>Executive Council</a:t>
+              </a:r>
+            </a:p>
+          </p:txBody>
+        </p:sp>
+        <p:sp>
+          <p:nvSpPr>
+            <p:cNvPr id="14" name="Rectangle 13">
+              <a:extLst>
+                <a:ext uri="{FF2B5EF4-FFF2-40B4-BE49-F238E27FC236}">
+                  <a16:creationId xmlns:a16="http://schemas.microsoft.com/office/drawing/2014/main" id="{B30457A7-2935-492E-AF70-F25B5E11DF23}"/>
+                </a:ext>
+              </a:extLst>
+            </p:cNvPr>
+            <p:cNvSpPr/>
+            <p:nvPr/>
+          </p:nvSpPr>
+          <p:spPr>
+            <a:xfrm>
+              <a:off x="2989943" y="1103086"/>
+              <a:ext cx="4579257" cy="1082088"/>
+            </a:xfrm>
+            <a:prstGeom prst="rect">
+              <a:avLst/>
+            </a:prstGeom>
+            <a:solidFill>
+              <a:srgbClr val="A7D971"/>
+            </a:solidFill>
+            <a:ln>
+              <a:noFill/>
+            </a:ln>
+          </p:spPr>
+          <p:style>
+            <a:lnRef idx="2">
+              <a:schemeClr val="accent1">
+                <a:shade val="50000"/>
+              </a:schemeClr>
+            </a:lnRef>
+            <a:fillRef idx="1">
+              <a:schemeClr val="accent1"/>
+            </a:fillRef>
+            <a:effectRef idx="0">
+              <a:schemeClr val="accent1"/>
+            </a:effectRef>
+            <a:fontRef idx="minor">
+              <a:schemeClr val="lt1"/>
+            </a:fontRef>
+          </p:style>
+          <p:txBody>
+            <a:bodyPr rtlCol="0" anchor="ctr"/>
+            <a:lstStyle/>
+            <a:p>
+              <a:r>
+                <a:rPr lang="en-CA" dirty="0"/>
+                <a:t>Proposes bills to the Legislative Assembly</a:t>
+              </a:r>
+            </a:p>
+            <a:p>
+              <a:r>
+                <a:rPr lang="en-CA" dirty="0"/>
+                <a:t>Develop policies in order to implement laws</a:t>
+              </a:r>
+            </a:p>
+            <a:p>
+              <a:r>
+                <a:rPr lang="en-CA" dirty="0"/>
+                <a:t>Can request the dissolution of the Legislative Assembly</a:t>
+              </a:r>
+            </a:p>
+          </p:txBody>
+        </p:sp>
+      </p:grpSp>
+      <p:grpSp>
+        <p:nvGrpSpPr>
+          <p:cNvPr id="15" name="Group 14">
+            <a:extLst>
+              <a:ext uri="{FF2B5EF4-FFF2-40B4-BE49-F238E27FC236}">
+                <a16:creationId xmlns:a16="http://schemas.microsoft.com/office/drawing/2014/main" id="{890D1DCB-D6B4-41C5-BB83-7B3A12D1F0EC}"/>
+              </a:ext>
+            </a:extLst>
+          </p:cNvPr>
+          <p:cNvGrpSpPr/>
+          <p:nvPr/>
+        </p:nvGrpSpPr>
+        <p:grpSpPr>
+          <a:xfrm>
+            <a:off x="7875036" y="7905107"/>
+            <a:ext cx="2861459" cy="908062"/>
+            <a:chOff x="2989943" y="595086"/>
+            <a:chExt cx="4579257" cy="1016000"/>
+          </a:xfrm>
+        </p:grpSpPr>
+        <p:sp>
+          <p:nvSpPr>
+            <p:cNvPr id="16" name="Rectangle 15">
+              <a:extLst>
+                <a:ext uri="{FF2B5EF4-FFF2-40B4-BE49-F238E27FC236}">
+                  <a16:creationId xmlns:a16="http://schemas.microsoft.com/office/drawing/2014/main" id="{F039646A-B1F4-4A5F-AF33-64CEC65353E0}"/>
+                </a:ext>
+              </a:extLst>
+            </p:cNvPr>
+            <p:cNvSpPr/>
+            <p:nvPr/>
+          </p:nvSpPr>
+          <p:spPr>
+            <a:xfrm>
+              <a:off x="2989943" y="595086"/>
+              <a:ext cx="4579257" cy="508000"/>
+            </a:xfrm>
+            <a:prstGeom prst="rect">
+              <a:avLst/>
+            </a:prstGeom>
+            <a:solidFill>
+              <a:srgbClr val="C00000"/>
+            </a:solidFill>
+            <a:ln>
+              <a:noFill/>
+            </a:ln>
+          </p:spPr>
+          <p:style>
+            <a:lnRef idx="2">
+              <a:schemeClr val="accent1">
+                <a:shade val="50000"/>
+              </a:schemeClr>
+            </a:lnRef>
+            <a:fillRef idx="1">
+              <a:schemeClr val="accent1"/>
+            </a:fillRef>
+            <a:effectRef idx="0">
+              <a:schemeClr val="accent1"/>
+            </a:effectRef>
+            <a:fontRef idx="minor">
+              <a:schemeClr val="lt1"/>
+            </a:fontRef>
+          </p:style>
+          <p:txBody>
+            <a:bodyPr rtlCol="0" anchor="ctr"/>
+            <a:lstStyle/>
+            <a:p>
+              <a:pPr algn="ctr"/>
+              <a:r>
+                <a:rPr lang="en-CA" b="1" dirty="0"/>
+                <a:t>Legislative Council</a:t>
+              </a:r>
+            </a:p>
+          </p:txBody>
+        </p:sp>
+        <p:sp>
+          <p:nvSpPr>
+            <p:cNvPr id="17" name="Rectangle 16">
+              <a:extLst>
+                <a:ext uri="{FF2B5EF4-FFF2-40B4-BE49-F238E27FC236}">
+                  <a16:creationId xmlns:a16="http://schemas.microsoft.com/office/drawing/2014/main" id="{6B547972-40A1-41BF-B0CE-1E3810353930}"/>
+                </a:ext>
+              </a:extLst>
+            </p:cNvPr>
+            <p:cNvSpPr/>
+            <p:nvPr/>
+          </p:nvSpPr>
+          <p:spPr>
+            <a:xfrm>
+              <a:off x="2989943" y="1103086"/>
+              <a:ext cx="4579257" cy="508000"/>
+            </a:xfrm>
+            <a:prstGeom prst="rect">
+              <a:avLst/>
+            </a:prstGeom>
+            <a:solidFill>
+              <a:srgbClr val="FF8585"/>
+            </a:solidFill>
+            <a:ln>
+              <a:noFill/>
+            </a:ln>
+          </p:spPr>
+          <p:style>
+            <a:lnRef idx="2">
+              <a:schemeClr val="accent1">
+                <a:shade val="50000"/>
+              </a:schemeClr>
+            </a:lnRef>
+            <a:fillRef idx="1">
+              <a:schemeClr val="accent1"/>
+            </a:fillRef>
+            <a:effectRef idx="0">
+              <a:schemeClr val="accent1"/>
+            </a:effectRef>
+            <a:fontRef idx="minor">
+              <a:schemeClr val="lt1"/>
+            </a:fontRef>
+          </p:style>
+          <p:txBody>
+            <a:bodyPr rtlCol="0" anchor="ctr"/>
+            <a:lstStyle/>
+            <a:p>
+              <a:pPr algn="ctr"/>
+              <a:r>
+                <a:rPr lang="en-CA" dirty="0"/>
+                <a:t>Approves laws</a:t>
+              </a:r>
+            </a:p>
+          </p:txBody>
+        </p:sp>
+      </p:grpSp>
+      <p:cxnSp>
+        <p:nvCxnSpPr>
+          <p:cNvPr id="19" name="Straight Connector 18">
+            <a:extLst>
+              <a:ext uri="{FF2B5EF4-FFF2-40B4-BE49-F238E27FC236}">
+                <a16:creationId xmlns:a16="http://schemas.microsoft.com/office/drawing/2014/main" id="{922636F7-1852-4688-BCCF-D6590A50557E}"/>
+              </a:ext>
+            </a:extLst>
+          </p:cNvPr>
+          <p:cNvCxnSpPr>
+            <a:cxnSpLocks/>
+            <a:stCxn id="5" idx="2"/>
+            <a:endCxn id="6" idx="0"/>
+          </p:cNvCxnSpPr>
+          <p:nvPr/>
+        </p:nvCxnSpPr>
+        <p:spPr>
+          <a:xfrm>
+            <a:off x="6358342" y="4769520"/>
+            <a:ext cx="0" cy="460517"/>
+          </a:xfrm>
+          <a:prstGeom prst="line">
+            <a:avLst/>
+          </a:prstGeom>
+          <a:ln w="57150">
+            <a:solidFill>
+              <a:schemeClr val="tx1"/>
+            </a:solidFill>
+          </a:ln>
+        </p:spPr>
+        <p:style>
+          <a:lnRef idx="1">
+            <a:schemeClr val="accent1"/>
+          </a:lnRef>
+          <a:fillRef idx="0">
+            <a:schemeClr val="accent1"/>
+          </a:fillRef>
+          <a:effectRef idx="0">
+            <a:schemeClr val="accent1"/>
+          </a:effectRef>
+          <a:fontRef idx="minor">
+            <a:schemeClr val="tx1"/>
+          </a:fontRef>
+        </p:style>
+      </p:cxnSp>
+      <p:cxnSp>
+        <p:nvCxnSpPr>
+          <p:cNvPr id="22" name="Straight Connector 21">
+            <a:extLst>
+              <a:ext uri="{FF2B5EF4-FFF2-40B4-BE49-F238E27FC236}">
+                <a16:creationId xmlns:a16="http://schemas.microsoft.com/office/drawing/2014/main" id="{94874BA1-7ACA-4EC5-A296-EF3F98D9C33D}"/>
+              </a:ext>
+            </a:extLst>
+          </p:cNvPr>
+          <p:cNvCxnSpPr>
+            <a:cxnSpLocks/>
+            <a:stCxn id="6" idx="2"/>
+            <a:endCxn id="10" idx="0"/>
+          </p:cNvCxnSpPr>
+          <p:nvPr/>
+        </p:nvCxnSpPr>
+        <p:spPr>
+          <a:xfrm>
+            <a:off x="6358343" y="5684068"/>
+            <a:ext cx="7840" cy="377039"/>
+          </a:xfrm>
+          <a:prstGeom prst="line">
+            <a:avLst/>
+          </a:prstGeom>
+          <a:ln w="57150">
+            <a:solidFill>
+              <a:schemeClr val="tx1"/>
+            </a:solidFill>
+          </a:ln>
+        </p:spPr>
+        <p:style>
+          <a:lnRef idx="1">
+            <a:schemeClr val="accent1"/>
+          </a:lnRef>
+          <a:fillRef idx="0">
+            <a:schemeClr val="accent1"/>
+          </a:fillRef>
+          <a:effectRef idx="0">
+            <a:schemeClr val="accent1"/>
+          </a:effectRef>
+          <a:fontRef idx="minor">
+            <a:schemeClr val="tx1"/>
+          </a:fontRef>
+        </p:style>
+      </p:cxnSp>
+      <p:grpSp>
+        <p:nvGrpSpPr>
+          <p:cNvPr id="9" name="Group 8">
+            <a:extLst>
+              <a:ext uri="{FF2B5EF4-FFF2-40B4-BE49-F238E27FC236}">
+                <a16:creationId xmlns:a16="http://schemas.microsoft.com/office/drawing/2014/main" id="{03FB8053-C58B-4A43-B944-F06E975645E0}"/>
+              </a:ext>
+            </a:extLst>
+          </p:cNvPr>
+          <p:cNvGrpSpPr/>
+          <p:nvPr/>
+        </p:nvGrpSpPr>
+        <p:grpSpPr>
+          <a:xfrm>
+            <a:off x="2918193" y="9874962"/>
+            <a:ext cx="6895979" cy="1413688"/>
+            <a:chOff x="3014403" y="10189670"/>
+            <a:chExt cx="6687876" cy="1413688"/>
+          </a:xfrm>
+        </p:grpSpPr>
+        <p:sp>
+          <p:nvSpPr>
+            <p:cNvPr id="33" name="Rectangle 32">
+              <a:extLst>
+                <a:ext uri="{FF2B5EF4-FFF2-40B4-BE49-F238E27FC236}">
+                  <a16:creationId xmlns:a16="http://schemas.microsoft.com/office/drawing/2014/main" id="{188656BB-D7F6-417B-91B0-A1FE2CDECCD6}"/>
+                </a:ext>
+              </a:extLst>
+            </p:cNvPr>
+            <p:cNvSpPr/>
+            <p:nvPr/>
+          </p:nvSpPr>
+          <p:spPr>
+            <a:xfrm>
+              <a:off x="3014403" y="10189670"/>
+              <a:ext cx="6687876" cy="454031"/>
+            </a:xfrm>
+            <a:prstGeom prst="rect">
+              <a:avLst/>
+            </a:prstGeom>
+            <a:solidFill>
+              <a:srgbClr val="006C31"/>
+            </a:solidFill>
+            <a:ln>
+              <a:noFill/>
+            </a:ln>
+          </p:spPr>
+          <p:style>
+            <a:lnRef idx="2">
+              <a:schemeClr val="accent1">
+                <a:shade val="50000"/>
+              </a:schemeClr>
+            </a:lnRef>
+            <a:fillRef idx="1">
+              <a:schemeClr val="accent1"/>
+            </a:fillRef>
+            <a:effectRef idx="0">
+              <a:schemeClr val="accent1"/>
+            </a:effectRef>
+            <a:fontRef idx="minor">
+              <a:schemeClr val="lt1"/>
+            </a:fontRef>
+          </p:style>
+          <p:txBody>
+            <a:bodyPr rtlCol="0" anchor="ctr"/>
+            <a:lstStyle/>
+            <a:p>
+              <a:pPr algn="ctr"/>
+              <a:r>
+                <a:rPr lang="en-CA" b="1" dirty="0"/>
+                <a:t>Legislative Assembly</a:t>
+              </a:r>
+            </a:p>
+          </p:txBody>
+        </p:sp>
+        <p:sp>
+          <p:nvSpPr>
+            <p:cNvPr id="34" name="Rectangle 33">
+              <a:extLst>
+                <a:ext uri="{FF2B5EF4-FFF2-40B4-BE49-F238E27FC236}">
+                  <a16:creationId xmlns:a16="http://schemas.microsoft.com/office/drawing/2014/main" id="{ACB69A8F-E4C0-4BEE-9B3B-8398B117FEDA}"/>
+                </a:ext>
+              </a:extLst>
+            </p:cNvPr>
+            <p:cNvSpPr/>
+            <p:nvPr/>
+          </p:nvSpPr>
+          <p:spPr>
+            <a:xfrm>
+              <a:off x="3014403" y="10643699"/>
+              <a:ext cx="6687876" cy="959659"/>
+            </a:xfrm>
+            <a:prstGeom prst="rect">
+              <a:avLst/>
+            </a:prstGeom>
+            <a:solidFill>
+              <a:srgbClr val="A7D971"/>
+            </a:solidFill>
+            <a:ln>
+              <a:noFill/>
+            </a:ln>
+          </p:spPr>
+          <p:style>
+            <a:lnRef idx="2">
+              <a:schemeClr val="accent1">
+                <a:shade val="50000"/>
+              </a:schemeClr>
+            </a:lnRef>
+            <a:fillRef idx="1">
+              <a:schemeClr val="accent1"/>
+            </a:fillRef>
+            <a:effectRef idx="0">
+              <a:schemeClr val="accent1"/>
+            </a:effectRef>
+            <a:fontRef idx="minor">
+              <a:schemeClr val="lt1"/>
+            </a:fontRef>
+          </p:style>
+          <p:txBody>
+            <a:bodyPr rtlCol="0" anchor="ctr"/>
+            <a:lstStyle/>
+            <a:p>
+              <a:r>
+                <a:rPr lang="en-CA" dirty="0"/>
+                <a:t>The leader of the majority party appoints the members of the Executive Council from the members of his party.</a:t>
+              </a:r>
+            </a:p>
+            <a:p>
+              <a:r>
+                <a:rPr lang="en-CA" dirty="0"/>
+                <a:t>The Legislative passes bills presented by the Executive Council.</a:t>
+              </a:r>
+            </a:p>
+          </p:txBody>
+        </p:sp>
+      </p:grpSp>
+      <p:sp>
+        <p:nvSpPr>
+          <p:cNvPr id="36" name="Rectangle 35">
+            <a:extLst>
+              <a:ext uri="{FF2B5EF4-FFF2-40B4-BE49-F238E27FC236}">
+                <a16:creationId xmlns:a16="http://schemas.microsoft.com/office/drawing/2014/main" id="{4E306598-46E8-4EDE-B0E9-5B9DDA8CAEC4}"/>
+              </a:ext>
+            </a:extLst>
+          </p:cNvPr>
+          <p:cNvSpPr/>
+          <p:nvPr/>
+        </p:nvSpPr>
+        <p:spPr>
+          <a:xfrm>
+            <a:off x="4311961" y="11837346"/>
+            <a:ext cx="4092765" cy="454031"/>
+          </a:xfrm>
+          <a:prstGeom prst="rect">
+            <a:avLst/>
+          </a:prstGeom>
+          <a:solidFill>
+            <a:srgbClr val="006C31"/>
+          </a:solidFill>
+          <a:ln>
+            <a:noFill/>
+          </a:ln>
+        </p:spPr>
+        <p:style>
+          <a:lnRef idx="2">
+            <a:schemeClr val="accent1">
+              <a:shade val="50000"/>
+            </a:schemeClr>
+          </a:lnRef>
+          <a:fillRef idx="1">
+            <a:schemeClr val="accent1"/>
+          </a:fillRef>
+          <a:effectRef idx="0">
+            <a:schemeClr val="accent1"/>
+          </a:effectRef>
+          <a:fontRef idx="minor">
+            <a:schemeClr val="lt1"/>
+          </a:fontRef>
+        </p:style>
+        <p:txBody>
+          <a:bodyPr rtlCol="0" anchor="ctr"/>
+          <a:lstStyle/>
+          <a:p>
+            <a:pPr algn="ctr"/>
+            <a:r>
+              <a:rPr lang="en-CA" b="1" dirty="0"/>
+              <a:t>Electorate</a:t>
+            </a:r>
+          </a:p>
+        </p:txBody>
+      </p:sp>
+      <p:cxnSp>
+        <p:nvCxnSpPr>
+          <p:cNvPr id="38" name="Straight Connector 37">
+            <a:extLst>
+              <a:ext uri="{FF2B5EF4-FFF2-40B4-BE49-F238E27FC236}">
+                <a16:creationId xmlns:a16="http://schemas.microsoft.com/office/drawing/2014/main" id="{349712F8-B8D1-4EAC-A074-2199D0A9A302}"/>
+              </a:ext>
+            </a:extLst>
+          </p:cNvPr>
+          <p:cNvCxnSpPr>
+            <a:cxnSpLocks/>
+            <a:stCxn id="34" idx="2"/>
+            <a:endCxn id="36" idx="0"/>
+          </p:cNvCxnSpPr>
+          <p:nvPr/>
+        </p:nvCxnSpPr>
+        <p:spPr>
+          <a:xfrm flipH="1">
+            <a:off x="6358344" y="11288650"/>
+            <a:ext cx="7839" cy="548696"/>
+          </a:xfrm>
+          <a:prstGeom prst="line">
+            <a:avLst/>
+          </a:prstGeom>
+          <a:ln w="57150">
+            <a:solidFill>
+              <a:schemeClr val="bg2">
+                <a:lumMod val="75000"/>
+              </a:schemeClr>
+            </a:solidFill>
+          </a:ln>
+        </p:spPr>
+        <p:style>
+          <a:lnRef idx="1">
+            <a:schemeClr val="accent1"/>
+          </a:lnRef>
+          <a:fillRef idx="0">
+            <a:schemeClr val="accent1"/>
+          </a:fillRef>
+          <a:effectRef idx="0">
+            <a:schemeClr val="accent1"/>
+          </a:effectRef>
+          <a:fontRef idx="minor">
+            <a:schemeClr val="tx1"/>
+          </a:fontRef>
+        </p:style>
+      </p:cxnSp>
+      <p:sp>
+        <p:nvSpPr>
+          <p:cNvPr id="44" name="Rectangle 43">
+            <a:extLst>
+              <a:ext uri="{FF2B5EF4-FFF2-40B4-BE49-F238E27FC236}">
+                <a16:creationId xmlns:a16="http://schemas.microsoft.com/office/drawing/2014/main" id="{268594F8-38A2-44E4-AEF3-D4C01A1426D0}"/>
+              </a:ext>
+            </a:extLst>
+          </p:cNvPr>
+          <p:cNvSpPr/>
+          <p:nvPr/>
+        </p:nvSpPr>
+        <p:spPr>
+          <a:xfrm rot="16200000">
+            <a:off x="435605" y="4633871"/>
+            <a:ext cx="2117903" cy="454031"/>
+          </a:xfrm>
+          <a:prstGeom prst="rect">
+            <a:avLst/>
+          </a:prstGeom>
+          <a:solidFill>
+            <a:srgbClr val="C00000"/>
+          </a:solidFill>
+          <a:ln>
+            <a:noFill/>
+          </a:ln>
+        </p:spPr>
+        <p:style>
+          <a:lnRef idx="2">
+            <a:schemeClr val="accent1">
+              <a:shade val="50000"/>
+            </a:schemeClr>
+          </a:lnRef>
+          <a:fillRef idx="1">
+            <a:schemeClr val="accent1"/>
+          </a:fillRef>
+          <a:effectRef idx="0">
+            <a:schemeClr val="accent1"/>
+          </a:effectRef>
+          <a:fontRef idx="minor">
+            <a:schemeClr val="lt1"/>
+          </a:fontRef>
+        </p:style>
+        <p:txBody>
+          <a:bodyPr rtlCol="0" anchor="ctr"/>
+          <a:lstStyle/>
+          <a:p>
+            <a:pPr algn="ctr"/>
+            <a:r>
+              <a:rPr lang="en-CA" b="1" dirty="0"/>
+              <a:t>United Kingdom</a:t>
+            </a:r>
+          </a:p>
+        </p:txBody>
+      </p:sp>
+      <p:grpSp>
+        <p:nvGrpSpPr>
+          <p:cNvPr id="56" name="Group 55">
+            <a:extLst>
+              <a:ext uri="{FF2B5EF4-FFF2-40B4-BE49-F238E27FC236}">
+                <a16:creationId xmlns:a16="http://schemas.microsoft.com/office/drawing/2014/main" id="{96D1396B-C417-4794-B357-A8B3D150432A}"/>
+              </a:ext>
+            </a:extLst>
+          </p:cNvPr>
+          <p:cNvGrpSpPr/>
+          <p:nvPr/>
+        </p:nvGrpSpPr>
+        <p:grpSpPr>
+          <a:xfrm>
+            <a:off x="8878975" y="4148431"/>
+            <a:ext cx="2080500" cy="1466573"/>
+            <a:chOff x="10079865" y="1601272"/>
+            <a:chExt cx="2080500" cy="1466573"/>
+          </a:xfrm>
+        </p:grpSpPr>
+        <p:sp>
+          <p:nvSpPr>
+            <p:cNvPr id="46" name="Rectangle 45">
+              <a:extLst>
+                <a:ext uri="{FF2B5EF4-FFF2-40B4-BE49-F238E27FC236}">
+                  <a16:creationId xmlns:a16="http://schemas.microsoft.com/office/drawing/2014/main" id="{5A27A990-2DC9-4CB4-B758-12E07519A1E8}"/>
+                </a:ext>
+              </a:extLst>
+            </p:cNvPr>
+            <p:cNvSpPr/>
+            <p:nvPr/>
+          </p:nvSpPr>
+          <p:spPr>
+            <a:xfrm>
+              <a:off x="10079865" y="2060138"/>
+              <a:ext cx="1857522" cy="962104"/>
+            </a:xfrm>
+            <a:prstGeom prst="rect">
+              <a:avLst/>
+            </a:prstGeom>
+            <a:solidFill>
+              <a:srgbClr val="FFFF9F"/>
+            </a:solidFill>
+            <a:ln>
+              <a:noFill/>
+            </a:ln>
+          </p:spPr>
+          <p:style>
+            <a:lnRef idx="2">
+              <a:schemeClr val="accent1">
+                <a:shade val="50000"/>
+              </a:schemeClr>
+            </a:lnRef>
+            <a:fillRef idx="1">
+              <a:schemeClr val="accent1"/>
+            </a:fillRef>
+            <a:effectRef idx="0">
+              <a:schemeClr val="accent1"/>
+            </a:effectRef>
+            <a:fontRef idx="minor">
+              <a:schemeClr val="lt1"/>
+            </a:fontRef>
+          </p:style>
+          <p:txBody>
+            <a:bodyPr rtlCol="0" anchor="ctr"/>
+            <a:lstStyle/>
+            <a:p>
+              <a:pPr algn="ctr"/>
+              <a:endParaRPr lang="en-CA" dirty="0"/>
+            </a:p>
+          </p:txBody>
+        </p:sp>
+        <p:sp>
+          <p:nvSpPr>
+            <p:cNvPr id="48" name="Rectangle 47">
+              <a:extLst>
+                <a:ext uri="{FF2B5EF4-FFF2-40B4-BE49-F238E27FC236}">
+                  <a16:creationId xmlns:a16="http://schemas.microsoft.com/office/drawing/2014/main" id="{92B65F83-D68F-408C-A861-3A50648BECE4}"/>
+                </a:ext>
+              </a:extLst>
+            </p:cNvPr>
+            <p:cNvSpPr/>
+            <p:nvPr/>
+          </p:nvSpPr>
+          <p:spPr>
+            <a:xfrm>
+              <a:off x="10079865" y="1601272"/>
+              <a:ext cx="1857522" cy="458865"/>
+            </a:xfrm>
+            <a:prstGeom prst="rect">
+              <a:avLst/>
+            </a:prstGeom>
+            <a:solidFill>
+              <a:srgbClr val="FFFF00"/>
+            </a:solidFill>
+            <a:ln>
+              <a:noFill/>
+            </a:ln>
+          </p:spPr>
+          <p:style>
+            <a:lnRef idx="2">
+              <a:schemeClr val="accent1">
+                <a:shade val="50000"/>
+              </a:schemeClr>
+            </a:lnRef>
+            <a:fillRef idx="1">
+              <a:schemeClr val="accent1"/>
+            </a:fillRef>
+            <a:effectRef idx="0">
+              <a:schemeClr val="accent1"/>
+            </a:effectRef>
+            <a:fontRef idx="minor">
+              <a:schemeClr val="lt1"/>
+            </a:fontRef>
+          </p:style>
+          <p:txBody>
+            <a:bodyPr rtlCol="0" anchor="ctr"/>
+            <a:lstStyle/>
+            <a:p>
+              <a:pPr algn="ctr"/>
+              <a:r>
+                <a:rPr lang="en-CA" b="1" dirty="0">
+                  <a:solidFill>
+                    <a:schemeClr val="tx1"/>
+                  </a:solidFill>
+                </a:rPr>
+                <a:t>Legend</a:t>
+              </a:r>
+            </a:p>
+          </p:txBody>
+        </p:sp>
+        <p:cxnSp>
+          <p:nvCxnSpPr>
+            <p:cNvPr id="50" name="Straight Connector 49">
+              <a:extLst>
+                <a:ext uri="{FF2B5EF4-FFF2-40B4-BE49-F238E27FC236}">
+                  <a16:creationId xmlns:a16="http://schemas.microsoft.com/office/drawing/2014/main" id="{E72E17E0-894A-4233-81F8-FD8C8043D0B7}"/>
+                </a:ext>
+              </a:extLst>
+            </p:cNvPr>
+            <p:cNvCxnSpPr>
+              <a:cxnSpLocks/>
+            </p:cNvCxnSpPr>
+            <p:nvPr/>
+          </p:nvCxnSpPr>
+          <p:spPr>
+            <a:xfrm>
+              <a:off x="10247290" y="2283327"/>
+              <a:ext cx="412124" cy="0"/>
+            </a:xfrm>
+            <a:prstGeom prst="line">
+              <a:avLst/>
+            </a:prstGeom>
+            <a:ln w="57150">
+              <a:solidFill>
+                <a:schemeClr val="tx1"/>
+              </a:solidFill>
+            </a:ln>
+          </p:spPr>
+          <p:style>
+            <a:lnRef idx="1">
+              <a:schemeClr val="accent1"/>
+            </a:lnRef>
+            <a:fillRef idx="0">
+              <a:schemeClr val="accent1"/>
+            </a:fillRef>
+            <a:effectRef idx="0">
+              <a:schemeClr val="accent1"/>
+            </a:effectRef>
+            <a:fontRef idx="minor">
+              <a:schemeClr val="tx1"/>
+            </a:fontRef>
+          </p:style>
+        </p:cxnSp>
+        <p:sp>
+          <p:nvSpPr>
+            <p:cNvPr id="53" name="TextBox 52">
+              <a:extLst>
+                <a:ext uri="{FF2B5EF4-FFF2-40B4-BE49-F238E27FC236}">
+                  <a16:creationId xmlns:a16="http://schemas.microsoft.com/office/drawing/2014/main" id="{26A7566D-AD88-4E03-AB16-FFAE0F1D0608}"/>
+                </a:ext>
+              </a:extLst>
+            </p:cNvPr>
+            <p:cNvSpPr txBox="1"/>
+            <p:nvPr/>
+          </p:nvSpPr>
+          <p:spPr>
+            <a:xfrm>
+              <a:off x="10710929" y="2098661"/>
+              <a:ext cx="1449436" cy="511037"/>
+            </a:xfrm>
+            <a:prstGeom prst="rect">
+              <a:avLst/>
+            </a:prstGeom>
+            <a:noFill/>
+          </p:spPr>
+          <p:txBody>
+            <a:bodyPr wrap="none" rtlCol="0">
+              <a:spAutoFit/>
+            </a:bodyPr>
+            <a:lstStyle/>
+            <a:p>
+              <a:r>
+                <a:rPr lang="en-CA" dirty="0"/>
+                <a:t>Appoints</a:t>
+              </a:r>
+            </a:p>
+          </p:txBody>
+        </p:sp>
+        <p:cxnSp>
+          <p:nvCxnSpPr>
+            <p:cNvPr id="54" name="Straight Connector 53">
+              <a:extLst>
+                <a:ext uri="{FF2B5EF4-FFF2-40B4-BE49-F238E27FC236}">
+                  <a16:creationId xmlns:a16="http://schemas.microsoft.com/office/drawing/2014/main" id="{1E2F261A-68E0-4E61-BA3D-52D13DF54BE7}"/>
+                </a:ext>
+              </a:extLst>
+            </p:cNvPr>
+            <p:cNvCxnSpPr>
+              <a:cxnSpLocks/>
+            </p:cNvCxnSpPr>
+            <p:nvPr/>
+          </p:nvCxnSpPr>
+          <p:spPr>
+            <a:xfrm>
+              <a:off x="10247290" y="2741474"/>
+              <a:ext cx="412124" cy="0"/>
+            </a:xfrm>
+            <a:prstGeom prst="line">
+              <a:avLst/>
+            </a:prstGeom>
+            <a:ln w="57150">
+              <a:solidFill>
+                <a:schemeClr val="bg2">
+                  <a:lumMod val="90000"/>
+                </a:schemeClr>
+              </a:solidFill>
+            </a:ln>
+          </p:spPr>
+          <p:style>
+            <a:lnRef idx="1">
+              <a:schemeClr val="accent1"/>
+            </a:lnRef>
+            <a:fillRef idx="0">
+              <a:schemeClr val="accent1"/>
+            </a:fillRef>
+            <a:effectRef idx="0">
+              <a:schemeClr val="accent1"/>
+            </a:effectRef>
+            <a:fontRef idx="minor">
+              <a:schemeClr val="tx1"/>
+            </a:fontRef>
+          </p:style>
+        </p:cxnSp>
+        <p:sp>
+          <p:nvSpPr>
+            <p:cNvPr id="55" name="TextBox 54">
+              <a:extLst>
+                <a:ext uri="{FF2B5EF4-FFF2-40B4-BE49-F238E27FC236}">
+                  <a16:creationId xmlns:a16="http://schemas.microsoft.com/office/drawing/2014/main" id="{F2F607E6-8505-48C2-93EC-50BDB14C14F6}"/>
+                </a:ext>
+              </a:extLst>
+            </p:cNvPr>
+            <p:cNvSpPr txBox="1"/>
+            <p:nvPr/>
+          </p:nvSpPr>
+          <p:spPr>
+            <a:xfrm>
+              <a:off x="10710929" y="2556808"/>
+              <a:ext cx="1008609" cy="511037"/>
+            </a:xfrm>
+            <a:prstGeom prst="rect">
+              <a:avLst/>
+            </a:prstGeom>
+            <a:noFill/>
+          </p:spPr>
+          <p:txBody>
+            <a:bodyPr wrap="none" rtlCol="0">
+              <a:spAutoFit/>
+            </a:bodyPr>
+            <a:lstStyle/>
+            <a:p>
+              <a:r>
+                <a:rPr lang="en-CA" dirty="0"/>
+                <a:t>Elects</a:t>
+              </a:r>
+            </a:p>
+          </p:txBody>
+        </p:sp>
+      </p:grpSp>
+      <p:grpSp>
+        <p:nvGrpSpPr>
+          <p:cNvPr id="7" name="Group 6">
+            <a:extLst>
+              <a:ext uri="{FF2B5EF4-FFF2-40B4-BE49-F238E27FC236}">
+                <a16:creationId xmlns:a16="http://schemas.microsoft.com/office/drawing/2014/main" id="{04620E3C-74AC-4DBF-95E6-C937975D27BE}"/>
+              </a:ext>
+            </a:extLst>
+          </p:cNvPr>
+          <p:cNvGrpSpPr/>
+          <p:nvPr/>
+        </p:nvGrpSpPr>
+        <p:grpSpPr>
+          <a:xfrm>
+            <a:off x="2710682" y="6061107"/>
+            <a:ext cx="7311002" cy="1389970"/>
+            <a:chOff x="4311960" y="6144585"/>
+            <a:chExt cx="4092765" cy="1389970"/>
+          </a:xfrm>
+        </p:grpSpPr>
+        <p:sp>
+          <p:nvSpPr>
+            <p:cNvPr id="10" name="Rectangle 9">
+              <a:extLst>
+                <a:ext uri="{FF2B5EF4-FFF2-40B4-BE49-F238E27FC236}">
+                  <a16:creationId xmlns:a16="http://schemas.microsoft.com/office/drawing/2014/main" id="{695F7CF8-E257-49C4-88A9-DCC17194CFC5}"/>
+                </a:ext>
+              </a:extLst>
+            </p:cNvPr>
+            <p:cNvSpPr/>
+            <p:nvPr/>
+          </p:nvSpPr>
+          <p:spPr>
+            <a:xfrm>
+              <a:off x="4311960" y="6144585"/>
+              <a:ext cx="4092765" cy="454031"/>
+            </a:xfrm>
+            <a:prstGeom prst="rect">
+              <a:avLst/>
+            </a:prstGeom>
+            <a:solidFill>
+              <a:srgbClr val="C00000"/>
+            </a:solidFill>
+            <a:ln>
+              <a:noFill/>
+            </a:ln>
+          </p:spPr>
+          <p:style>
+            <a:lnRef idx="2">
+              <a:schemeClr val="accent1">
+                <a:shade val="50000"/>
+              </a:schemeClr>
+            </a:lnRef>
+            <a:fillRef idx="1">
+              <a:schemeClr val="accent1"/>
+            </a:fillRef>
+            <a:effectRef idx="0">
+              <a:schemeClr val="accent1"/>
+            </a:effectRef>
+            <a:fontRef idx="minor">
+              <a:schemeClr val="lt1"/>
+            </a:fontRef>
+          </p:style>
+          <p:txBody>
+            <a:bodyPr rtlCol="0" anchor="ctr"/>
+            <a:lstStyle/>
+            <a:p>
+              <a:pPr algn="ctr"/>
+              <a:r>
+                <a:rPr lang="en-CA" b="1" dirty="0"/>
+                <a:t>Governor General</a:t>
+              </a:r>
+            </a:p>
+          </p:txBody>
+        </p:sp>
+        <p:sp>
+          <p:nvSpPr>
+            <p:cNvPr id="37" name="Rectangle 36">
+              <a:extLst>
+                <a:ext uri="{FF2B5EF4-FFF2-40B4-BE49-F238E27FC236}">
+                  <a16:creationId xmlns:a16="http://schemas.microsoft.com/office/drawing/2014/main" id="{477FACFA-E5E8-43A1-B483-5F454B763D93}"/>
+                </a:ext>
+              </a:extLst>
+            </p:cNvPr>
+            <p:cNvSpPr/>
+            <p:nvPr/>
+          </p:nvSpPr>
+          <p:spPr>
+            <a:xfrm>
+              <a:off x="4311960" y="6598617"/>
+              <a:ext cx="4092765" cy="935938"/>
+            </a:xfrm>
+            <a:prstGeom prst="rect">
+              <a:avLst/>
+            </a:prstGeom>
+            <a:solidFill>
+              <a:srgbClr val="FF8585"/>
+            </a:solidFill>
+            <a:ln>
+              <a:noFill/>
+            </a:ln>
+          </p:spPr>
+          <p:style>
+            <a:lnRef idx="2">
+              <a:schemeClr val="accent1">
+                <a:shade val="50000"/>
+              </a:schemeClr>
+            </a:lnRef>
+            <a:fillRef idx="1">
+              <a:schemeClr val="accent1"/>
+            </a:fillRef>
+            <a:effectRef idx="0">
+              <a:schemeClr val="accent1"/>
+            </a:effectRef>
+            <a:fontRef idx="minor">
+              <a:schemeClr val="lt1"/>
+            </a:fontRef>
+          </p:style>
+          <p:txBody>
+            <a:bodyPr rtlCol="0" anchor="ctr"/>
+            <a:lstStyle/>
+            <a:p>
+              <a:r>
+                <a:rPr lang="en-CA" dirty="0"/>
+                <a:t>Must accept laws proposed by the Executive Council</a:t>
+              </a:r>
+            </a:p>
+            <a:p>
+              <a:r>
+                <a:rPr lang="en-CA" dirty="0"/>
+                <a:t>Can overturn a law if it goes against the power of the UK</a:t>
+              </a:r>
+            </a:p>
+            <a:p>
+              <a:r>
+                <a:rPr lang="en-CA" dirty="0"/>
+                <a:t>Can prevent the Executive Council from dissolving the Legislative Assembly</a:t>
+              </a:r>
+            </a:p>
+          </p:txBody>
+        </p:sp>
+      </p:grpSp>
+    </p:spTree>
+    <p:extLst>
+      <p:ext uri="{BB962C8B-B14F-4D97-AF65-F5344CB8AC3E}">
+        <p14:creationId xmlns:p14="http://schemas.microsoft.com/office/powerpoint/2010/main" val="3689508974"/>
       </p:ext>
     </p:extLst>
   </p:cSld>
@@ -4790,7 +5989,7 @@
 <file path=ppt/theme/theme1.xml><?xml version="1.0" encoding="utf-8"?>
 <a:theme xmlns:a="http://schemas.openxmlformats.org/drawingml/2006/main" name="Office Theme">
   <a:themeElements>
-    <a:clrScheme name="Office">
+    <a:clrScheme name="Office Theme">
       <a:dk1>
         <a:sysClr val="windowText" lastClr="000000"/>
       </a:dk1>
@@ -4828,7 +6027,7 @@
         <a:srgbClr val="954F72"/>
       </a:folHlink>
     </a:clrScheme>
-    <a:fontScheme name="Office">
+    <a:fontScheme name="Office Theme">
       <a:majorFont>
         <a:latin typeface="Calibri Light" panose="020F0302020204030204"/>
         <a:ea typeface=""/>
@@ -4863,23 +6062,6 @@
         <a:font script="Viet" typeface="Times New Roman"/>
         <a:font script="Uigh" typeface="Microsoft Uighur"/>
         <a:font script="Geor" typeface="Sylfaen"/>
-        <a:font script="Armn" typeface="Arial"/>
-        <a:font script="Bugi" typeface="Leelawadee UI"/>
-        <a:font script="Bopo" typeface="Microsoft JhengHei"/>
-        <a:font script="Java" typeface="Javanese Text"/>
-        <a:font script="Lisu" typeface="Segoe UI"/>
-        <a:font script="Mymr" typeface="Myanmar Text"/>
-        <a:font script="Nkoo" typeface="Ebrima"/>
-        <a:font script="Olck" typeface="Nirmala UI"/>
-        <a:font script="Osma" typeface="Ebrima"/>
-        <a:font script="Phag" typeface="Phagspa"/>
-        <a:font script="Syrn" typeface="Estrangelo Edessa"/>
-        <a:font script="Syrj" typeface="Estrangelo Edessa"/>
-        <a:font script="Syre" typeface="Estrangelo Edessa"/>
-        <a:font script="Sora" typeface="Nirmala UI"/>
-        <a:font script="Tale" typeface="Microsoft Tai Le"/>
-        <a:font script="Talu" typeface="Microsoft New Tai Lue"/>
-        <a:font script="Tfng" typeface="Ebrima"/>
       </a:majorFont>
       <a:minorFont>
         <a:latin typeface="Calibri" panose="020F0502020204030204"/>
@@ -4915,26 +6097,9 @@
         <a:font script="Viet" typeface="Arial"/>
         <a:font script="Uigh" typeface="Microsoft Uighur"/>
         <a:font script="Geor" typeface="Sylfaen"/>
-        <a:font script="Armn" typeface="Arial"/>
-        <a:font script="Bugi" typeface="Leelawadee UI"/>
-        <a:font script="Bopo" typeface="Microsoft JhengHei"/>
-        <a:font script="Java" typeface="Javanese Text"/>
-        <a:font script="Lisu" typeface="Segoe UI"/>
-        <a:font script="Mymr" typeface="Myanmar Text"/>
-        <a:font script="Nkoo" typeface="Ebrima"/>
-        <a:font script="Olck" typeface="Nirmala UI"/>
-        <a:font script="Osma" typeface="Ebrima"/>
-        <a:font script="Phag" typeface="Phagspa"/>
-        <a:font script="Syrn" typeface="Estrangelo Edessa"/>
-        <a:font script="Syrj" typeface="Estrangelo Edessa"/>
-        <a:font script="Syre" typeface="Estrangelo Edessa"/>
-        <a:font script="Sora" typeface="Nirmala UI"/>
-        <a:font script="Tale" typeface="Microsoft Tai Le"/>
-        <a:font script="Talu" typeface="Microsoft New Tai Lue"/>
-        <a:font script="Tfng" typeface="Ebrima"/>
       </a:minorFont>
     </a:fontScheme>
-    <a:fmtScheme name="Office">
+    <a:fmtScheme name="Office Theme">
       <a:fillStyleLst>
         <a:solidFill>
           <a:schemeClr val="phClr"/>

--- a/graphs.pptx
+++ b/graphs.pptx
@@ -7,6 +7,8 @@
   <p:sldIdLst>
     <p:sldId id="257" r:id="rId2"/>
     <p:sldId id="258" r:id="rId3"/>
+    <p:sldId id="260" r:id="rId4"/>
+    <p:sldId id="259" r:id="rId5"/>
   </p:sldIdLst>
   <p:sldSz cx="14400213" cy="14400213"/>
   <p:notesSz cx="6858000" cy="9144000"/>
@@ -244,7 +246,7 @@
           <a:p>
             <a:fld id="{46201475-00EE-432B-B48C-35E49C3BE552}" type="datetimeFigureOut">
               <a:rPr lang="en-CA" smtClean="0"/>
-              <a:t>2019-09-19</a:t>
+              <a:t>2019-09-20</a:t>
             </a:fld>
             <a:endParaRPr lang="en-CA"/>
           </a:p>
@@ -414,7 +416,7 @@
           <a:p>
             <a:fld id="{46201475-00EE-432B-B48C-35E49C3BE552}" type="datetimeFigureOut">
               <a:rPr lang="en-CA" smtClean="0"/>
-              <a:t>2019-09-19</a:t>
+              <a:t>2019-09-20</a:t>
             </a:fld>
             <a:endParaRPr lang="en-CA"/>
           </a:p>
@@ -594,7 +596,7 @@
           <a:p>
             <a:fld id="{46201475-00EE-432B-B48C-35E49C3BE552}" type="datetimeFigureOut">
               <a:rPr lang="en-CA" smtClean="0"/>
-              <a:t>2019-09-19</a:t>
+              <a:t>2019-09-20</a:t>
             </a:fld>
             <a:endParaRPr lang="en-CA"/>
           </a:p>
@@ -764,7 +766,7 @@
           <a:p>
             <a:fld id="{46201475-00EE-432B-B48C-35E49C3BE552}" type="datetimeFigureOut">
               <a:rPr lang="en-CA" smtClean="0"/>
-              <a:t>2019-09-19</a:t>
+              <a:t>2019-09-20</a:t>
             </a:fld>
             <a:endParaRPr lang="en-CA"/>
           </a:p>
@@ -1008,7 +1010,7 @@
           <a:p>
             <a:fld id="{46201475-00EE-432B-B48C-35E49C3BE552}" type="datetimeFigureOut">
               <a:rPr lang="en-CA" smtClean="0"/>
-              <a:t>2019-09-19</a:t>
+              <a:t>2019-09-20</a:t>
             </a:fld>
             <a:endParaRPr lang="en-CA"/>
           </a:p>
@@ -1240,7 +1242,7 @@
           <a:p>
             <a:fld id="{46201475-00EE-432B-B48C-35E49C3BE552}" type="datetimeFigureOut">
               <a:rPr lang="en-CA" smtClean="0"/>
-              <a:t>2019-09-19</a:t>
+              <a:t>2019-09-20</a:t>
             </a:fld>
             <a:endParaRPr lang="en-CA"/>
           </a:p>
@@ -1607,7 +1609,7 @@
           <a:p>
             <a:fld id="{46201475-00EE-432B-B48C-35E49C3BE552}" type="datetimeFigureOut">
               <a:rPr lang="en-CA" smtClean="0"/>
-              <a:t>2019-09-19</a:t>
+              <a:t>2019-09-20</a:t>
             </a:fld>
             <a:endParaRPr lang="en-CA"/>
           </a:p>
@@ -1725,7 +1727,7 @@
           <a:p>
             <a:fld id="{46201475-00EE-432B-B48C-35E49C3BE552}" type="datetimeFigureOut">
               <a:rPr lang="en-CA" smtClean="0"/>
-              <a:t>2019-09-19</a:t>
+              <a:t>2019-09-20</a:t>
             </a:fld>
             <a:endParaRPr lang="en-CA"/>
           </a:p>
@@ -1820,7 +1822,7 @@
           <a:p>
             <a:fld id="{46201475-00EE-432B-B48C-35E49C3BE552}" type="datetimeFigureOut">
               <a:rPr lang="en-CA" smtClean="0"/>
-              <a:t>2019-09-19</a:t>
+              <a:t>2019-09-20</a:t>
             </a:fld>
             <a:endParaRPr lang="en-CA"/>
           </a:p>
@@ -2097,7 +2099,7 @@
           <a:p>
             <a:fld id="{46201475-00EE-432B-B48C-35E49C3BE552}" type="datetimeFigureOut">
               <a:rPr lang="en-CA" smtClean="0"/>
-              <a:t>2019-09-19</a:t>
+              <a:t>2019-09-20</a:t>
             </a:fld>
             <a:endParaRPr lang="en-CA"/>
           </a:p>
@@ -2354,7 +2356,7 @@
           <a:p>
             <a:fld id="{46201475-00EE-432B-B48C-35E49C3BE552}" type="datetimeFigureOut">
               <a:rPr lang="en-CA" smtClean="0"/>
-              <a:t>2019-09-19</a:t>
+              <a:t>2019-09-20</a:t>
             </a:fld>
             <a:endParaRPr lang="en-CA"/>
           </a:p>
@@ -2567,7 +2569,7 @@
           <a:p>
             <a:fld id="{46201475-00EE-432B-B48C-35E49C3BE552}" type="datetimeFigureOut">
               <a:rPr lang="en-CA" smtClean="0"/>
-              <a:t>2019-09-19</a:t>
+              <a:t>2019-09-20</a:t>
             </a:fld>
             <a:endParaRPr lang="en-CA"/>
           </a:p>
@@ -5986,6 +5988,2443 @@
 </p:sld>
 </file>
 
+<file path=ppt/slides/slide3.xml><?xml version="1.0" encoding="utf-8"?>
+<p:sld xmlns:a="http://schemas.openxmlformats.org/drawingml/2006/main" xmlns:r="http://schemas.openxmlformats.org/officeDocument/2006/relationships" xmlns:p="http://schemas.openxmlformats.org/presentationml/2006/main">
+  <p:cSld>
+    <p:spTree>
+      <p:nvGrpSpPr>
+        <p:cNvPr id="1" name=""/>
+        <p:cNvGrpSpPr/>
+        <p:nvPr/>
+      </p:nvGrpSpPr>
+      <p:grpSpPr>
+        <a:xfrm>
+          <a:off x="0" y="0"/>
+          <a:ext cx="0" cy="0"/>
+          <a:chOff x="0" y="0"/>
+          <a:chExt cx="0" cy="0"/>
+        </a:xfrm>
+      </p:grpSpPr>
+      <p:grpSp>
+        <p:nvGrpSpPr>
+          <p:cNvPr id="3" name="Group 2">
+            <a:extLst>
+              <a:ext uri="{FF2B5EF4-FFF2-40B4-BE49-F238E27FC236}">
+                <a16:creationId xmlns:a16="http://schemas.microsoft.com/office/drawing/2014/main" id="{28F59173-0BCF-45DC-A041-A8DBEFDB2913}"/>
+              </a:ext>
+            </a:extLst>
+          </p:cNvPr>
+          <p:cNvGrpSpPr/>
+          <p:nvPr/>
+        </p:nvGrpSpPr>
+        <p:grpSpPr>
+          <a:xfrm>
+            <a:off x="1283224" y="6029917"/>
+            <a:ext cx="9711887" cy="4457855"/>
+            <a:chOff x="1283224" y="6029917"/>
+            <a:chExt cx="9711887" cy="3066805"/>
+          </a:xfrm>
+        </p:grpSpPr>
+        <p:sp>
+          <p:nvSpPr>
+            <p:cNvPr id="42" name="Rectangle 41">
+              <a:extLst>
+                <a:ext uri="{FF2B5EF4-FFF2-40B4-BE49-F238E27FC236}">
+                  <a16:creationId xmlns:a16="http://schemas.microsoft.com/office/drawing/2014/main" id="{C81C75C1-5F67-4C32-B06D-BC18596114F5}"/>
+                </a:ext>
+              </a:extLst>
+            </p:cNvPr>
+            <p:cNvSpPr/>
+            <p:nvPr/>
+          </p:nvSpPr>
+          <p:spPr>
+            <a:xfrm>
+              <a:off x="1721571" y="6029918"/>
+              <a:ext cx="9273540" cy="3066804"/>
+            </a:xfrm>
+            <a:prstGeom prst="rect">
+              <a:avLst/>
+            </a:prstGeom>
+            <a:solidFill>
+              <a:srgbClr val="DAEFC3"/>
+            </a:solidFill>
+            <a:ln>
+              <a:noFill/>
+            </a:ln>
+          </p:spPr>
+          <p:style>
+            <a:lnRef idx="2">
+              <a:schemeClr val="accent1">
+                <a:shade val="50000"/>
+              </a:schemeClr>
+            </a:lnRef>
+            <a:fillRef idx="1">
+              <a:schemeClr val="accent1"/>
+            </a:fillRef>
+            <a:effectRef idx="0">
+              <a:schemeClr val="accent1"/>
+            </a:effectRef>
+            <a:fontRef idx="minor">
+              <a:schemeClr val="lt1"/>
+            </a:fontRef>
+          </p:style>
+          <p:txBody>
+            <a:bodyPr rtlCol="0" anchor="ctr"/>
+            <a:lstStyle/>
+            <a:p>
+              <a:pPr algn="ctr"/>
+              <a:endParaRPr lang="en-CA"/>
+            </a:p>
+          </p:txBody>
+        </p:sp>
+        <p:sp>
+          <p:nvSpPr>
+            <p:cNvPr id="43" name="Rectangle 42">
+              <a:extLst>
+                <a:ext uri="{FF2B5EF4-FFF2-40B4-BE49-F238E27FC236}">
+                  <a16:creationId xmlns:a16="http://schemas.microsoft.com/office/drawing/2014/main" id="{664ACB63-3D39-4D8B-A9E1-3ADE7196600D}"/>
+                </a:ext>
+              </a:extLst>
+            </p:cNvPr>
+            <p:cNvSpPr/>
+            <p:nvPr/>
+          </p:nvSpPr>
+          <p:spPr>
+            <a:xfrm rot="16200000">
+              <a:off x="-23162" y="7336303"/>
+              <a:ext cx="3066804" cy="454031"/>
+            </a:xfrm>
+            <a:prstGeom prst="rect">
+              <a:avLst/>
+            </a:prstGeom>
+            <a:solidFill>
+              <a:srgbClr val="006C31"/>
+            </a:solidFill>
+            <a:ln>
+              <a:noFill/>
+            </a:ln>
+          </p:spPr>
+          <p:style>
+            <a:lnRef idx="2">
+              <a:schemeClr val="accent1">
+                <a:shade val="50000"/>
+              </a:schemeClr>
+            </a:lnRef>
+            <a:fillRef idx="1">
+              <a:schemeClr val="accent1"/>
+            </a:fillRef>
+            <a:effectRef idx="0">
+              <a:schemeClr val="accent1"/>
+            </a:effectRef>
+            <a:fontRef idx="minor">
+              <a:schemeClr val="lt1"/>
+            </a:fontRef>
+          </p:style>
+          <p:txBody>
+            <a:bodyPr rtlCol="0" anchor="ctr"/>
+            <a:lstStyle/>
+            <a:p>
+              <a:pPr algn="ctr"/>
+              <a:r>
+                <a:rPr lang="en-CA" b="1" dirty="0"/>
+                <a:t>Province of Canada</a:t>
+              </a:r>
+            </a:p>
+          </p:txBody>
+        </p:sp>
+      </p:grpSp>
+      <p:cxnSp>
+        <p:nvCxnSpPr>
+          <p:cNvPr id="38" name="Straight Connector 37">
+            <a:extLst>
+              <a:ext uri="{FF2B5EF4-FFF2-40B4-BE49-F238E27FC236}">
+                <a16:creationId xmlns:a16="http://schemas.microsoft.com/office/drawing/2014/main" id="{349712F8-B8D1-4EAC-A074-2199D0A9A302}"/>
+              </a:ext>
+            </a:extLst>
+          </p:cNvPr>
+          <p:cNvCxnSpPr>
+            <a:cxnSpLocks/>
+          </p:cNvCxnSpPr>
+          <p:nvPr/>
+        </p:nvCxnSpPr>
+        <p:spPr>
+          <a:xfrm>
+            <a:off x="2855822" y="9008376"/>
+            <a:ext cx="1" cy="712646"/>
+          </a:xfrm>
+          <a:prstGeom prst="line">
+            <a:avLst/>
+          </a:prstGeom>
+          <a:ln w="57150">
+            <a:solidFill>
+              <a:schemeClr val="bg2">
+                <a:lumMod val="75000"/>
+              </a:schemeClr>
+            </a:solidFill>
+          </a:ln>
+        </p:spPr>
+        <p:style>
+          <a:lnRef idx="1">
+            <a:schemeClr val="accent1"/>
+          </a:lnRef>
+          <a:fillRef idx="0">
+            <a:schemeClr val="accent1"/>
+          </a:fillRef>
+          <a:effectRef idx="0">
+            <a:schemeClr val="accent1"/>
+          </a:effectRef>
+          <a:fontRef idx="minor">
+            <a:schemeClr val="tx1"/>
+          </a:fontRef>
+        </p:style>
+      </p:cxnSp>
+      <p:sp>
+        <p:nvSpPr>
+          <p:cNvPr id="41" name="Rectangle 40">
+            <a:extLst>
+              <a:ext uri="{FF2B5EF4-FFF2-40B4-BE49-F238E27FC236}">
+                <a16:creationId xmlns:a16="http://schemas.microsoft.com/office/drawing/2014/main" id="{A4CB824A-F9DC-4337-9226-F9CF7898C7DE}"/>
+              </a:ext>
+            </a:extLst>
+          </p:cNvPr>
+          <p:cNvSpPr/>
+          <p:nvPr/>
+        </p:nvSpPr>
+        <p:spPr>
+          <a:xfrm>
+            <a:off x="1721571" y="4119112"/>
+            <a:ext cx="9273540" cy="1800725"/>
+          </a:xfrm>
+          <a:prstGeom prst="rect">
+            <a:avLst/>
+          </a:prstGeom>
+          <a:solidFill>
+            <a:srgbClr val="FFC9C9"/>
+          </a:solidFill>
+          <a:ln>
+            <a:noFill/>
+          </a:ln>
+        </p:spPr>
+        <p:style>
+          <a:lnRef idx="2">
+            <a:schemeClr val="accent1">
+              <a:shade val="50000"/>
+            </a:schemeClr>
+          </a:lnRef>
+          <a:fillRef idx="1">
+            <a:schemeClr val="accent1"/>
+          </a:fillRef>
+          <a:effectRef idx="0">
+            <a:schemeClr val="accent1"/>
+          </a:effectRef>
+          <a:fontRef idx="minor">
+            <a:schemeClr val="lt1"/>
+          </a:fontRef>
+        </p:style>
+        <p:txBody>
+          <a:bodyPr rtlCol="0" anchor="ctr"/>
+          <a:lstStyle/>
+          <a:p>
+            <a:pPr algn="ctr"/>
+            <a:endParaRPr lang="en-CA"/>
+          </a:p>
+        </p:txBody>
+      </p:sp>
+      <p:grpSp>
+        <p:nvGrpSpPr>
+          <p:cNvPr id="68" name="Group 67">
+            <a:extLst>
+              <a:ext uri="{FF2B5EF4-FFF2-40B4-BE49-F238E27FC236}">
+                <a16:creationId xmlns:a16="http://schemas.microsoft.com/office/drawing/2014/main" id="{6D97498A-C3E6-40D4-BB8D-BD8793A0E3B8}"/>
+              </a:ext>
+            </a:extLst>
+          </p:cNvPr>
+          <p:cNvGrpSpPr/>
+          <p:nvPr/>
+        </p:nvGrpSpPr>
+        <p:grpSpPr>
+          <a:xfrm>
+            <a:off x="2954139" y="6836971"/>
+            <a:ext cx="6504385" cy="1805196"/>
+            <a:chOff x="2954139" y="6836971"/>
+            <a:chExt cx="6504385" cy="1805196"/>
+          </a:xfrm>
+        </p:grpSpPr>
+        <p:cxnSp>
+          <p:nvCxnSpPr>
+            <p:cNvPr id="26" name="Straight Connector 25">
+              <a:extLst>
+                <a:ext uri="{FF2B5EF4-FFF2-40B4-BE49-F238E27FC236}">
+                  <a16:creationId xmlns:a16="http://schemas.microsoft.com/office/drawing/2014/main" id="{75D4B146-B37B-453F-BDE6-29DE568E848C}"/>
+                </a:ext>
+              </a:extLst>
+            </p:cNvPr>
+            <p:cNvCxnSpPr>
+              <a:cxnSpLocks/>
+            </p:cNvCxnSpPr>
+            <p:nvPr/>
+          </p:nvCxnSpPr>
+          <p:spPr>
+            <a:xfrm>
+              <a:off x="6358344" y="6836971"/>
+              <a:ext cx="0" cy="469479"/>
+            </a:xfrm>
+            <a:prstGeom prst="line">
+              <a:avLst/>
+            </a:prstGeom>
+            <a:ln w="57150">
+              <a:solidFill>
+                <a:schemeClr val="tx1"/>
+              </a:solidFill>
+            </a:ln>
+          </p:spPr>
+          <p:style>
+            <a:lnRef idx="1">
+              <a:schemeClr val="accent1"/>
+            </a:lnRef>
+            <a:fillRef idx="0">
+              <a:schemeClr val="accent1"/>
+            </a:fillRef>
+            <a:effectRef idx="0">
+              <a:schemeClr val="accent1"/>
+            </a:effectRef>
+            <a:fontRef idx="minor">
+              <a:schemeClr val="tx1"/>
+            </a:fontRef>
+          </p:style>
+        </p:cxnSp>
+        <p:cxnSp>
+          <p:nvCxnSpPr>
+            <p:cNvPr id="52" name="Straight Connector 51">
+              <a:extLst>
+                <a:ext uri="{FF2B5EF4-FFF2-40B4-BE49-F238E27FC236}">
+                  <a16:creationId xmlns:a16="http://schemas.microsoft.com/office/drawing/2014/main" id="{E751E6AF-1ECD-4AEA-9846-0B74414BB407}"/>
+                </a:ext>
+              </a:extLst>
+            </p:cNvPr>
+            <p:cNvCxnSpPr>
+              <a:cxnSpLocks/>
+            </p:cNvCxnSpPr>
+            <p:nvPr/>
+          </p:nvCxnSpPr>
+          <p:spPr>
+            <a:xfrm>
+              <a:off x="4646377" y="7301349"/>
+              <a:ext cx="4812147" cy="0"/>
+            </a:xfrm>
+            <a:prstGeom prst="line">
+              <a:avLst/>
+            </a:prstGeom>
+            <a:ln w="57150">
+              <a:solidFill>
+                <a:schemeClr val="tx1"/>
+              </a:solidFill>
+            </a:ln>
+          </p:spPr>
+          <p:style>
+            <a:lnRef idx="1">
+              <a:schemeClr val="accent1"/>
+            </a:lnRef>
+            <a:fillRef idx="0">
+              <a:schemeClr val="accent1"/>
+            </a:fillRef>
+            <a:effectRef idx="0">
+              <a:schemeClr val="accent1"/>
+            </a:effectRef>
+            <a:fontRef idx="minor">
+              <a:schemeClr val="tx1"/>
+            </a:fontRef>
+          </p:style>
+        </p:cxnSp>
+        <p:cxnSp>
+          <p:nvCxnSpPr>
+            <p:cNvPr id="57" name="Straight Connector 56">
+              <a:extLst>
+                <a:ext uri="{FF2B5EF4-FFF2-40B4-BE49-F238E27FC236}">
+                  <a16:creationId xmlns:a16="http://schemas.microsoft.com/office/drawing/2014/main" id="{E96C8990-6B0A-459B-8BFF-5ECF205024B0}"/>
+                </a:ext>
+              </a:extLst>
+            </p:cNvPr>
+            <p:cNvCxnSpPr>
+              <a:cxnSpLocks/>
+            </p:cNvCxnSpPr>
+            <p:nvPr/>
+          </p:nvCxnSpPr>
+          <p:spPr>
+            <a:xfrm>
+              <a:off x="9437698" y="7273753"/>
+              <a:ext cx="0" cy="1161478"/>
+            </a:xfrm>
+            <a:prstGeom prst="line">
+              <a:avLst/>
+            </a:prstGeom>
+            <a:ln w="57150">
+              <a:solidFill>
+                <a:schemeClr val="tx1"/>
+              </a:solidFill>
+            </a:ln>
+          </p:spPr>
+          <p:style>
+            <a:lnRef idx="1">
+              <a:schemeClr val="accent1"/>
+            </a:lnRef>
+            <a:fillRef idx="0">
+              <a:schemeClr val="accent1"/>
+            </a:fillRef>
+            <a:effectRef idx="0">
+              <a:schemeClr val="accent1"/>
+            </a:effectRef>
+            <a:fontRef idx="minor">
+              <a:schemeClr val="tx1"/>
+            </a:fontRef>
+          </p:style>
+        </p:cxnSp>
+        <p:cxnSp>
+          <p:nvCxnSpPr>
+            <p:cNvPr id="59" name="Straight Connector 58">
+              <a:extLst>
+                <a:ext uri="{FF2B5EF4-FFF2-40B4-BE49-F238E27FC236}">
+                  <a16:creationId xmlns:a16="http://schemas.microsoft.com/office/drawing/2014/main" id="{80143961-88CA-492B-831C-CFA8298062D4}"/>
+                </a:ext>
+              </a:extLst>
+            </p:cNvPr>
+            <p:cNvCxnSpPr>
+              <a:cxnSpLocks/>
+            </p:cNvCxnSpPr>
+            <p:nvPr/>
+          </p:nvCxnSpPr>
+          <p:spPr>
+            <a:xfrm>
+              <a:off x="4670481" y="7301349"/>
+              <a:ext cx="0" cy="682508"/>
+            </a:xfrm>
+            <a:prstGeom prst="line">
+              <a:avLst/>
+            </a:prstGeom>
+            <a:ln w="57150">
+              <a:solidFill>
+                <a:schemeClr val="tx1"/>
+              </a:solidFill>
+            </a:ln>
+          </p:spPr>
+          <p:style>
+            <a:lnRef idx="1">
+              <a:schemeClr val="accent1"/>
+            </a:lnRef>
+            <a:fillRef idx="0">
+              <a:schemeClr val="accent1"/>
+            </a:fillRef>
+            <a:effectRef idx="0">
+              <a:schemeClr val="accent1"/>
+            </a:effectRef>
+            <a:fontRef idx="minor">
+              <a:schemeClr val="tx1"/>
+            </a:fontRef>
+          </p:style>
+        </p:cxnSp>
+        <p:cxnSp>
+          <p:nvCxnSpPr>
+            <p:cNvPr id="60" name="Straight Connector 59">
+              <a:extLst>
+                <a:ext uri="{FF2B5EF4-FFF2-40B4-BE49-F238E27FC236}">
+                  <a16:creationId xmlns:a16="http://schemas.microsoft.com/office/drawing/2014/main" id="{C9BB7F33-6D84-4211-B0B9-37CAADF5C1FD}"/>
+                </a:ext>
+              </a:extLst>
+            </p:cNvPr>
+            <p:cNvCxnSpPr>
+              <a:cxnSpLocks/>
+            </p:cNvCxnSpPr>
+            <p:nvPr/>
+          </p:nvCxnSpPr>
+          <p:spPr>
+            <a:xfrm>
+              <a:off x="2954139" y="7978756"/>
+              <a:ext cx="3412042" cy="0"/>
+            </a:xfrm>
+            <a:prstGeom prst="line">
+              <a:avLst/>
+            </a:prstGeom>
+            <a:ln w="57150">
+              <a:solidFill>
+                <a:schemeClr val="tx1"/>
+              </a:solidFill>
+            </a:ln>
+          </p:spPr>
+          <p:style>
+            <a:lnRef idx="1">
+              <a:schemeClr val="accent1"/>
+            </a:lnRef>
+            <a:fillRef idx="0">
+              <a:schemeClr val="accent1"/>
+            </a:fillRef>
+            <a:effectRef idx="0">
+              <a:schemeClr val="accent1"/>
+            </a:effectRef>
+            <a:fontRef idx="minor">
+              <a:schemeClr val="tx1"/>
+            </a:fontRef>
+          </p:style>
+        </p:cxnSp>
+        <p:cxnSp>
+          <p:nvCxnSpPr>
+            <p:cNvPr id="64" name="Straight Connector 63">
+              <a:extLst>
+                <a:ext uri="{FF2B5EF4-FFF2-40B4-BE49-F238E27FC236}">
+                  <a16:creationId xmlns:a16="http://schemas.microsoft.com/office/drawing/2014/main" id="{32F4D6E2-B8A0-45DD-86CA-8C4C8FB1D714}"/>
+                </a:ext>
+              </a:extLst>
+            </p:cNvPr>
+            <p:cNvCxnSpPr>
+              <a:cxnSpLocks/>
+            </p:cNvCxnSpPr>
+            <p:nvPr/>
+          </p:nvCxnSpPr>
+          <p:spPr>
+            <a:xfrm>
+              <a:off x="6341046" y="7959659"/>
+              <a:ext cx="0" cy="682508"/>
+            </a:xfrm>
+            <a:prstGeom prst="line">
+              <a:avLst/>
+            </a:prstGeom>
+            <a:ln w="57150">
+              <a:solidFill>
+                <a:schemeClr val="tx1"/>
+              </a:solidFill>
+            </a:ln>
+          </p:spPr>
+          <p:style>
+            <a:lnRef idx="1">
+              <a:schemeClr val="accent1"/>
+            </a:lnRef>
+            <a:fillRef idx="0">
+              <a:schemeClr val="accent1"/>
+            </a:fillRef>
+            <a:effectRef idx="0">
+              <a:schemeClr val="accent1"/>
+            </a:effectRef>
+            <a:fontRef idx="minor">
+              <a:schemeClr val="tx1"/>
+            </a:fontRef>
+          </p:style>
+        </p:cxnSp>
+        <p:cxnSp>
+          <p:nvCxnSpPr>
+            <p:cNvPr id="65" name="Straight Connector 64">
+              <a:extLst>
+                <a:ext uri="{FF2B5EF4-FFF2-40B4-BE49-F238E27FC236}">
+                  <a16:creationId xmlns:a16="http://schemas.microsoft.com/office/drawing/2014/main" id="{F01289B6-EB26-4753-8245-B510077FA2BD}"/>
+                </a:ext>
+              </a:extLst>
+            </p:cNvPr>
+            <p:cNvCxnSpPr>
+              <a:cxnSpLocks/>
+            </p:cNvCxnSpPr>
+            <p:nvPr/>
+          </p:nvCxnSpPr>
+          <p:spPr>
+            <a:xfrm>
+              <a:off x="2980226" y="7959659"/>
+              <a:ext cx="0" cy="682508"/>
+            </a:xfrm>
+            <a:prstGeom prst="line">
+              <a:avLst/>
+            </a:prstGeom>
+            <a:ln w="57150">
+              <a:solidFill>
+                <a:schemeClr val="tx1"/>
+              </a:solidFill>
+            </a:ln>
+          </p:spPr>
+          <p:style>
+            <a:lnRef idx="1">
+              <a:schemeClr val="accent1"/>
+            </a:lnRef>
+            <a:fillRef idx="0">
+              <a:schemeClr val="accent1"/>
+            </a:fillRef>
+            <a:effectRef idx="0">
+              <a:schemeClr val="accent1"/>
+            </a:effectRef>
+            <a:fontRef idx="minor">
+              <a:schemeClr val="tx1"/>
+            </a:fontRef>
+          </p:style>
+        </p:cxnSp>
+        <p:sp>
+          <p:nvSpPr>
+            <p:cNvPr id="66" name="Rectangle 65">
+              <a:extLst>
+                <a:ext uri="{FF2B5EF4-FFF2-40B4-BE49-F238E27FC236}">
+                  <a16:creationId xmlns:a16="http://schemas.microsoft.com/office/drawing/2014/main" id="{05BDBE40-86D8-4279-82A9-A58CAB6FFAB5}"/>
+                </a:ext>
+              </a:extLst>
+            </p:cNvPr>
+            <p:cNvSpPr/>
+            <p:nvPr/>
+          </p:nvSpPr>
+          <p:spPr>
+            <a:xfrm>
+              <a:off x="3723228" y="7468329"/>
+              <a:ext cx="1999427" cy="301046"/>
+            </a:xfrm>
+            <a:prstGeom prst="rect">
+              <a:avLst/>
+            </a:prstGeom>
+            <a:solidFill>
+              <a:srgbClr val="DAEFC3"/>
+            </a:solidFill>
+            <a:ln>
+              <a:noFill/>
+            </a:ln>
+          </p:spPr>
+          <p:style>
+            <a:lnRef idx="2">
+              <a:schemeClr val="accent1">
+                <a:shade val="50000"/>
+              </a:schemeClr>
+            </a:lnRef>
+            <a:fillRef idx="1">
+              <a:schemeClr val="accent1"/>
+            </a:fillRef>
+            <a:effectRef idx="0">
+              <a:schemeClr val="accent1"/>
+            </a:effectRef>
+            <a:fontRef idx="minor">
+              <a:schemeClr val="lt1"/>
+            </a:fontRef>
+          </p:style>
+          <p:txBody>
+            <a:bodyPr rtlCol="0" anchor="ctr"/>
+            <a:lstStyle/>
+            <a:p>
+              <a:pPr algn="ctr"/>
+              <a:r>
+                <a:rPr lang="en-CA" dirty="0">
+                  <a:solidFill>
+                    <a:schemeClr val="tx1"/>
+                  </a:solidFill>
+                </a:rPr>
+                <a:t>Legislative Branch</a:t>
+              </a:r>
+            </a:p>
+          </p:txBody>
+        </p:sp>
+      </p:grpSp>
+      <p:grpSp>
+        <p:nvGrpSpPr>
+          <p:cNvPr id="12" name="Group 11">
+            <a:extLst>
+              <a:ext uri="{FF2B5EF4-FFF2-40B4-BE49-F238E27FC236}">
+                <a16:creationId xmlns:a16="http://schemas.microsoft.com/office/drawing/2014/main" id="{D9C57122-2EFC-4EB6-B1D2-86ECE6EF105B}"/>
+              </a:ext>
+            </a:extLst>
+          </p:cNvPr>
+          <p:cNvGrpSpPr/>
+          <p:nvPr/>
+        </p:nvGrpSpPr>
+        <p:grpSpPr>
+          <a:xfrm>
+            <a:off x="1891005" y="8188136"/>
+            <a:ext cx="2659224" cy="908060"/>
+            <a:chOff x="2989943" y="595086"/>
+            <a:chExt cx="4579257" cy="1015998"/>
+          </a:xfrm>
+        </p:grpSpPr>
+        <p:sp>
+          <p:nvSpPr>
+            <p:cNvPr id="13" name="Rectangle 12">
+              <a:extLst>
+                <a:ext uri="{FF2B5EF4-FFF2-40B4-BE49-F238E27FC236}">
+                  <a16:creationId xmlns:a16="http://schemas.microsoft.com/office/drawing/2014/main" id="{5919F35E-CFAA-40DB-880B-C89A0A7B7D09}"/>
+                </a:ext>
+              </a:extLst>
+            </p:cNvPr>
+            <p:cNvSpPr/>
+            <p:nvPr/>
+          </p:nvSpPr>
+          <p:spPr>
+            <a:xfrm>
+              <a:off x="2989943" y="595086"/>
+              <a:ext cx="4579257" cy="508000"/>
+            </a:xfrm>
+            <a:prstGeom prst="rect">
+              <a:avLst/>
+            </a:prstGeom>
+            <a:solidFill>
+              <a:srgbClr val="006C31"/>
+            </a:solidFill>
+            <a:ln>
+              <a:noFill/>
+            </a:ln>
+          </p:spPr>
+          <p:style>
+            <a:lnRef idx="2">
+              <a:schemeClr val="accent1">
+                <a:shade val="50000"/>
+              </a:schemeClr>
+            </a:lnRef>
+            <a:fillRef idx="1">
+              <a:schemeClr val="accent1"/>
+            </a:fillRef>
+            <a:effectRef idx="0">
+              <a:schemeClr val="accent1"/>
+            </a:effectRef>
+            <a:fontRef idx="minor">
+              <a:schemeClr val="lt1"/>
+            </a:fontRef>
+          </p:style>
+          <p:txBody>
+            <a:bodyPr rtlCol="0" anchor="ctr"/>
+            <a:lstStyle/>
+            <a:p>
+              <a:pPr algn="ctr"/>
+              <a:r>
+                <a:rPr lang="en-CA" b="1" dirty="0"/>
+                <a:t>House of Commons (L.A.)</a:t>
+              </a:r>
+            </a:p>
+          </p:txBody>
+        </p:sp>
+        <p:sp>
+          <p:nvSpPr>
+            <p:cNvPr id="14" name="Rectangle 13">
+              <a:extLst>
+                <a:ext uri="{FF2B5EF4-FFF2-40B4-BE49-F238E27FC236}">
+                  <a16:creationId xmlns:a16="http://schemas.microsoft.com/office/drawing/2014/main" id="{B30457A7-2935-492E-AF70-F25B5E11DF23}"/>
+                </a:ext>
+              </a:extLst>
+            </p:cNvPr>
+            <p:cNvSpPr/>
+            <p:nvPr/>
+          </p:nvSpPr>
+          <p:spPr>
+            <a:xfrm>
+              <a:off x="2989943" y="1103086"/>
+              <a:ext cx="4579257" cy="507998"/>
+            </a:xfrm>
+            <a:prstGeom prst="rect">
+              <a:avLst/>
+            </a:prstGeom>
+            <a:solidFill>
+              <a:srgbClr val="A7D971"/>
+            </a:solidFill>
+            <a:ln>
+              <a:noFill/>
+            </a:ln>
+          </p:spPr>
+          <p:style>
+            <a:lnRef idx="2">
+              <a:schemeClr val="accent1">
+                <a:shade val="50000"/>
+              </a:schemeClr>
+            </a:lnRef>
+            <a:fillRef idx="1">
+              <a:schemeClr val="accent1"/>
+            </a:fillRef>
+            <a:effectRef idx="0">
+              <a:schemeClr val="accent1"/>
+            </a:effectRef>
+            <a:fontRef idx="minor">
+              <a:schemeClr val="lt1"/>
+            </a:fontRef>
+          </p:style>
+          <p:txBody>
+            <a:bodyPr rtlCol="0" anchor="ctr"/>
+            <a:lstStyle/>
+            <a:p>
+              <a:pPr algn="ctr"/>
+              <a:r>
+                <a:rPr lang="en-CA" dirty="0"/>
+                <a:t>Propose and vote on bills</a:t>
+              </a:r>
+            </a:p>
+          </p:txBody>
+        </p:sp>
+      </p:grpSp>
+      <p:grpSp>
+        <p:nvGrpSpPr>
+          <p:cNvPr id="15" name="Group 14">
+            <a:extLst>
+              <a:ext uri="{FF2B5EF4-FFF2-40B4-BE49-F238E27FC236}">
+                <a16:creationId xmlns:a16="http://schemas.microsoft.com/office/drawing/2014/main" id="{890D1DCB-D6B4-41C5-BB83-7B3A12D1F0EC}"/>
+              </a:ext>
+            </a:extLst>
+          </p:cNvPr>
+          <p:cNvGrpSpPr/>
+          <p:nvPr/>
+        </p:nvGrpSpPr>
+        <p:grpSpPr>
+          <a:xfrm>
+            <a:off x="8032881" y="8188136"/>
+            <a:ext cx="2861459" cy="908062"/>
+            <a:chOff x="2989943" y="595086"/>
+            <a:chExt cx="4579257" cy="1016000"/>
+          </a:xfrm>
+        </p:grpSpPr>
+        <p:sp>
+          <p:nvSpPr>
+            <p:cNvPr id="16" name="Rectangle 15">
+              <a:extLst>
+                <a:ext uri="{FF2B5EF4-FFF2-40B4-BE49-F238E27FC236}">
+                  <a16:creationId xmlns:a16="http://schemas.microsoft.com/office/drawing/2014/main" id="{F039646A-B1F4-4A5F-AF33-64CEC65353E0}"/>
+                </a:ext>
+              </a:extLst>
+            </p:cNvPr>
+            <p:cNvSpPr/>
+            <p:nvPr/>
+          </p:nvSpPr>
+          <p:spPr>
+            <a:xfrm>
+              <a:off x="2989943" y="595086"/>
+              <a:ext cx="4579257" cy="508000"/>
+            </a:xfrm>
+            <a:prstGeom prst="rect">
+              <a:avLst/>
+            </a:prstGeom>
+            <a:solidFill>
+              <a:srgbClr val="006C31"/>
+            </a:solidFill>
+            <a:ln>
+              <a:noFill/>
+            </a:ln>
+          </p:spPr>
+          <p:style>
+            <a:lnRef idx="2">
+              <a:schemeClr val="accent1">
+                <a:shade val="50000"/>
+              </a:schemeClr>
+            </a:lnRef>
+            <a:fillRef idx="1">
+              <a:schemeClr val="accent1"/>
+            </a:fillRef>
+            <a:effectRef idx="0">
+              <a:schemeClr val="accent1"/>
+            </a:effectRef>
+            <a:fontRef idx="minor">
+              <a:schemeClr val="lt1"/>
+            </a:fontRef>
+          </p:style>
+          <p:txBody>
+            <a:bodyPr rtlCol="0" anchor="ctr"/>
+            <a:lstStyle/>
+            <a:p>
+              <a:pPr algn="ctr"/>
+              <a:r>
+                <a:rPr lang="en-CA" b="1" dirty="0"/>
+                <a:t>P.M. and Cabinet</a:t>
+              </a:r>
+            </a:p>
+          </p:txBody>
+        </p:sp>
+        <p:sp>
+          <p:nvSpPr>
+            <p:cNvPr id="17" name="Rectangle 16">
+              <a:extLst>
+                <a:ext uri="{FF2B5EF4-FFF2-40B4-BE49-F238E27FC236}">
+                  <a16:creationId xmlns:a16="http://schemas.microsoft.com/office/drawing/2014/main" id="{6B547972-40A1-41BF-B0CE-1E3810353930}"/>
+                </a:ext>
+              </a:extLst>
+            </p:cNvPr>
+            <p:cNvSpPr/>
+            <p:nvPr/>
+          </p:nvSpPr>
+          <p:spPr>
+            <a:xfrm>
+              <a:off x="2989943" y="1103086"/>
+              <a:ext cx="4579257" cy="508000"/>
+            </a:xfrm>
+            <a:prstGeom prst="rect">
+              <a:avLst/>
+            </a:prstGeom>
+            <a:solidFill>
+              <a:srgbClr val="A7D971"/>
+            </a:solidFill>
+            <a:ln>
+              <a:noFill/>
+            </a:ln>
+          </p:spPr>
+          <p:style>
+            <a:lnRef idx="2">
+              <a:schemeClr val="accent1">
+                <a:shade val="50000"/>
+              </a:schemeClr>
+            </a:lnRef>
+            <a:fillRef idx="1">
+              <a:schemeClr val="accent1"/>
+            </a:fillRef>
+            <a:effectRef idx="0">
+              <a:schemeClr val="accent1"/>
+            </a:effectRef>
+            <a:fontRef idx="minor">
+              <a:schemeClr val="lt1"/>
+            </a:fontRef>
+          </p:style>
+          <p:txBody>
+            <a:bodyPr rtlCol="0" anchor="ctr"/>
+            <a:lstStyle/>
+            <a:p>
+              <a:pPr algn="ctr"/>
+              <a:r>
+                <a:rPr lang="en-CA" dirty="0"/>
+                <a:t>Implement laws</a:t>
+              </a:r>
+            </a:p>
+          </p:txBody>
+        </p:sp>
+      </p:grpSp>
+      <p:cxnSp>
+        <p:nvCxnSpPr>
+          <p:cNvPr id="19" name="Straight Connector 18">
+            <a:extLst>
+              <a:ext uri="{FF2B5EF4-FFF2-40B4-BE49-F238E27FC236}">
+                <a16:creationId xmlns:a16="http://schemas.microsoft.com/office/drawing/2014/main" id="{922636F7-1852-4688-BCCF-D6590A50557E}"/>
+              </a:ext>
+            </a:extLst>
+          </p:cNvPr>
+          <p:cNvCxnSpPr>
+            <a:cxnSpLocks/>
+            <a:endCxn id="40" idx="0"/>
+          </p:cNvCxnSpPr>
+          <p:nvPr/>
+        </p:nvCxnSpPr>
+        <p:spPr>
+          <a:xfrm>
+            <a:off x="6366182" y="5496154"/>
+            <a:ext cx="0" cy="675033"/>
+          </a:xfrm>
+          <a:prstGeom prst="line">
+            <a:avLst/>
+          </a:prstGeom>
+          <a:ln w="57150">
+            <a:solidFill>
+              <a:schemeClr val="tx1"/>
+            </a:solidFill>
+          </a:ln>
+        </p:spPr>
+        <p:style>
+          <a:lnRef idx="1">
+            <a:schemeClr val="accent1"/>
+          </a:lnRef>
+          <a:fillRef idx="0">
+            <a:schemeClr val="accent1"/>
+          </a:fillRef>
+          <a:effectRef idx="0">
+            <a:schemeClr val="accent1"/>
+          </a:effectRef>
+          <a:fontRef idx="minor">
+            <a:schemeClr val="tx1"/>
+          </a:fontRef>
+        </p:style>
+      </p:cxnSp>
+      <p:sp>
+        <p:nvSpPr>
+          <p:cNvPr id="36" name="Rectangle 35">
+            <a:extLst>
+              <a:ext uri="{FF2B5EF4-FFF2-40B4-BE49-F238E27FC236}">
+                <a16:creationId xmlns:a16="http://schemas.microsoft.com/office/drawing/2014/main" id="{4E306598-46E8-4EDE-B0E9-5B9DDA8CAEC4}"/>
+              </a:ext>
+            </a:extLst>
+          </p:cNvPr>
+          <p:cNvSpPr/>
+          <p:nvPr/>
+        </p:nvSpPr>
+        <p:spPr>
+          <a:xfrm>
+            <a:off x="1891006" y="9721022"/>
+            <a:ext cx="1779720" cy="454031"/>
+          </a:xfrm>
+          <a:prstGeom prst="rect">
+            <a:avLst/>
+          </a:prstGeom>
+          <a:solidFill>
+            <a:srgbClr val="006C31"/>
+          </a:solidFill>
+          <a:ln>
+            <a:noFill/>
+          </a:ln>
+        </p:spPr>
+        <p:style>
+          <a:lnRef idx="2">
+            <a:schemeClr val="accent1">
+              <a:shade val="50000"/>
+            </a:schemeClr>
+          </a:lnRef>
+          <a:fillRef idx="1">
+            <a:schemeClr val="accent1"/>
+          </a:fillRef>
+          <a:effectRef idx="0">
+            <a:schemeClr val="accent1"/>
+          </a:effectRef>
+          <a:fontRef idx="minor">
+            <a:schemeClr val="lt1"/>
+          </a:fontRef>
+        </p:style>
+        <p:txBody>
+          <a:bodyPr rtlCol="0" anchor="ctr"/>
+          <a:lstStyle/>
+          <a:p>
+            <a:pPr algn="ctr"/>
+            <a:r>
+              <a:rPr lang="en-CA" b="1" dirty="0"/>
+              <a:t>Electorate</a:t>
+            </a:r>
+          </a:p>
+        </p:txBody>
+      </p:sp>
+      <p:sp>
+        <p:nvSpPr>
+          <p:cNvPr id="44" name="Rectangle 43">
+            <a:extLst>
+              <a:ext uri="{FF2B5EF4-FFF2-40B4-BE49-F238E27FC236}">
+                <a16:creationId xmlns:a16="http://schemas.microsoft.com/office/drawing/2014/main" id="{268594F8-38A2-44E4-AEF3-D4C01A1426D0}"/>
+              </a:ext>
+            </a:extLst>
+          </p:cNvPr>
+          <p:cNvSpPr/>
+          <p:nvPr/>
+        </p:nvSpPr>
+        <p:spPr>
+          <a:xfrm rot="16200000">
+            <a:off x="595867" y="4794132"/>
+            <a:ext cx="1797379" cy="454031"/>
+          </a:xfrm>
+          <a:prstGeom prst="rect">
+            <a:avLst/>
+          </a:prstGeom>
+          <a:solidFill>
+            <a:srgbClr val="C00000"/>
+          </a:solidFill>
+          <a:ln>
+            <a:noFill/>
+          </a:ln>
+        </p:spPr>
+        <p:style>
+          <a:lnRef idx="2">
+            <a:schemeClr val="accent1">
+              <a:shade val="50000"/>
+            </a:schemeClr>
+          </a:lnRef>
+          <a:fillRef idx="1">
+            <a:schemeClr val="accent1"/>
+          </a:fillRef>
+          <a:effectRef idx="0">
+            <a:schemeClr val="accent1"/>
+          </a:effectRef>
+          <a:fontRef idx="minor">
+            <a:schemeClr val="lt1"/>
+          </a:fontRef>
+        </p:style>
+        <p:txBody>
+          <a:bodyPr rtlCol="0" anchor="ctr"/>
+          <a:lstStyle/>
+          <a:p>
+            <a:pPr algn="ctr"/>
+            <a:r>
+              <a:rPr lang="en-CA" b="1" dirty="0"/>
+              <a:t>United Kingdom</a:t>
+            </a:r>
+          </a:p>
+        </p:txBody>
+      </p:sp>
+      <p:grpSp>
+        <p:nvGrpSpPr>
+          <p:cNvPr id="56" name="Group 55">
+            <a:extLst>
+              <a:ext uri="{FF2B5EF4-FFF2-40B4-BE49-F238E27FC236}">
+                <a16:creationId xmlns:a16="http://schemas.microsoft.com/office/drawing/2014/main" id="{96D1396B-C417-4794-B357-A8B3D150432A}"/>
+              </a:ext>
+            </a:extLst>
+          </p:cNvPr>
+          <p:cNvGrpSpPr/>
+          <p:nvPr/>
+        </p:nvGrpSpPr>
+        <p:grpSpPr>
+          <a:xfrm>
+            <a:off x="1848818" y="4340629"/>
+            <a:ext cx="2920062" cy="1466573"/>
+            <a:chOff x="10079864" y="1601272"/>
+            <a:chExt cx="2774857" cy="1466573"/>
+          </a:xfrm>
+        </p:grpSpPr>
+        <p:sp>
+          <p:nvSpPr>
+            <p:cNvPr id="46" name="Rectangle 45">
+              <a:extLst>
+                <a:ext uri="{FF2B5EF4-FFF2-40B4-BE49-F238E27FC236}">
+                  <a16:creationId xmlns:a16="http://schemas.microsoft.com/office/drawing/2014/main" id="{5A27A990-2DC9-4CB4-B758-12E07519A1E8}"/>
+                </a:ext>
+              </a:extLst>
+            </p:cNvPr>
+            <p:cNvSpPr/>
+            <p:nvPr/>
+          </p:nvSpPr>
+          <p:spPr>
+            <a:xfrm>
+              <a:off x="10079864" y="2060138"/>
+              <a:ext cx="2688827" cy="962104"/>
+            </a:xfrm>
+            <a:prstGeom prst="rect">
+              <a:avLst/>
+            </a:prstGeom>
+            <a:solidFill>
+              <a:srgbClr val="FFFF9F"/>
+            </a:solidFill>
+            <a:ln>
+              <a:noFill/>
+            </a:ln>
+          </p:spPr>
+          <p:style>
+            <a:lnRef idx="2">
+              <a:schemeClr val="accent1">
+                <a:shade val="50000"/>
+              </a:schemeClr>
+            </a:lnRef>
+            <a:fillRef idx="1">
+              <a:schemeClr val="accent1"/>
+            </a:fillRef>
+            <a:effectRef idx="0">
+              <a:schemeClr val="accent1"/>
+            </a:effectRef>
+            <a:fontRef idx="minor">
+              <a:schemeClr val="lt1"/>
+            </a:fontRef>
+          </p:style>
+          <p:txBody>
+            <a:bodyPr rtlCol="0" anchor="ctr"/>
+            <a:lstStyle/>
+            <a:p>
+              <a:pPr algn="ctr"/>
+              <a:endParaRPr lang="en-CA" dirty="0"/>
+            </a:p>
+          </p:txBody>
+        </p:sp>
+        <p:sp>
+          <p:nvSpPr>
+            <p:cNvPr id="48" name="Rectangle 47">
+              <a:extLst>
+                <a:ext uri="{FF2B5EF4-FFF2-40B4-BE49-F238E27FC236}">
+                  <a16:creationId xmlns:a16="http://schemas.microsoft.com/office/drawing/2014/main" id="{92B65F83-D68F-408C-A861-3A50648BECE4}"/>
+                </a:ext>
+              </a:extLst>
+            </p:cNvPr>
+            <p:cNvSpPr/>
+            <p:nvPr/>
+          </p:nvSpPr>
+          <p:spPr>
+            <a:xfrm>
+              <a:off x="10079865" y="1601272"/>
+              <a:ext cx="2688826" cy="458865"/>
+            </a:xfrm>
+            <a:prstGeom prst="rect">
+              <a:avLst/>
+            </a:prstGeom>
+            <a:solidFill>
+              <a:srgbClr val="FFFF00"/>
+            </a:solidFill>
+            <a:ln>
+              <a:noFill/>
+            </a:ln>
+          </p:spPr>
+          <p:style>
+            <a:lnRef idx="2">
+              <a:schemeClr val="accent1">
+                <a:shade val="50000"/>
+              </a:schemeClr>
+            </a:lnRef>
+            <a:fillRef idx="1">
+              <a:schemeClr val="accent1"/>
+            </a:fillRef>
+            <a:effectRef idx="0">
+              <a:schemeClr val="accent1"/>
+            </a:effectRef>
+            <a:fontRef idx="minor">
+              <a:schemeClr val="lt1"/>
+            </a:fontRef>
+          </p:style>
+          <p:txBody>
+            <a:bodyPr rtlCol="0" anchor="ctr"/>
+            <a:lstStyle/>
+            <a:p>
+              <a:pPr algn="ctr"/>
+              <a:r>
+                <a:rPr lang="en-CA" b="1" dirty="0">
+                  <a:solidFill>
+                    <a:schemeClr val="tx1"/>
+                  </a:solidFill>
+                </a:rPr>
+                <a:t>Legend</a:t>
+              </a:r>
+            </a:p>
+          </p:txBody>
+        </p:sp>
+        <p:cxnSp>
+          <p:nvCxnSpPr>
+            <p:cNvPr id="50" name="Straight Connector 49">
+              <a:extLst>
+                <a:ext uri="{FF2B5EF4-FFF2-40B4-BE49-F238E27FC236}">
+                  <a16:creationId xmlns:a16="http://schemas.microsoft.com/office/drawing/2014/main" id="{E72E17E0-894A-4233-81F8-FD8C8043D0B7}"/>
+                </a:ext>
+              </a:extLst>
+            </p:cNvPr>
+            <p:cNvCxnSpPr>
+              <a:cxnSpLocks/>
+            </p:cNvCxnSpPr>
+            <p:nvPr/>
+          </p:nvCxnSpPr>
+          <p:spPr>
+            <a:xfrm>
+              <a:off x="10247290" y="2283327"/>
+              <a:ext cx="412124" cy="0"/>
+            </a:xfrm>
+            <a:prstGeom prst="line">
+              <a:avLst/>
+            </a:prstGeom>
+            <a:ln w="57150">
+              <a:solidFill>
+                <a:schemeClr val="tx1"/>
+              </a:solidFill>
+            </a:ln>
+          </p:spPr>
+          <p:style>
+            <a:lnRef idx="1">
+              <a:schemeClr val="accent1"/>
+            </a:lnRef>
+            <a:fillRef idx="0">
+              <a:schemeClr val="accent1"/>
+            </a:fillRef>
+            <a:effectRef idx="0">
+              <a:schemeClr val="accent1"/>
+            </a:effectRef>
+            <a:fontRef idx="minor">
+              <a:schemeClr val="tx1"/>
+            </a:fontRef>
+          </p:style>
+        </p:cxnSp>
+        <p:sp>
+          <p:nvSpPr>
+            <p:cNvPr id="53" name="TextBox 52">
+              <a:extLst>
+                <a:ext uri="{FF2B5EF4-FFF2-40B4-BE49-F238E27FC236}">
+                  <a16:creationId xmlns:a16="http://schemas.microsoft.com/office/drawing/2014/main" id="{26A7566D-AD88-4E03-AB16-FFAE0F1D0608}"/>
+                </a:ext>
+              </a:extLst>
+            </p:cNvPr>
+            <p:cNvSpPr txBox="1"/>
+            <p:nvPr/>
+          </p:nvSpPr>
+          <p:spPr>
+            <a:xfrm>
+              <a:off x="10710929" y="2098661"/>
+              <a:ext cx="2143792" cy="369332"/>
+            </a:xfrm>
+            <a:prstGeom prst="rect">
+              <a:avLst/>
+            </a:prstGeom>
+            <a:noFill/>
+          </p:spPr>
+          <p:txBody>
+            <a:bodyPr wrap="none" rtlCol="0">
+              <a:spAutoFit/>
+            </a:bodyPr>
+            <a:lstStyle/>
+            <a:p>
+              <a:r>
+                <a:rPr lang="en-CA" dirty="0"/>
+                <a:t>Relation of Authority</a:t>
+              </a:r>
+            </a:p>
+          </p:txBody>
+        </p:sp>
+        <p:cxnSp>
+          <p:nvCxnSpPr>
+            <p:cNvPr id="54" name="Straight Connector 53">
+              <a:extLst>
+                <a:ext uri="{FF2B5EF4-FFF2-40B4-BE49-F238E27FC236}">
+                  <a16:creationId xmlns:a16="http://schemas.microsoft.com/office/drawing/2014/main" id="{1E2F261A-68E0-4E61-BA3D-52D13DF54BE7}"/>
+                </a:ext>
+              </a:extLst>
+            </p:cNvPr>
+            <p:cNvCxnSpPr>
+              <a:cxnSpLocks/>
+            </p:cNvCxnSpPr>
+            <p:nvPr/>
+          </p:nvCxnSpPr>
+          <p:spPr>
+            <a:xfrm>
+              <a:off x="10247290" y="2741474"/>
+              <a:ext cx="412124" cy="0"/>
+            </a:xfrm>
+            <a:prstGeom prst="line">
+              <a:avLst/>
+            </a:prstGeom>
+            <a:ln w="57150">
+              <a:solidFill>
+                <a:schemeClr val="bg2">
+                  <a:lumMod val="90000"/>
+                </a:schemeClr>
+              </a:solidFill>
+            </a:ln>
+          </p:spPr>
+          <p:style>
+            <a:lnRef idx="1">
+              <a:schemeClr val="accent1"/>
+            </a:lnRef>
+            <a:fillRef idx="0">
+              <a:schemeClr val="accent1"/>
+            </a:fillRef>
+            <a:effectRef idx="0">
+              <a:schemeClr val="accent1"/>
+            </a:effectRef>
+            <a:fontRef idx="minor">
+              <a:schemeClr val="tx1"/>
+            </a:fontRef>
+          </p:style>
+        </p:cxnSp>
+        <p:sp>
+          <p:nvSpPr>
+            <p:cNvPr id="55" name="TextBox 54">
+              <a:extLst>
+                <a:ext uri="{FF2B5EF4-FFF2-40B4-BE49-F238E27FC236}">
+                  <a16:creationId xmlns:a16="http://schemas.microsoft.com/office/drawing/2014/main" id="{F2F607E6-8505-48C2-93EC-50BDB14C14F6}"/>
+                </a:ext>
+              </a:extLst>
+            </p:cNvPr>
+            <p:cNvSpPr txBox="1"/>
+            <p:nvPr/>
+          </p:nvSpPr>
+          <p:spPr>
+            <a:xfrm>
+              <a:off x="10710929" y="2556808"/>
+              <a:ext cx="1008609" cy="511037"/>
+            </a:xfrm>
+            <a:prstGeom prst="rect">
+              <a:avLst/>
+            </a:prstGeom>
+            <a:noFill/>
+          </p:spPr>
+          <p:txBody>
+            <a:bodyPr wrap="none" rtlCol="0">
+              <a:spAutoFit/>
+            </a:bodyPr>
+            <a:lstStyle/>
+            <a:p>
+              <a:r>
+                <a:rPr lang="en-CA" dirty="0"/>
+                <a:t>Elects</a:t>
+              </a:r>
+            </a:p>
+          </p:txBody>
+        </p:sp>
+      </p:grpSp>
+      <p:grpSp>
+        <p:nvGrpSpPr>
+          <p:cNvPr id="39" name="Group 38">
+            <a:extLst>
+              <a:ext uri="{FF2B5EF4-FFF2-40B4-BE49-F238E27FC236}">
+                <a16:creationId xmlns:a16="http://schemas.microsoft.com/office/drawing/2014/main" id="{64689597-8E9C-4A79-A99D-17E75DFD7615}"/>
+              </a:ext>
+            </a:extLst>
+          </p:cNvPr>
+          <p:cNvGrpSpPr/>
+          <p:nvPr/>
+        </p:nvGrpSpPr>
+        <p:grpSpPr>
+          <a:xfrm>
+            <a:off x="4935452" y="6171187"/>
+            <a:ext cx="2861459" cy="908062"/>
+            <a:chOff x="2989943" y="595086"/>
+            <a:chExt cx="4579257" cy="1016000"/>
+          </a:xfrm>
+        </p:grpSpPr>
+        <p:sp>
+          <p:nvSpPr>
+            <p:cNvPr id="40" name="Rectangle 39">
+              <a:extLst>
+                <a:ext uri="{FF2B5EF4-FFF2-40B4-BE49-F238E27FC236}">
+                  <a16:creationId xmlns:a16="http://schemas.microsoft.com/office/drawing/2014/main" id="{35058813-3B71-4296-A390-F1200CDED92D}"/>
+                </a:ext>
+              </a:extLst>
+            </p:cNvPr>
+            <p:cNvSpPr/>
+            <p:nvPr/>
+          </p:nvSpPr>
+          <p:spPr>
+            <a:xfrm>
+              <a:off x="2989943" y="595086"/>
+              <a:ext cx="4579257" cy="508000"/>
+            </a:xfrm>
+            <a:prstGeom prst="rect">
+              <a:avLst/>
+            </a:prstGeom>
+            <a:solidFill>
+              <a:srgbClr val="C00000"/>
+            </a:solidFill>
+            <a:ln>
+              <a:noFill/>
+            </a:ln>
+          </p:spPr>
+          <p:style>
+            <a:lnRef idx="2">
+              <a:schemeClr val="accent1">
+                <a:shade val="50000"/>
+              </a:schemeClr>
+            </a:lnRef>
+            <a:fillRef idx="1">
+              <a:schemeClr val="accent1"/>
+            </a:fillRef>
+            <a:effectRef idx="0">
+              <a:schemeClr val="accent1"/>
+            </a:effectRef>
+            <a:fontRef idx="minor">
+              <a:schemeClr val="lt1"/>
+            </a:fontRef>
+          </p:style>
+          <p:txBody>
+            <a:bodyPr rtlCol="0" anchor="ctr"/>
+            <a:lstStyle/>
+            <a:p>
+              <a:pPr algn="ctr"/>
+              <a:r>
+                <a:rPr lang="en-CA" b="1" dirty="0"/>
+                <a:t>Governor General</a:t>
+              </a:r>
+            </a:p>
+          </p:txBody>
+        </p:sp>
+        <p:sp>
+          <p:nvSpPr>
+            <p:cNvPr id="45" name="Rectangle 44">
+              <a:extLst>
+                <a:ext uri="{FF2B5EF4-FFF2-40B4-BE49-F238E27FC236}">
+                  <a16:creationId xmlns:a16="http://schemas.microsoft.com/office/drawing/2014/main" id="{F90E75A6-F4CE-4F71-A6F4-4CB9D026E90F}"/>
+                </a:ext>
+              </a:extLst>
+            </p:cNvPr>
+            <p:cNvSpPr/>
+            <p:nvPr/>
+          </p:nvSpPr>
+          <p:spPr>
+            <a:xfrm>
+              <a:off x="2989943" y="1103086"/>
+              <a:ext cx="4579257" cy="508000"/>
+            </a:xfrm>
+            <a:prstGeom prst="rect">
+              <a:avLst/>
+            </a:prstGeom>
+            <a:solidFill>
+              <a:srgbClr val="FF8585"/>
+            </a:solidFill>
+            <a:ln>
+              <a:noFill/>
+            </a:ln>
+          </p:spPr>
+          <p:style>
+            <a:lnRef idx="2">
+              <a:schemeClr val="accent1">
+                <a:shade val="50000"/>
+              </a:schemeClr>
+            </a:lnRef>
+            <a:fillRef idx="1">
+              <a:schemeClr val="accent1"/>
+            </a:fillRef>
+            <a:effectRef idx="0">
+              <a:schemeClr val="accent1"/>
+            </a:effectRef>
+            <a:fontRef idx="minor">
+              <a:schemeClr val="lt1"/>
+            </a:fontRef>
+          </p:style>
+          <p:txBody>
+            <a:bodyPr rtlCol="0" anchor="ctr"/>
+            <a:lstStyle/>
+            <a:p>
+              <a:pPr algn="ctr"/>
+              <a:r>
+                <a:rPr lang="en-CA" dirty="0"/>
+                <a:t>Approves laws</a:t>
+              </a:r>
+            </a:p>
+          </p:txBody>
+        </p:sp>
+      </p:grpSp>
+      <p:grpSp>
+        <p:nvGrpSpPr>
+          <p:cNvPr id="47" name="Group 46">
+            <a:extLst>
+              <a:ext uri="{FF2B5EF4-FFF2-40B4-BE49-F238E27FC236}">
+                <a16:creationId xmlns:a16="http://schemas.microsoft.com/office/drawing/2014/main" id="{E1E23967-FBC4-4758-8510-7B8A82D0758D}"/>
+              </a:ext>
+            </a:extLst>
+          </p:cNvPr>
+          <p:cNvGrpSpPr/>
+          <p:nvPr/>
+        </p:nvGrpSpPr>
+        <p:grpSpPr>
+          <a:xfrm>
+            <a:off x="4935452" y="8188136"/>
+            <a:ext cx="2659224" cy="1135479"/>
+            <a:chOff x="2989943" y="595086"/>
+            <a:chExt cx="4579257" cy="1270449"/>
+          </a:xfrm>
+        </p:grpSpPr>
+        <p:sp>
+          <p:nvSpPr>
+            <p:cNvPr id="49" name="Rectangle 48">
+              <a:extLst>
+                <a:ext uri="{FF2B5EF4-FFF2-40B4-BE49-F238E27FC236}">
+                  <a16:creationId xmlns:a16="http://schemas.microsoft.com/office/drawing/2014/main" id="{840DE9CA-A689-47E4-A761-C4F136F18B90}"/>
+                </a:ext>
+              </a:extLst>
+            </p:cNvPr>
+            <p:cNvSpPr/>
+            <p:nvPr/>
+          </p:nvSpPr>
+          <p:spPr>
+            <a:xfrm>
+              <a:off x="2989943" y="595086"/>
+              <a:ext cx="4579257" cy="508000"/>
+            </a:xfrm>
+            <a:prstGeom prst="rect">
+              <a:avLst/>
+            </a:prstGeom>
+            <a:solidFill>
+              <a:srgbClr val="006C31"/>
+            </a:solidFill>
+            <a:ln>
+              <a:noFill/>
+            </a:ln>
+          </p:spPr>
+          <p:style>
+            <a:lnRef idx="2">
+              <a:schemeClr val="accent1">
+                <a:shade val="50000"/>
+              </a:schemeClr>
+            </a:lnRef>
+            <a:fillRef idx="1">
+              <a:schemeClr val="accent1"/>
+            </a:fillRef>
+            <a:effectRef idx="0">
+              <a:schemeClr val="accent1"/>
+            </a:effectRef>
+            <a:fontRef idx="minor">
+              <a:schemeClr val="lt1"/>
+            </a:fontRef>
+          </p:style>
+          <p:txBody>
+            <a:bodyPr rtlCol="0" anchor="ctr"/>
+            <a:lstStyle/>
+            <a:p>
+              <a:pPr algn="ctr"/>
+              <a:r>
+                <a:rPr lang="en-CA" b="1" dirty="0"/>
+                <a:t>Senate (L.C.)</a:t>
+              </a:r>
+            </a:p>
+          </p:txBody>
+        </p:sp>
+        <p:sp>
+          <p:nvSpPr>
+            <p:cNvPr id="51" name="Rectangle 50">
+              <a:extLst>
+                <a:ext uri="{FF2B5EF4-FFF2-40B4-BE49-F238E27FC236}">
+                  <a16:creationId xmlns:a16="http://schemas.microsoft.com/office/drawing/2014/main" id="{29A9292C-33F0-48F7-8364-0F7E82EBA7A2}"/>
+                </a:ext>
+              </a:extLst>
+            </p:cNvPr>
+            <p:cNvSpPr/>
+            <p:nvPr/>
+          </p:nvSpPr>
+          <p:spPr>
+            <a:xfrm>
+              <a:off x="2989943" y="1103086"/>
+              <a:ext cx="4579257" cy="762449"/>
+            </a:xfrm>
+            <a:prstGeom prst="rect">
+              <a:avLst/>
+            </a:prstGeom>
+            <a:solidFill>
+              <a:srgbClr val="A7D971"/>
+            </a:solidFill>
+            <a:ln>
+              <a:noFill/>
+            </a:ln>
+          </p:spPr>
+          <p:style>
+            <a:lnRef idx="2">
+              <a:schemeClr val="accent1">
+                <a:shade val="50000"/>
+              </a:schemeClr>
+            </a:lnRef>
+            <a:fillRef idx="1">
+              <a:schemeClr val="accent1"/>
+            </a:fillRef>
+            <a:effectRef idx="0">
+              <a:schemeClr val="accent1"/>
+            </a:effectRef>
+            <a:fontRef idx="minor">
+              <a:schemeClr val="lt1"/>
+            </a:fontRef>
+          </p:style>
+          <p:txBody>
+            <a:bodyPr rtlCol="0" anchor="ctr"/>
+            <a:lstStyle/>
+            <a:p>
+              <a:pPr algn="ctr"/>
+              <a:r>
+                <a:rPr lang="en-CA" dirty="0"/>
+                <a:t>Propose, study and vote on bills</a:t>
+              </a:r>
+            </a:p>
+          </p:txBody>
+        </p:sp>
+      </p:grpSp>
+      <p:sp>
+        <p:nvSpPr>
+          <p:cNvPr id="67" name="Rectangle 66">
+            <a:extLst>
+              <a:ext uri="{FF2B5EF4-FFF2-40B4-BE49-F238E27FC236}">
+                <a16:creationId xmlns:a16="http://schemas.microsoft.com/office/drawing/2014/main" id="{85986811-87AB-4EE8-9110-C6974C4F3264}"/>
+              </a:ext>
+            </a:extLst>
+          </p:cNvPr>
+          <p:cNvSpPr/>
+          <p:nvPr/>
+        </p:nvSpPr>
+        <p:spPr>
+          <a:xfrm>
+            <a:off x="8351376" y="7660075"/>
+            <a:ext cx="1999427" cy="301046"/>
+          </a:xfrm>
+          <a:prstGeom prst="rect">
+            <a:avLst/>
+          </a:prstGeom>
+          <a:solidFill>
+            <a:srgbClr val="DAEFC3"/>
+          </a:solidFill>
+          <a:ln>
+            <a:noFill/>
+          </a:ln>
+        </p:spPr>
+        <p:style>
+          <a:lnRef idx="2">
+            <a:schemeClr val="accent1">
+              <a:shade val="50000"/>
+            </a:schemeClr>
+          </a:lnRef>
+          <a:fillRef idx="1">
+            <a:schemeClr val="accent1"/>
+          </a:fillRef>
+          <a:effectRef idx="0">
+            <a:schemeClr val="accent1"/>
+          </a:effectRef>
+          <a:fontRef idx="minor">
+            <a:schemeClr val="lt1"/>
+          </a:fontRef>
+        </p:style>
+        <p:txBody>
+          <a:bodyPr rtlCol="0" anchor="ctr"/>
+          <a:lstStyle/>
+          <a:p>
+            <a:pPr algn="ctr"/>
+            <a:r>
+              <a:rPr lang="en-CA" dirty="0">
+                <a:solidFill>
+                  <a:schemeClr val="tx1"/>
+                </a:solidFill>
+              </a:rPr>
+              <a:t>Executive Branch</a:t>
+            </a:r>
+          </a:p>
+        </p:txBody>
+      </p:sp>
+      <p:grpSp>
+        <p:nvGrpSpPr>
+          <p:cNvPr id="8" name="Group 7">
+            <a:extLst>
+              <a:ext uri="{FF2B5EF4-FFF2-40B4-BE49-F238E27FC236}">
+                <a16:creationId xmlns:a16="http://schemas.microsoft.com/office/drawing/2014/main" id="{959F7CD9-D2F7-41C1-B827-4EE8164D2BC3}"/>
+              </a:ext>
+            </a:extLst>
+          </p:cNvPr>
+          <p:cNvGrpSpPr/>
+          <p:nvPr/>
+        </p:nvGrpSpPr>
+        <p:grpSpPr>
+          <a:xfrm>
+            <a:off x="4935452" y="4612783"/>
+            <a:ext cx="4092765" cy="908062"/>
+            <a:chOff x="2989943" y="595086"/>
+            <a:chExt cx="4579257" cy="1016000"/>
+          </a:xfrm>
+        </p:grpSpPr>
+        <p:sp>
+          <p:nvSpPr>
+            <p:cNvPr id="4" name="Rectangle 3">
+              <a:extLst>
+                <a:ext uri="{FF2B5EF4-FFF2-40B4-BE49-F238E27FC236}">
+                  <a16:creationId xmlns:a16="http://schemas.microsoft.com/office/drawing/2014/main" id="{7547F1CB-8A8C-4ACA-84FC-DC629B1107EF}"/>
+                </a:ext>
+              </a:extLst>
+            </p:cNvPr>
+            <p:cNvSpPr/>
+            <p:nvPr/>
+          </p:nvSpPr>
+          <p:spPr>
+            <a:xfrm>
+              <a:off x="2989943" y="595086"/>
+              <a:ext cx="4579257" cy="508000"/>
+            </a:xfrm>
+            <a:prstGeom prst="rect">
+              <a:avLst/>
+            </a:prstGeom>
+            <a:solidFill>
+              <a:srgbClr val="C00000"/>
+            </a:solidFill>
+            <a:ln>
+              <a:noFill/>
+            </a:ln>
+          </p:spPr>
+          <p:style>
+            <a:lnRef idx="2">
+              <a:schemeClr val="accent1">
+                <a:shade val="50000"/>
+              </a:schemeClr>
+            </a:lnRef>
+            <a:fillRef idx="1">
+              <a:schemeClr val="accent1"/>
+            </a:fillRef>
+            <a:effectRef idx="0">
+              <a:schemeClr val="accent1"/>
+            </a:effectRef>
+            <a:fontRef idx="minor">
+              <a:schemeClr val="lt1"/>
+            </a:fontRef>
+          </p:style>
+          <p:txBody>
+            <a:bodyPr rtlCol="0" anchor="ctr"/>
+            <a:lstStyle/>
+            <a:p>
+              <a:pPr algn="ctr"/>
+              <a:r>
+                <a:rPr lang="en-CA" b="1" dirty="0"/>
+                <a:t>British Government</a:t>
+              </a:r>
+            </a:p>
+          </p:txBody>
+        </p:sp>
+        <p:sp>
+          <p:nvSpPr>
+            <p:cNvPr id="5" name="Rectangle 4">
+              <a:extLst>
+                <a:ext uri="{FF2B5EF4-FFF2-40B4-BE49-F238E27FC236}">
+                  <a16:creationId xmlns:a16="http://schemas.microsoft.com/office/drawing/2014/main" id="{06530BD1-FD3F-4E6E-A7D9-B4B35A96BC54}"/>
+                </a:ext>
+              </a:extLst>
+            </p:cNvPr>
+            <p:cNvSpPr/>
+            <p:nvPr/>
+          </p:nvSpPr>
+          <p:spPr>
+            <a:xfrm>
+              <a:off x="2989943" y="1103086"/>
+              <a:ext cx="4579257" cy="508000"/>
+            </a:xfrm>
+            <a:prstGeom prst="rect">
+              <a:avLst/>
+            </a:prstGeom>
+            <a:solidFill>
+              <a:srgbClr val="FF8585"/>
+            </a:solidFill>
+            <a:ln>
+              <a:noFill/>
+            </a:ln>
+          </p:spPr>
+          <p:style>
+            <a:lnRef idx="2">
+              <a:schemeClr val="accent1">
+                <a:shade val="50000"/>
+              </a:schemeClr>
+            </a:lnRef>
+            <a:fillRef idx="1">
+              <a:schemeClr val="accent1"/>
+            </a:fillRef>
+            <a:effectRef idx="0">
+              <a:schemeClr val="accent1"/>
+            </a:effectRef>
+            <a:fontRef idx="minor">
+              <a:schemeClr val="lt1"/>
+            </a:fontRef>
+          </p:style>
+          <p:txBody>
+            <a:bodyPr rtlCol="0" anchor="ctr"/>
+            <a:lstStyle/>
+            <a:p>
+              <a:pPr algn="ctr"/>
+              <a:r>
+                <a:rPr lang="en-CA" dirty="0"/>
+                <a:t>Sovereign and the Cabinet Ministers</a:t>
+              </a:r>
+            </a:p>
+          </p:txBody>
+        </p:sp>
+      </p:grpSp>
+      <p:cxnSp>
+        <p:nvCxnSpPr>
+          <p:cNvPr id="71" name="Straight Connector 70">
+            <a:extLst>
+              <a:ext uri="{FF2B5EF4-FFF2-40B4-BE49-F238E27FC236}">
+                <a16:creationId xmlns:a16="http://schemas.microsoft.com/office/drawing/2014/main" id="{63D1D15F-3EB0-44A1-A476-C2D1375D267F}"/>
+              </a:ext>
+            </a:extLst>
+          </p:cNvPr>
+          <p:cNvCxnSpPr>
+            <a:cxnSpLocks/>
+          </p:cNvCxnSpPr>
+          <p:nvPr/>
+        </p:nvCxnSpPr>
+        <p:spPr>
+          <a:xfrm>
+            <a:off x="4187030" y="9096196"/>
+            <a:ext cx="0" cy="432815"/>
+          </a:xfrm>
+          <a:prstGeom prst="line">
+            <a:avLst/>
+          </a:prstGeom>
+          <a:ln w="57150">
+            <a:solidFill>
+              <a:schemeClr val="tx1"/>
+            </a:solidFill>
+          </a:ln>
+        </p:spPr>
+        <p:style>
+          <a:lnRef idx="1">
+            <a:schemeClr val="accent1"/>
+          </a:lnRef>
+          <a:fillRef idx="0">
+            <a:schemeClr val="accent1"/>
+          </a:fillRef>
+          <a:effectRef idx="0">
+            <a:schemeClr val="accent1"/>
+          </a:effectRef>
+          <a:fontRef idx="minor">
+            <a:schemeClr val="tx1"/>
+          </a:fontRef>
+        </p:style>
+      </p:cxnSp>
+      <p:cxnSp>
+        <p:nvCxnSpPr>
+          <p:cNvPr id="73" name="Straight Connector 72">
+            <a:extLst>
+              <a:ext uri="{FF2B5EF4-FFF2-40B4-BE49-F238E27FC236}">
+                <a16:creationId xmlns:a16="http://schemas.microsoft.com/office/drawing/2014/main" id="{C6D9DB86-181F-4FFD-BACD-D3A3A763CEFC}"/>
+              </a:ext>
+            </a:extLst>
+          </p:cNvPr>
+          <p:cNvCxnSpPr>
+            <a:cxnSpLocks/>
+          </p:cNvCxnSpPr>
+          <p:nvPr/>
+        </p:nvCxnSpPr>
+        <p:spPr>
+          <a:xfrm>
+            <a:off x="4182634" y="9504943"/>
+            <a:ext cx="5275890" cy="0"/>
+          </a:xfrm>
+          <a:prstGeom prst="line">
+            <a:avLst/>
+          </a:prstGeom>
+          <a:ln w="57150">
+            <a:solidFill>
+              <a:schemeClr val="tx1"/>
+            </a:solidFill>
+          </a:ln>
+        </p:spPr>
+        <p:style>
+          <a:lnRef idx="1">
+            <a:schemeClr val="accent1"/>
+          </a:lnRef>
+          <a:fillRef idx="0">
+            <a:schemeClr val="accent1"/>
+          </a:fillRef>
+          <a:effectRef idx="0">
+            <a:schemeClr val="accent1"/>
+          </a:effectRef>
+          <a:fontRef idx="minor">
+            <a:schemeClr val="tx1"/>
+          </a:fontRef>
+        </p:style>
+      </p:cxnSp>
+      <p:cxnSp>
+        <p:nvCxnSpPr>
+          <p:cNvPr id="76" name="Straight Connector 75">
+            <a:extLst>
+              <a:ext uri="{FF2B5EF4-FFF2-40B4-BE49-F238E27FC236}">
+                <a16:creationId xmlns:a16="http://schemas.microsoft.com/office/drawing/2014/main" id="{FD78F515-3ECA-46FA-B71A-EE9FB259DE17}"/>
+              </a:ext>
+            </a:extLst>
+          </p:cNvPr>
+          <p:cNvCxnSpPr>
+            <a:cxnSpLocks/>
+            <a:stCxn id="17" idx="2"/>
+          </p:cNvCxnSpPr>
+          <p:nvPr/>
+        </p:nvCxnSpPr>
+        <p:spPr>
+          <a:xfrm>
+            <a:off x="9463611" y="9096198"/>
+            <a:ext cx="0" cy="432813"/>
+          </a:xfrm>
+          <a:prstGeom prst="line">
+            <a:avLst/>
+          </a:prstGeom>
+          <a:ln w="57150">
+            <a:solidFill>
+              <a:schemeClr val="tx1"/>
+            </a:solidFill>
+          </a:ln>
+        </p:spPr>
+        <p:style>
+          <a:lnRef idx="1">
+            <a:schemeClr val="accent1"/>
+          </a:lnRef>
+          <a:fillRef idx="0">
+            <a:schemeClr val="accent1"/>
+          </a:fillRef>
+          <a:effectRef idx="0">
+            <a:schemeClr val="accent1"/>
+          </a:effectRef>
+          <a:fontRef idx="minor">
+            <a:schemeClr val="tx1"/>
+          </a:fontRef>
+        </p:style>
+      </p:cxnSp>
+    </p:spTree>
+    <p:extLst>
+      <p:ext uri="{BB962C8B-B14F-4D97-AF65-F5344CB8AC3E}">
+        <p14:creationId xmlns:p14="http://schemas.microsoft.com/office/powerpoint/2010/main" val="3406890731"/>
+      </p:ext>
+    </p:extLst>
+  </p:cSld>
+  <p:clrMapOvr>
+    <a:masterClrMapping/>
+  </p:clrMapOvr>
+</p:sld>
+</file>
+
+<file path=ppt/slides/slide4.xml><?xml version="1.0" encoding="utf-8"?>
+<p:sld xmlns:a="http://schemas.openxmlformats.org/drawingml/2006/main" xmlns:r="http://schemas.openxmlformats.org/officeDocument/2006/relationships" xmlns:p="http://schemas.openxmlformats.org/presentationml/2006/main">
+  <p:cSld>
+    <p:spTree>
+      <p:nvGrpSpPr>
+        <p:cNvPr id="1" name=""/>
+        <p:cNvGrpSpPr/>
+        <p:nvPr/>
+      </p:nvGrpSpPr>
+      <p:grpSpPr>
+        <a:xfrm>
+          <a:off x="0" y="0"/>
+          <a:ext cx="0" cy="0"/>
+          <a:chOff x="0" y="0"/>
+          <a:chExt cx="0" cy="0"/>
+        </a:xfrm>
+      </p:grpSpPr>
+      <p:cxnSp>
+        <p:nvCxnSpPr>
+          <p:cNvPr id="12" name="Straight Connector 11">
+            <a:extLst>
+              <a:ext uri="{FF2B5EF4-FFF2-40B4-BE49-F238E27FC236}">
+                <a16:creationId xmlns:a16="http://schemas.microsoft.com/office/drawing/2014/main" id="{85981B6A-BA53-4D90-8045-7D2E7E6F7E21}"/>
+              </a:ext>
+            </a:extLst>
+          </p:cNvPr>
+          <p:cNvCxnSpPr>
+            <a:cxnSpLocks/>
+            <a:stCxn id="5" idx="2"/>
+            <a:endCxn id="6" idx="0"/>
+          </p:cNvCxnSpPr>
+          <p:nvPr/>
+        </p:nvCxnSpPr>
+        <p:spPr>
+          <a:xfrm flipH="1">
+            <a:off x="1786221" y="3512392"/>
+            <a:ext cx="5413885" cy="635763"/>
+          </a:xfrm>
+          <a:prstGeom prst="line">
+            <a:avLst/>
+          </a:prstGeom>
+          <a:ln w="19050">
+            <a:solidFill>
+              <a:schemeClr val="tx1"/>
+            </a:solidFill>
+          </a:ln>
+        </p:spPr>
+        <p:style>
+          <a:lnRef idx="1">
+            <a:schemeClr val="accent1"/>
+          </a:lnRef>
+          <a:fillRef idx="0">
+            <a:schemeClr val="accent1"/>
+          </a:fillRef>
+          <a:effectRef idx="0">
+            <a:schemeClr val="accent1"/>
+          </a:effectRef>
+          <a:fontRef idx="minor">
+            <a:schemeClr val="tx1"/>
+          </a:fontRef>
+        </p:style>
+      </p:cxnSp>
+      <p:sp>
+        <p:nvSpPr>
+          <p:cNvPr id="5" name="Rectangle 4">
+            <a:extLst>
+              <a:ext uri="{FF2B5EF4-FFF2-40B4-BE49-F238E27FC236}">
+                <a16:creationId xmlns:a16="http://schemas.microsoft.com/office/drawing/2014/main" id="{569F0725-376F-4246-A100-0DCDA8A8390B}"/>
+              </a:ext>
+            </a:extLst>
+          </p:cNvPr>
+          <p:cNvSpPr/>
+          <p:nvPr/>
+        </p:nvSpPr>
+        <p:spPr>
+          <a:xfrm>
+            <a:off x="5475609" y="3125638"/>
+            <a:ext cx="3448993" cy="386754"/>
+          </a:xfrm>
+          <a:prstGeom prst="rect">
+            <a:avLst/>
+          </a:prstGeom>
+          <a:solidFill>
+            <a:schemeClr val="accent2"/>
+          </a:solidFill>
+          <a:ln>
+            <a:noFill/>
+          </a:ln>
+        </p:spPr>
+        <p:style>
+          <a:lnRef idx="2">
+            <a:schemeClr val="accent1">
+              <a:shade val="50000"/>
+            </a:schemeClr>
+          </a:lnRef>
+          <a:fillRef idx="1">
+            <a:schemeClr val="accent1"/>
+          </a:fillRef>
+          <a:effectRef idx="0">
+            <a:schemeClr val="accent1"/>
+          </a:effectRef>
+          <a:fontRef idx="minor">
+            <a:schemeClr val="lt1"/>
+          </a:fontRef>
+        </p:style>
+        <p:txBody>
+          <a:bodyPr rtlCol="0" anchor="ctr"/>
+          <a:lstStyle/>
+          <a:p>
+            <a:pPr algn="ctr"/>
+            <a:r>
+              <a:rPr lang="en-CA" sz="1400" b="1" dirty="0"/>
+              <a:t>Federal Government (Ottawa)</a:t>
+            </a:r>
+          </a:p>
+        </p:txBody>
+      </p:sp>
+      <p:sp>
+        <p:nvSpPr>
+          <p:cNvPr id="6" name="Rectangle 5">
+            <a:extLst>
+              <a:ext uri="{FF2B5EF4-FFF2-40B4-BE49-F238E27FC236}">
+                <a16:creationId xmlns:a16="http://schemas.microsoft.com/office/drawing/2014/main" id="{AF86E7C0-1A96-4461-9AA4-FCFF338FCA8F}"/>
+              </a:ext>
+            </a:extLst>
+          </p:cNvPr>
+          <p:cNvSpPr/>
+          <p:nvPr/>
+        </p:nvSpPr>
+        <p:spPr>
+          <a:xfrm>
+            <a:off x="61724" y="4148155"/>
+            <a:ext cx="3448993" cy="623320"/>
+          </a:xfrm>
+          <a:prstGeom prst="rect">
+            <a:avLst/>
+          </a:prstGeom>
+          <a:solidFill>
+            <a:srgbClr val="006C31"/>
+          </a:solidFill>
+          <a:ln>
+            <a:noFill/>
+          </a:ln>
+        </p:spPr>
+        <p:style>
+          <a:lnRef idx="2">
+            <a:schemeClr val="accent1">
+              <a:shade val="50000"/>
+            </a:schemeClr>
+          </a:lnRef>
+          <a:fillRef idx="1">
+            <a:schemeClr val="accent1"/>
+          </a:fillRef>
+          <a:effectRef idx="0">
+            <a:schemeClr val="accent1"/>
+          </a:effectRef>
+          <a:fontRef idx="minor">
+            <a:schemeClr val="lt1"/>
+          </a:fontRef>
+        </p:style>
+        <p:txBody>
+          <a:bodyPr rtlCol="0" anchor="ctr"/>
+          <a:lstStyle/>
+          <a:p>
+            <a:pPr algn="ctr"/>
+            <a:r>
+              <a:rPr lang="en-CA" sz="1400" b="1" dirty="0"/>
+              <a:t>Ontario Provincial Government </a:t>
+            </a:r>
+          </a:p>
+          <a:p>
+            <a:pPr algn="ctr"/>
+            <a:r>
+              <a:rPr lang="en-CA" sz="1400" b="1" dirty="0"/>
+              <a:t>(Toronto)</a:t>
+            </a:r>
+          </a:p>
+        </p:txBody>
+      </p:sp>
+      <p:sp>
+        <p:nvSpPr>
+          <p:cNvPr id="7" name="Rectangle 6">
+            <a:extLst>
+              <a:ext uri="{FF2B5EF4-FFF2-40B4-BE49-F238E27FC236}">
+                <a16:creationId xmlns:a16="http://schemas.microsoft.com/office/drawing/2014/main" id="{BBD7F38E-C0DC-4DF0-84E9-4613F6ACBF42}"/>
+              </a:ext>
+            </a:extLst>
+          </p:cNvPr>
+          <p:cNvSpPr/>
+          <p:nvPr/>
+        </p:nvSpPr>
+        <p:spPr>
+          <a:xfrm>
+            <a:off x="3681350" y="4148155"/>
+            <a:ext cx="3448993" cy="623320"/>
+          </a:xfrm>
+          <a:prstGeom prst="rect">
+            <a:avLst/>
+          </a:prstGeom>
+          <a:solidFill>
+            <a:srgbClr val="006C31"/>
+          </a:solidFill>
+          <a:ln>
+            <a:noFill/>
+          </a:ln>
+        </p:spPr>
+        <p:style>
+          <a:lnRef idx="2">
+            <a:schemeClr val="accent1">
+              <a:shade val="50000"/>
+            </a:schemeClr>
+          </a:lnRef>
+          <a:fillRef idx="1">
+            <a:schemeClr val="accent1"/>
+          </a:fillRef>
+          <a:effectRef idx="0">
+            <a:schemeClr val="accent1"/>
+          </a:effectRef>
+          <a:fontRef idx="minor">
+            <a:schemeClr val="lt1"/>
+          </a:fontRef>
+        </p:style>
+        <p:txBody>
+          <a:bodyPr rtlCol="0" anchor="ctr"/>
+          <a:lstStyle/>
+          <a:p>
+            <a:pPr algn="ctr"/>
+            <a:r>
+              <a:rPr lang="en-CA" sz="1400" b="1" dirty="0"/>
+              <a:t>Quebec Provincial Government </a:t>
+            </a:r>
+          </a:p>
+          <a:p>
+            <a:pPr algn="ctr"/>
+            <a:r>
+              <a:rPr lang="en-CA" sz="1400" b="1" dirty="0"/>
+              <a:t>(City of Quebec)</a:t>
+            </a:r>
+          </a:p>
+        </p:txBody>
+      </p:sp>
+      <p:sp>
+        <p:nvSpPr>
+          <p:cNvPr id="8" name="Rectangle 7">
+            <a:extLst>
+              <a:ext uri="{FF2B5EF4-FFF2-40B4-BE49-F238E27FC236}">
+                <a16:creationId xmlns:a16="http://schemas.microsoft.com/office/drawing/2014/main" id="{7046BCB6-EF70-416D-B5D2-D653829C2B07}"/>
+              </a:ext>
+            </a:extLst>
+          </p:cNvPr>
+          <p:cNvSpPr/>
+          <p:nvPr/>
+        </p:nvSpPr>
+        <p:spPr>
+          <a:xfrm>
+            <a:off x="7300976" y="4148155"/>
+            <a:ext cx="3448993" cy="623320"/>
+          </a:xfrm>
+          <a:prstGeom prst="rect">
+            <a:avLst/>
+          </a:prstGeom>
+          <a:solidFill>
+            <a:srgbClr val="006C31"/>
+          </a:solidFill>
+          <a:ln>
+            <a:noFill/>
+          </a:ln>
+        </p:spPr>
+        <p:style>
+          <a:lnRef idx="2">
+            <a:schemeClr val="accent1">
+              <a:shade val="50000"/>
+            </a:schemeClr>
+          </a:lnRef>
+          <a:fillRef idx="1">
+            <a:schemeClr val="accent1"/>
+          </a:fillRef>
+          <a:effectRef idx="0">
+            <a:schemeClr val="accent1"/>
+          </a:effectRef>
+          <a:fontRef idx="minor">
+            <a:schemeClr val="lt1"/>
+          </a:fontRef>
+        </p:style>
+        <p:txBody>
+          <a:bodyPr rtlCol="0" anchor="ctr"/>
+          <a:lstStyle/>
+          <a:p>
+            <a:pPr algn="ctr"/>
+            <a:r>
+              <a:rPr lang="en-CA" sz="1400" b="1" dirty="0"/>
+              <a:t>New Brunswick Provincial Government</a:t>
+            </a:r>
+          </a:p>
+          <a:p>
+            <a:pPr algn="ctr"/>
+            <a:r>
+              <a:rPr lang="en-CA" sz="1400" b="1" dirty="0"/>
+              <a:t>(Fredericton)</a:t>
+            </a:r>
+          </a:p>
+        </p:txBody>
+      </p:sp>
+      <p:sp>
+        <p:nvSpPr>
+          <p:cNvPr id="9" name="Rectangle 8">
+            <a:extLst>
+              <a:ext uri="{FF2B5EF4-FFF2-40B4-BE49-F238E27FC236}">
+                <a16:creationId xmlns:a16="http://schemas.microsoft.com/office/drawing/2014/main" id="{E38A25D2-9C55-4A30-B93D-562139B1B346}"/>
+              </a:ext>
+            </a:extLst>
+          </p:cNvPr>
+          <p:cNvSpPr/>
+          <p:nvPr/>
+        </p:nvSpPr>
+        <p:spPr>
+          <a:xfrm>
+            <a:off x="10920602" y="4148155"/>
+            <a:ext cx="3448993" cy="623320"/>
+          </a:xfrm>
+          <a:prstGeom prst="rect">
+            <a:avLst/>
+          </a:prstGeom>
+          <a:solidFill>
+            <a:srgbClr val="006C31"/>
+          </a:solidFill>
+          <a:ln>
+            <a:noFill/>
+          </a:ln>
+        </p:spPr>
+        <p:style>
+          <a:lnRef idx="2">
+            <a:schemeClr val="accent1">
+              <a:shade val="50000"/>
+            </a:schemeClr>
+          </a:lnRef>
+          <a:fillRef idx="1">
+            <a:schemeClr val="accent1"/>
+          </a:fillRef>
+          <a:effectRef idx="0">
+            <a:schemeClr val="accent1"/>
+          </a:effectRef>
+          <a:fontRef idx="minor">
+            <a:schemeClr val="lt1"/>
+          </a:fontRef>
+        </p:style>
+        <p:txBody>
+          <a:bodyPr rtlCol="0" anchor="ctr"/>
+          <a:lstStyle/>
+          <a:p>
+            <a:pPr algn="ctr"/>
+            <a:r>
+              <a:rPr lang="en-CA" sz="1400" b="1" dirty="0"/>
+              <a:t>Nova Scotia Provincial Government</a:t>
+            </a:r>
+          </a:p>
+          <a:p>
+            <a:pPr algn="ctr"/>
+            <a:r>
+              <a:rPr lang="en-CA" sz="1400" b="1" dirty="0"/>
+              <a:t>(Halifax)</a:t>
+            </a:r>
+          </a:p>
+        </p:txBody>
+      </p:sp>
+      <p:cxnSp>
+        <p:nvCxnSpPr>
+          <p:cNvPr id="15" name="Straight Connector 14">
+            <a:extLst>
+              <a:ext uri="{FF2B5EF4-FFF2-40B4-BE49-F238E27FC236}">
+                <a16:creationId xmlns:a16="http://schemas.microsoft.com/office/drawing/2014/main" id="{94E1A1AE-6F9A-4C7F-85BD-FA17A5D03FEE}"/>
+              </a:ext>
+            </a:extLst>
+          </p:cNvPr>
+          <p:cNvCxnSpPr>
+            <a:cxnSpLocks/>
+            <a:stCxn id="5" idx="2"/>
+            <a:endCxn id="7" idx="0"/>
+          </p:cNvCxnSpPr>
+          <p:nvPr/>
+        </p:nvCxnSpPr>
+        <p:spPr>
+          <a:xfrm flipH="1">
+            <a:off x="5405847" y="3512392"/>
+            <a:ext cx="1794259" cy="635763"/>
+          </a:xfrm>
+          <a:prstGeom prst="line">
+            <a:avLst/>
+          </a:prstGeom>
+          <a:ln w="19050">
+            <a:solidFill>
+              <a:schemeClr val="tx1"/>
+            </a:solidFill>
+          </a:ln>
+        </p:spPr>
+        <p:style>
+          <a:lnRef idx="1">
+            <a:schemeClr val="accent1"/>
+          </a:lnRef>
+          <a:fillRef idx="0">
+            <a:schemeClr val="accent1"/>
+          </a:fillRef>
+          <a:effectRef idx="0">
+            <a:schemeClr val="accent1"/>
+          </a:effectRef>
+          <a:fontRef idx="minor">
+            <a:schemeClr val="tx1"/>
+          </a:fontRef>
+        </p:style>
+      </p:cxnSp>
+      <p:cxnSp>
+        <p:nvCxnSpPr>
+          <p:cNvPr id="18" name="Straight Connector 17">
+            <a:extLst>
+              <a:ext uri="{FF2B5EF4-FFF2-40B4-BE49-F238E27FC236}">
+                <a16:creationId xmlns:a16="http://schemas.microsoft.com/office/drawing/2014/main" id="{5367DD8B-EDF3-4587-9643-55FDBFEC084F}"/>
+              </a:ext>
+            </a:extLst>
+          </p:cNvPr>
+          <p:cNvCxnSpPr>
+            <a:cxnSpLocks/>
+            <a:stCxn id="5" idx="2"/>
+            <a:endCxn id="8" idx="0"/>
+          </p:cNvCxnSpPr>
+          <p:nvPr/>
+        </p:nvCxnSpPr>
+        <p:spPr>
+          <a:xfrm>
+            <a:off x="7200106" y="3512392"/>
+            <a:ext cx="1825367" cy="635763"/>
+          </a:xfrm>
+          <a:prstGeom prst="line">
+            <a:avLst/>
+          </a:prstGeom>
+          <a:ln w="19050">
+            <a:solidFill>
+              <a:schemeClr val="tx1"/>
+            </a:solidFill>
+          </a:ln>
+        </p:spPr>
+        <p:style>
+          <a:lnRef idx="1">
+            <a:schemeClr val="accent1"/>
+          </a:lnRef>
+          <a:fillRef idx="0">
+            <a:schemeClr val="accent1"/>
+          </a:fillRef>
+          <a:effectRef idx="0">
+            <a:schemeClr val="accent1"/>
+          </a:effectRef>
+          <a:fontRef idx="minor">
+            <a:schemeClr val="tx1"/>
+          </a:fontRef>
+        </p:style>
+      </p:cxnSp>
+      <p:cxnSp>
+        <p:nvCxnSpPr>
+          <p:cNvPr id="21" name="Straight Connector 20">
+            <a:extLst>
+              <a:ext uri="{FF2B5EF4-FFF2-40B4-BE49-F238E27FC236}">
+                <a16:creationId xmlns:a16="http://schemas.microsoft.com/office/drawing/2014/main" id="{58CBD94A-C0B9-4A70-A5D0-2888362F2B64}"/>
+              </a:ext>
+            </a:extLst>
+          </p:cNvPr>
+          <p:cNvCxnSpPr>
+            <a:cxnSpLocks/>
+            <a:stCxn id="5" idx="2"/>
+            <a:endCxn id="9" idx="0"/>
+          </p:cNvCxnSpPr>
+          <p:nvPr/>
+        </p:nvCxnSpPr>
+        <p:spPr>
+          <a:xfrm>
+            <a:off x="7200106" y="3512392"/>
+            <a:ext cx="5444993" cy="635763"/>
+          </a:xfrm>
+          <a:prstGeom prst="line">
+            <a:avLst/>
+          </a:prstGeom>
+          <a:ln w="19050">
+            <a:solidFill>
+              <a:schemeClr val="tx1"/>
+            </a:solidFill>
+          </a:ln>
+        </p:spPr>
+        <p:style>
+          <a:lnRef idx="1">
+            <a:schemeClr val="accent1"/>
+          </a:lnRef>
+          <a:fillRef idx="0">
+            <a:schemeClr val="accent1"/>
+          </a:fillRef>
+          <a:effectRef idx="0">
+            <a:schemeClr val="accent1"/>
+          </a:effectRef>
+          <a:fontRef idx="minor">
+            <a:schemeClr val="tx1"/>
+          </a:fontRef>
+        </p:style>
+      </p:cxnSp>
+    </p:spTree>
+    <p:extLst>
+      <p:ext uri="{BB962C8B-B14F-4D97-AF65-F5344CB8AC3E}">
+        <p14:creationId xmlns:p14="http://schemas.microsoft.com/office/powerpoint/2010/main" val="1526698822"/>
+      </p:ext>
+    </p:extLst>
+  </p:cSld>
+  <p:clrMapOvr>
+    <a:masterClrMapping/>
+  </p:clrMapOvr>
+</p:sld>
+</file>
+
 <file path=ppt/theme/theme1.xml><?xml version="1.0" encoding="utf-8"?>
 <a:theme xmlns:a="http://schemas.openxmlformats.org/drawingml/2006/main" name="Office Theme">
   <a:themeElements>
